--- a/Employee_Data_Analysis_2.pptx
+++ b/Employee_Data_Analysis_2.pptx
@@ -1,33 +1,33 @@
 
 <file path=ppt/presentation.xml><?xml version="1.0" encoding="utf-8"?>
-<p:presentation xmlns:a="http://schemas.openxmlformats.org/drawingml/2006/main" xmlns:r="http://schemas.openxmlformats.org/officeDocument/2006/relationships" xmlns:p="http://schemas.openxmlformats.org/presentationml/2006/main">
+<p:presentation xmlns:p="http://schemas.openxmlformats.org/presentationml/2006/main" xmlns:r="http://schemas.openxmlformats.org/officeDocument/2006/relationships" xmlns:a="http://schemas.openxmlformats.org/drawingml/2006/main">
   <p:sldMasterIdLst>
     <p:sldMasterId id="2147483648" r:id="rId1"/>
   </p:sldMasterIdLst>
   <p:notesMasterIdLst>
-    <p:notesMasterId r:id="rId14"/>
+    <p:notesMasterId r:id="rId2"/>
   </p:notesMasterIdLst>
   <p:sldIdLst>
-    <p:sldId id="256" r:id="rId2"/>
     <p:sldId id="257" r:id="rId3"/>
     <p:sldId id="258" r:id="rId4"/>
     <p:sldId id="259" r:id="rId5"/>
     <p:sldId id="260" r:id="rId6"/>
     <p:sldId id="261" r:id="rId7"/>
     <p:sldId id="262" r:id="rId8"/>
-    <p:sldId id="269" r:id="rId9"/>
-    <p:sldId id="263" r:id="rId10"/>
-    <p:sldId id="264" r:id="rId11"/>
-    <p:sldId id="265" r:id="rId12"/>
-    <p:sldId id="268" r:id="rId13"/>
+    <p:sldId id="263" r:id="rId9"/>
+    <p:sldId id="264" r:id="rId10"/>
+    <p:sldId id="265" r:id="rId11"/>
+    <p:sldId id="266" r:id="rId12"/>
+    <p:sldId id="267" r:id="rId13"/>
+    <p:sldId id="268" r:id="rId14"/>
   </p:sldIdLst>
-  <p:sldSz cx="12192000" cy="6858000"/>
+  <p:sldSz type="screen16x9" cy="6858000" cx="12192000"/>
   <p:notesSz cx="12192000" cy="6858000"/>
   <p:defaultTextStyle>
     <a:defPPr>
       <a:defRPr lang="en-US"/>
     </a:defPPr>
-    <a:lvl1pPr marL="0" algn="l" defTabSz="914400" rtl="0" eaLnBrk="1" latinLnBrk="0" hangingPunct="1">
+    <a:lvl1pPr algn="l" defTabSz="914400" eaLnBrk="1" hangingPunct="1" latinLnBrk="0" marL="0" rtl="0">
       <a:defRPr sz="1800" kern="1200">
         <a:solidFill>
           <a:schemeClr val="tx1"/>
@@ -37,7 +37,7 @@
         <a:cs typeface="+mn-cs"/>
       </a:defRPr>
     </a:lvl1pPr>
-    <a:lvl2pPr marL="457200" algn="l" defTabSz="914400" rtl="0" eaLnBrk="1" latinLnBrk="0" hangingPunct="1">
+    <a:lvl2pPr algn="l" defTabSz="914400" eaLnBrk="1" hangingPunct="1" latinLnBrk="0" marL="457200" rtl="0">
       <a:defRPr sz="1800" kern="1200">
         <a:solidFill>
           <a:schemeClr val="tx1"/>
@@ -47,7 +47,7 @@
         <a:cs typeface="+mn-cs"/>
       </a:defRPr>
     </a:lvl2pPr>
-    <a:lvl3pPr marL="914400" algn="l" defTabSz="914400" rtl="0" eaLnBrk="1" latinLnBrk="0" hangingPunct="1">
+    <a:lvl3pPr algn="l" defTabSz="914400" eaLnBrk="1" hangingPunct="1" latinLnBrk="0" marL="914400" rtl="0">
       <a:defRPr sz="1800" kern="1200">
         <a:solidFill>
           <a:schemeClr val="tx1"/>
@@ -57,7 +57,7 @@
         <a:cs typeface="+mn-cs"/>
       </a:defRPr>
     </a:lvl3pPr>
-    <a:lvl4pPr marL="1371600" algn="l" defTabSz="914400" rtl="0" eaLnBrk="1" latinLnBrk="0" hangingPunct="1">
+    <a:lvl4pPr algn="l" defTabSz="914400" eaLnBrk="1" hangingPunct="1" latinLnBrk="0" marL="1371600" rtl="0">
       <a:defRPr sz="1800" kern="1200">
         <a:solidFill>
           <a:schemeClr val="tx1"/>
@@ -67,7 +67,7 @@
         <a:cs typeface="+mn-cs"/>
       </a:defRPr>
     </a:lvl4pPr>
-    <a:lvl5pPr marL="1828800" algn="l" defTabSz="914400" rtl="0" eaLnBrk="1" latinLnBrk="0" hangingPunct="1">
+    <a:lvl5pPr algn="l" defTabSz="914400" eaLnBrk="1" hangingPunct="1" latinLnBrk="0" marL="1828800" rtl="0">
       <a:defRPr sz="1800" kern="1200">
         <a:solidFill>
           <a:schemeClr val="tx1"/>
@@ -77,7 +77,7 @@
         <a:cs typeface="+mn-cs"/>
       </a:defRPr>
     </a:lvl5pPr>
-    <a:lvl6pPr marL="2286000" algn="l" defTabSz="914400" rtl="0" eaLnBrk="1" latinLnBrk="0" hangingPunct="1">
+    <a:lvl6pPr algn="l" defTabSz="914400" eaLnBrk="1" hangingPunct="1" latinLnBrk="0" marL="2286000" rtl="0">
       <a:defRPr sz="1800" kern="1200">
         <a:solidFill>
           <a:schemeClr val="tx1"/>
@@ -87,7 +87,7 @@
         <a:cs typeface="+mn-cs"/>
       </a:defRPr>
     </a:lvl6pPr>
-    <a:lvl7pPr marL="2743200" algn="l" defTabSz="914400" rtl="0" eaLnBrk="1" latinLnBrk="0" hangingPunct="1">
+    <a:lvl7pPr algn="l" defTabSz="914400" eaLnBrk="1" hangingPunct="1" latinLnBrk="0" marL="2743200" rtl="0">
       <a:defRPr sz="1800" kern="1200">
         <a:solidFill>
           <a:schemeClr val="tx1"/>
@@ -97,7 +97,7 @@
         <a:cs typeface="+mn-cs"/>
       </a:defRPr>
     </a:lvl7pPr>
-    <a:lvl8pPr marL="3200400" algn="l" defTabSz="914400" rtl="0" eaLnBrk="1" latinLnBrk="0" hangingPunct="1">
+    <a:lvl8pPr algn="l" defTabSz="914400" eaLnBrk="1" hangingPunct="1" latinLnBrk="0" marL="3200400" rtl="0">
       <a:defRPr sz="1800" kern="1200">
         <a:solidFill>
           <a:schemeClr val="tx1"/>
@@ -107,7 +107,7 @@
         <a:cs typeface="+mn-cs"/>
       </a:defRPr>
     </a:lvl8pPr>
-    <a:lvl9pPr marL="3657600" algn="l" defTabSz="914400" rtl="0" eaLnBrk="1" latinLnBrk="0" hangingPunct="1">
+    <a:lvl9pPr algn="l" defTabSz="914400" eaLnBrk="1" hangingPunct="1" latinLnBrk="0" marL="3657600" rtl="0">
       <a:defRPr sz="1800" kern="1200">
         <a:solidFill>
           <a:schemeClr val="tx1"/>
@@ -118,52 +118,7 @@
       </a:defRPr>
     </a:lvl9pPr>
   </p:defaultTextStyle>
-  <p:extLst>
-    <p:ext uri="{EFAFB233-063F-42B5-8137-9DF3F51BA10A}">
-      <p15:sldGuideLst xmlns:p15="http://schemas.microsoft.com/office/powerpoint/2012/main">
-        <p15:guide id="1" orient="horz" pos="2880">
-          <p15:clr>
-            <a:srgbClr val="A4A3A4"/>
-          </p15:clr>
-        </p15:guide>
-        <p15:guide id="2" pos="2160">
-          <p15:clr>
-            <a:srgbClr val="A4A3A4"/>
-          </p15:clr>
-        </p15:guide>
-      </p15:sldGuideLst>
-    </p:ext>
-  </p:extLst>
 </p:presentation>
-</file>
-
-<file path=ppt/changesInfos/changesInfo1.xml><?xml version="1.0" encoding="utf-8"?>
-<pc:chgInfo xmlns:a="http://schemas.openxmlformats.org/drawingml/2006/main" xmlns:r="http://schemas.openxmlformats.org/officeDocument/2006/relationships" xmlns:ac="http://schemas.microsoft.com/office/drawing/2013/main/command" xmlns:pc="http://schemas.microsoft.com/office/powerpoint/2013/main/command">
-  <pc:docChgLst>
-    <pc:chgData name="Konduru Narasimha" userId="bd3f5b018a89079d" providerId="LiveId" clId="{69F0B7B8-A48D-48FD-8D34-6509FC35AB36}"/>
-    <pc:docChg chg="modSld">
-      <pc:chgData name="Konduru Narasimha" userId="bd3f5b018a89079d" providerId="LiveId" clId="{69F0B7B8-A48D-48FD-8D34-6509FC35AB36}" dt="2024-03-30T14:42:22.571" v="0" actId="1076"/>
-      <pc:docMkLst>
-        <pc:docMk/>
-      </pc:docMkLst>
-      <pc:sldChg chg="modSp mod">
-        <pc:chgData name="Konduru Narasimha" userId="bd3f5b018a89079d" providerId="LiveId" clId="{69F0B7B8-A48D-48FD-8D34-6509FC35AB36}" dt="2024-03-30T14:42:22.571" v="0" actId="1076"/>
-        <pc:sldMkLst>
-          <pc:docMk/>
-          <pc:sldMk cId="0" sldId="265"/>
-        </pc:sldMkLst>
-        <pc:picChg chg="mod">
-          <ac:chgData name="Konduru Narasimha" userId="bd3f5b018a89079d" providerId="LiveId" clId="{69F0B7B8-A48D-48FD-8D34-6509FC35AB36}" dt="2024-03-30T14:42:22.571" v="0" actId="1076"/>
-          <ac:picMkLst>
-            <pc:docMk/>
-            <pc:sldMk cId="0" sldId="265"/>
-            <ac:picMk id="13" creationId="{FEA2EDFA-59A4-12BC-EED8-7AFB8BE2180E}"/>
-          </ac:picMkLst>
-        </pc:picChg>
-      </pc:sldChg>
-    </pc:docChg>
-  </pc:docChgLst>
-</pc:chgInfo>
 </file>
 
 <file path=ppt/notesMasters/notesMaster1.xml><?xml version="1.0" encoding="utf-8"?>
@@ -176,7 +131,7 @@
     </p:bg>
     <p:spTree>
       <p:nvGrpSpPr>
-        <p:cNvPr id="1" name=""/>
+        <p:cNvPr id="46" name=""/>
         <p:cNvGrpSpPr/>
         <p:nvPr/>
       </p:nvGrpSpPr>
@@ -190,7 +145,7 @@
       </p:grpSpPr>
       <p:sp>
         <p:nvSpPr>
-          <p:cNvPr id="2" name="Header Placeholder 1"/>
+          <p:cNvPr id="1048697" name="Header Placeholder 1"/>
           <p:cNvSpPr>
             <a:spLocks noGrp="1"/>
           </p:cNvSpPr>
@@ -203,12 +158,10 @@
             <a:off x="0" y="0"/>
             <a:ext cx="5283200" cy="344488"/>
           </a:xfrm>
-          <a:prstGeom prst="rect">
-            <a:avLst/>
-          </a:prstGeom>
-        </p:spPr>
-        <p:txBody>
-          <a:bodyPr vert="horz" lIns="91440" tIns="45720" rIns="91440" bIns="45720" rtlCol="0"/>
+          <a:prstGeom prst="rect"/>
+        </p:spPr>
+        <p:txBody>
+          <a:bodyPr bIns="45720" lIns="91440" rIns="91440" rtlCol="0" tIns="45720" vert="horz"/>
           <a:lstStyle>
             <a:lvl1pPr algn="l">
               <a:defRPr sz="1200"/>
@@ -221,7 +174,7 @@
       </p:sp>
       <p:sp>
         <p:nvSpPr>
-          <p:cNvPr id="3" name="Date Placeholder 2"/>
+          <p:cNvPr id="1048698" name="Date Placeholder 2"/>
           <p:cNvSpPr>
             <a:spLocks noGrp="1"/>
           </p:cNvSpPr>
@@ -234,12 +187,10 @@
             <a:off x="6905625" y="0"/>
             <a:ext cx="5283200" cy="344488"/>
           </a:xfrm>
-          <a:prstGeom prst="rect">
-            <a:avLst/>
-          </a:prstGeom>
-        </p:spPr>
-        <p:txBody>
-          <a:bodyPr vert="horz" lIns="91440" tIns="45720" rIns="91440" bIns="45720" rtlCol="0"/>
+          <a:prstGeom prst="rect"/>
+        </p:spPr>
+        <p:txBody>
+          <a:bodyPr bIns="45720" lIns="91440" rIns="91440" rtlCol="0" tIns="45720" vert="horz"/>
           <a:lstStyle>
             <a:lvl1pPr algn="r">
               <a:defRPr sz="1200"/>
@@ -256,9 +207,9 @@
       </p:sp>
       <p:sp>
         <p:nvSpPr>
-          <p:cNvPr id="4" name="Slide Image Placeholder 3"/>
+          <p:cNvPr id="1048699" name="Slide Image Placeholder 3"/>
           <p:cNvSpPr>
-            <a:spLocks noGrp="1" noRot="1" noChangeAspect="1"/>
+            <a:spLocks noChangeAspect="1" noRot="1" noGrp="1"/>
           </p:cNvSpPr>
           <p:nvPr>
             <p:ph type="sldImg" idx="2"/>
@@ -269,9 +220,7 @@
             <a:off x="4038600" y="857250"/>
             <a:ext cx="4114800" cy="2314575"/>
           </a:xfrm>
-          <a:prstGeom prst="rect">
-            <a:avLst/>
-          </a:prstGeom>
+          <a:prstGeom prst="rect"/>
           <a:noFill/>
           <a:ln w="12700">
             <a:solidFill>
@@ -280,8 +229,7 @@
           </a:ln>
         </p:spPr>
         <p:txBody>
-          <a:bodyPr vert="horz" lIns="91440" tIns="45720" rIns="91440" bIns="45720" rtlCol="0" anchor="ctr"/>
-          <a:lstStyle/>
+          <a:bodyPr anchor="ctr" bIns="45720" lIns="91440" rIns="91440" rtlCol="0" tIns="45720" vert="horz"/>
           <a:p>
             <a:endParaRPr lang="en-IN"/>
           </a:p>
@@ -289,7 +237,7 @@
       </p:sp>
       <p:sp>
         <p:nvSpPr>
-          <p:cNvPr id="5" name="Notes Placeholder 4"/>
+          <p:cNvPr id="1048700" name="Notes Placeholder 4"/>
           <p:cNvSpPr>
             <a:spLocks noGrp="1"/>
           </p:cNvSpPr>
@@ -302,13 +250,10 @@
             <a:off x="1219200" y="3300413"/>
             <a:ext cx="9753600" cy="2700337"/>
           </a:xfrm>
-          <a:prstGeom prst="rect">
-            <a:avLst/>
-          </a:prstGeom>
-        </p:spPr>
-        <p:txBody>
-          <a:bodyPr vert="horz" lIns="91440" tIns="45720" rIns="91440" bIns="45720" rtlCol="0"/>
-          <a:lstStyle/>
+          <a:prstGeom prst="rect"/>
+        </p:spPr>
+        <p:txBody>
+          <a:bodyPr bIns="45720" lIns="91440" rIns="91440" rtlCol="0" tIns="45720" vert="horz"/>
           <a:p>
             <a:pPr lvl="0"/>
             <a:r>
@@ -349,7 +294,7 @@
       </p:sp>
       <p:sp>
         <p:nvSpPr>
-          <p:cNvPr id="6" name="Footer Placeholder 5"/>
+          <p:cNvPr id="1048701" name="Footer Placeholder 5"/>
           <p:cNvSpPr>
             <a:spLocks noGrp="1"/>
           </p:cNvSpPr>
@@ -362,12 +307,10 @@
             <a:off x="0" y="6513513"/>
             <a:ext cx="5283200" cy="344487"/>
           </a:xfrm>
-          <a:prstGeom prst="rect">
-            <a:avLst/>
-          </a:prstGeom>
-        </p:spPr>
-        <p:txBody>
-          <a:bodyPr vert="horz" lIns="91440" tIns="45720" rIns="91440" bIns="45720" rtlCol="0" anchor="b"/>
+          <a:prstGeom prst="rect"/>
+        </p:spPr>
+        <p:txBody>
+          <a:bodyPr anchor="b" bIns="45720" lIns="91440" rIns="91440" rtlCol="0" tIns="45720" vert="horz"/>
           <a:lstStyle>
             <a:lvl1pPr algn="l">
               <a:defRPr sz="1200"/>
@@ -380,7 +323,7 @@
       </p:sp>
       <p:sp>
         <p:nvSpPr>
-          <p:cNvPr id="7" name="Slide Number Placeholder 6"/>
+          <p:cNvPr id="1048702" name="Slide Number Placeholder 6"/>
           <p:cNvSpPr>
             <a:spLocks noGrp="1"/>
           </p:cNvSpPr>
@@ -393,12 +336,10 @@
             <a:off x="6905625" y="6513513"/>
             <a:ext cx="5283200" cy="344487"/>
           </a:xfrm>
-          <a:prstGeom prst="rect">
-            <a:avLst/>
-          </a:prstGeom>
-        </p:spPr>
-        <p:txBody>
-          <a:bodyPr vert="horz" lIns="91440" tIns="45720" rIns="91440" bIns="45720" rtlCol="0" anchor="b"/>
+          <a:prstGeom prst="rect"/>
+        </p:spPr>
+        <p:txBody>
+          <a:bodyPr anchor="b" bIns="45720" lIns="91440" rIns="91440" rtlCol="0" tIns="45720" vert="horz"/>
           <a:lstStyle>
             <a:lvl1pPr algn="r">
               <a:defRPr sz="1200"/>
@@ -414,15 +355,10 @@
         </p:txBody>
       </p:sp>
     </p:spTree>
-    <p:extLst>
-      <p:ext uri="{BB962C8B-B14F-4D97-AF65-F5344CB8AC3E}">
-        <p14:creationId xmlns:p14="http://schemas.microsoft.com/office/powerpoint/2010/main" val="2918557904"/>
-      </p:ext>
-    </p:extLst>
   </p:cSld>
-  <p:clrMap bg1="lt1" tx1="dk1" bg2="lt2" tx2="dk2" accent1="accent1" accent2="accent2" accent3="accent3" accent4="accent4" accent5="accent5" accent6="accent6" hlink="hlink" folHlink="folHlink"/>
+  <p:clrMap accent1="accent1" accent2="accent2" accent3="accent3" accent4="accent4" accent5="accent5" accent6="accent6" bg1="lt1" bg2="lt2" tx1="dk1" tx2="dk2" hlink="hlink" folHlink="folHlink"/>
   <p:notesStyle>
-    <a:lvl1pPr marL="0" algn="l" defTabSz="914400" rtl="0" eaLnBrk="1" latinLnBrk="0" hangingPunct="1">
+    <a:lvl1pPr algn="l" defTabSz="914400" eaLnBrk="1" hangingPunct="1" latinLnBrk="0" marL="0" rtl="0">
       <a:defRPr sz="1200" kern="1200">
         <a:solidFill>
           <a:schemeClr val="tx1"/>
@@ -432,7 +368,7 @@
         <a:cs typeface="+mn-cs"/>
       </a:defRPr>
     </a:lvl1pPr>
-    <a:lvl2pPr marL="457200" algn="l" defTabSz="914400" rtl="0" eaLnBrk="1" latinLnBrk="0" hangingPunct="1">
+    <a:lvl2pPr algn="l" defTabSz="914400" eaLnBrk="1" hangingPunct="1" latinLnBrk="0" marL="457200" rtl="0">
       <a:defRPr sz="1200" kern="1200">
         <a:solidFill>
           <a:schemeClr val="tx1"/>
@@ -442,7 +378,7 @@
         <a:cs typeface="+mn-cs"/>
       </a:defRPr>
     </a:lvl2pPr>
-    <a:lvl3pPr marL="914400" algn="l" defTabSz="914400" rtl="0" eaLnBrk="1" latinLnBrk="0" hangingPunct="1">
+    <a:lvl3pPr algn="l" defTabSz="914400" eaLnBrk="1" hangingPunct="1" latinLnBrk="0" marL="914400" rtl="0">
       <a:defRPr sz="1200" kern="1200">
         <a:solidFill>
           <a:schemeClr val="tx1"/>
@@ -452,7 +388,7 @@
         <a:cs typeface="+mn-cs"/>
       </a:defRPr>
     </a:lvl3pPr>
-    <a:lvl4pPr marL="1371600" algn="l" defTabSz="914400" rtl="0" eaLnBrk="1" latinLnBrk="0" hangingPunct="1">
+    <a:lvl4pPr algn="l" defTabSz="914400" eaLnBrk="1" hangingPunct="1" latinLnBrk="0" marL="1371600" rtl="0">
       <a:defRPr sz="1200" kern="1200">
         <a:solidFill>
           <a:schemeClr val="tx1"/>
@@ -462,7 +398,7 @@
         <a:cs typeface="+mn-cs"/>
       </a:defRPr>
     </a:lvl4pPr>
-    <a:lvl5pPr marL="1828800" algn="l" defTabSz="914400" rtl="0" eaLnBrk="1" latinLnBrk="0" hangingPunct="1">
+    <a:lvl5pPr algn="l" defTabSz="914400" eaLnBrk="1" hangingPunct="1" latinLnBrk="0" marL="1828800" rtl="0">
       <a:defRPr sz="1200" kern="1200">
         <a:solidFill>
           <a:schemeClr val="tx1"/>
@@ -472,7 +408,7 @@
         <a:cs typeface="+mn-cs"/>
       </a:defRPr>
     </a:lvl5pPr>
-    <a:lvl6pPr marL="2286000" algn="l" defTabSz="914400" rtl="0" eaLnBrk="1" latinLnBrk="0" hangingPunct="1">
+    <a:lvl6pPr algn="l" defTabSz="914400" eaLnBrk="1" hangingPunct="1" latinLnBrk="0" marL="2286000" rtl="0">
       <a:defRPr sz="1200" kern="1200">
         <a:solidFill>
           <a:schemeClr val="tx1"/>
@@ -482,7 +418,7 @@
         <a:cs typeface="+mn-cs"/>
       </a:defRPr>
     </a:lvl6pPr>
-    <a:lvl7pPr marL="2743200" algn="l" defTabSz="914400" rtl="0" eaLnBrk="1" latinLnBrk="0" hangingPunct="1">
+    <a:lvl7pPr algn="l" defTabSz="914400" eaLnBrk="1" hangingPunct="1" latinLnBrk="0" marL="2743200" rtl="0">
       <a:defRPr sz="1200" kern="1200">
         <a:solidFill>
           <a:schemeClr val="tx1"/>
@@ -492,7 +428,7 @@
         <a:cs typeface="+mn-cs"/>
       </a:defRPr>
     </a:lvl7pPr>
-    <a:lvl8pPr marL="3200400" algn="l" defTabSz="914400" rtl="0" eaLnBrk="1" latinLnBrk="0" hangingPunct="1">
+    <a:lvl8pPr algn="l" defTabSz="914400" eaLnBrk="1" hangingPunct="1" latinLnBrk="0" marL="3200400" rtl="0">
       <a:defRPr sz="1200" kern="1200">
         <a:solidFill>
           <a:schemeClr val="tx1"/>
@@ -502,7 +438,7 @@
         <a:cs typeface="+mn-cs"/>
       </a:defRPr>
     </a:lvl8pPr>
-    <a:lvl9pPr marL="3657600" algn="l" defTabSz="914400" rtl="0" eaLnBrk="1" latinLnBrk="0" hangingPunct="1">
+    <a:lvl9pPr algn="l" defTabSz="914400" eaLnBrk="1" hangingPunct="1" latinLnBrk="0" marL="3657600" rtl="0">
       <a:defRPr sz="1200" kern="1200">
         <a:solidFill>
           <a:schemeClr val="tx1"/>
@@ -521,7 +457,7 @@
   <p:cSld>
     <p:spTree>
       <p:nvGrpSpPr>
-        <p:cNvPr id="1" name=""/>
+        <p:cNvPr id="37" name=""/>
         <p:cNvGrpSpPr/>
         <p:nvPr/>
       </p:nvGrpSpPr>
@@ -535,9 +471,9 @@
       </p:grpSpPr>
       <p:sp>
         <p:nvSpPr>
-          <p:cNvPr id="2" name="Slide Image Placeholder 1"/>
+          <p:cNvPr id="1048662" name="Slide Image Placeholder 1"/>
           <p:cNvSpPr>
-            <a:spLocks noGrp="1" noRot="1" noChangeAspect="1"/>
+            <a:spLocks noChangeAspect="1" noRot="1" noGrp="1"/>
           </p:cNvSpPr>
           <p:nvPr>
             <p:ph type="sldImg"/>
@@ -547,7 +483,7 @@
       </p:sp>
       <p:sp>
         <p:nvSpPr>
-          <p:cNvPr id="3" name="Notes Placeholder 2"/>
+          <p:cNvPr id="1048663" name="Notes Placeholder 2"/>
           <p:cNvSpPr>
             <a:spLocks noGrp="1"/>
           </p:cNvSpPr>
@@ -558,15 +494,14 @@
         <p:spPr/>
         <p:txBody>
           <a:bodyPr/>
-          <a:lstStyle/>
           <a:p>
-            <a:endParaRPr lang="en-IN" dirty="0"/>
+            <a:endParaRPr dirty="0" lang="en-IN"/>
           </a:p>
         </p:txBody>
       </p:sp>
       <p:sp>
         <p:nvSpPr>
-          <p:cNvPr id="4" name="Slide Number Placeholder 3"/>
+          <p:cNvPr id="1048664" name="Slide Number Placeholder 3"/>
           <p:cNvSpPr>
             <a:spLocks noGrp="1"/>
           </p:cNvSpPr>
@@ -577,7 +512,6 @@
         <p:spPr/>
         <p:txBody>
           <a:bodyPr/>
-          <a:lstStyle/>
           <a:p>
             <a:fld id="{F7F439ED-1E90-4106-847A-8EF19031FE2F}" type="slidenum">
               <a:rPr lang="en-IN" smtClean="0"/>
@@ -588,11 +522,6 @@
         </p:txBody>
       </p:sp>
     </p:spTree>
-    <p:extLst>
-      <p:ext uri="{BB962C8B-B14F-4D97-AF65-F5344CB8AC3E}">
-        <p14:creationId xmlns:p14="http://schemas.microsoft.com/office/powerpoint/2010/main" val="404353501"/>
-      </p:ext>
-    </p:extLst>
   </p:cSld>
   <p:clrMapOvr>
     <a:masterClrMapping/>
@@ -601,11 +530,11 @@
 </file>
 
 <file path=ppt/slideLayouts/slideLayout1.xml><?xml version="1.0" encoding="utf-8"?>
-<p:sldLayout xmlns:a="http://schemas.openxmlformats.org/drawingml/2006/main" xmlns:r="http://schemas.openxmlformats.org/officeDocument/2006/relationships" xmlns:p="http://schemas.openxmlformats.org/presentationml/2006/main" type="obj" preserve="1">
+<p:sldLayout xmlns:a="http://schemas.openxmlformats.org/drawingml/2006/main" xmlns:r="http://schemas.openxmlformats.org/officeDocument/2006/relationships" xmlns:p="http://schemas.openxmlformats.org/presentationml/2006/main" preserve="1" type="obj">
   <p:cSld name="Title Slide">
     <p:spTree>
       <p:nvGrpSpPr>
-        <p:cNvPr id="1" name=""/>
+        <p:cNvPr id="33" name=""/>
         <p:cNvGrpSpPr/>
         <p:nvPr/>
       </p:nvGrpSpPr>
@@ -619,7 +548,7 @@
       </p:grpSpPr>
       <p:sp>
         <p:nvSpPr>
-          <p:cNvPr id="2" name="Holder 2"/>
+          <p:cNvPr id="1048650" name="Holder 2"/>
           <p:cNvSpPr>
             <a:spLocks noGrp="1"/>
           </p:cNvSpPr>
@@ -632,17 +561,15 @@
             <a:off x="3195574" y="2067305"/>
             <a:ext cx="5800851" cy="518160"/>
           </a:xfrm>
-          <a:prstGeom prst="rect">
-            <a:avLst/>
-          </a:prstGeom>
-        </p:spPr>
-        <p:txBody>
-          <a:bodyPr wrap="square" lIns="0" tIns="0" rIns="0" bIns="0">
+          <a:prstGeom prst="rect"/>
+        </p:spPr>
+        <p:txBody>
+          <a:bodyPr bIns="0" lIns="0" rIns="0" tIns="0" wrap="square">
             <a:spAutoFit/>
           </a:bodyPr>
           <a:lstStyle>
             <a:lvl1pPr>
-              <a:defRPr sz="3200" b="0" i="0">
+              <a:defRPr b="0" sz="3200" i="0">
                 <a:solidFill>
                   <a:schemeClr val="tx1"/>
                 </a:solidFill>
@@ -651,14 +578,12 @@
               </a:defRPr>
             </a:lvl1pPr>
           </a:lstStyle>
-          <a:p>
-            <a:endParaRPr/>
-          </a:p>
-        </p:txBody>
-      </p:sp>
-      <p:sp>
-        <p:nvSpPr>
-          <p:cNvPr id="3" name="Holder 3"/>
+          <a:p/>
+        </p:txBody>
+      </p:sp>
+      <p:sp>
+        <p:nvSpPr>
+          <p:cNvPr id="1048651" name="Holder 3"/>
           <p:cNvSpPr>
             <a:spLocks noGrp="1"/>
           </p:cNvSpPr>
@@ -671,27 +596,18 @@
             <a:off x="1828800" y="3840480"/>
             <a:ext cx="8534400" cy="1714500"/>
           </a:xfrm>
-          <a:prstGeom prst="rect">
-            <a:avLst/>
-          </a:prstGeom>
-        </p:spPr>
-        <p:txBody>
-          <a:bodyPr wrap="square" lIns="0" tIns="0" rIns="0" bIns="0">
+          <a:prstGeom prst="rect"/>
+        </p:spPr>
+        <p:txBody>
+          <a:bodyPr bIns="0" lIns="0" rIns="0" tIns="0" wrap="square">
             <a:spAutoFit/>
           </a:bodyPr>
-          <a:lstStyle>
-            <a:lvl1pPr>
-              <a:defRPr/>
-            </a:lvl1pPr>
-          </a:lstStyle>
-          <a:p>
-            <a:endParaRPr/>
-          </a:p>
-        </p:txBody>
-      </p:sp>
-      <p:sp>
-        <p:nvSpPr>
-          <p:cNvPr id="4" name="Holder 4"/>
+          <a:p/>
+        </p:txBody>
+      </p:sp>
+      <p:sp>
+        <p:nvSpPr>
+          <p:cNvPr id="1048652" name="Holder 4"/>
           <p:cNvSpPr>
             <a:spLocks noGrp="1"/>
           </p:cNvSpPr>
@@ -701,7 +617,7 @@
         </p:nvSpPr>
         <p:spPr/>
         <p:txBody>
-          <a:bodyPr lIns="0" tIns="0" rIns="0" bIns="0"/>
+          <a:bodyPr bIns="0" lIns="0" rIns="0" tIns="0"/>
           <a:lstStyle>
             <a:lvl1pPr algn="ctr">
               <a:defRPr>
@@ -713,14 +629,12 @@
               </a:defRPr>
             </a:lvl1pPr>
           </a:lstStyle>
-          <a:p>
-            <a:endParaRPr/>
-          </a:p>
-        </p:txBody>
-      </p:sp>
-      <p:sp>
-        <p:nvSpPr>
-          <p:cNvPr id="5" name="Holder 5"/>
+          <a:p/>
+        </p:txBody>
+      </p:sp>
+      <p:sp>
+        <p:nvSpPr>
+          <p:cNvPr id="1048653" name="Holder 5"/>
           <p:cNvSpPr>
             <a:spLocks noGrp="1"/>
           </p:cNvSpPr>
@@ -730,7 +644,7 @@
         </p:nvSpPr>
         <p:spPr/>
         <p:txBody>
-          <a:bodyPr lIns="0" tIns="0" rIns="0" bIns="0"/>
+          <a:bodyPr bIns="0" lIns="0" rIns="0" tIns="0"/>
           <a:lstStyle>
             <a:lvl1pPr algn="l">
               <a:defRPr>
@@ -753,7 +667,7 @@
       </p:sp>
       <p:sp>
         <p:nvSpPr>
-          <p:cNvPr id="6" name="Holder 6"/>
+          <p:cNvPr id="1048654" name="Holder 6"/>
           <p:cNvSpPr>
             <a:spLocks noGrp="1"/>
           </p:cNvSpPr>
@@ -763,10 +677,10 @@
         </p:nvSpPr>
         <p:spPr/>
         <p:txBody>
-          <a:bodyPr lIns="0" tIns="0" rIns="0" bIns="0"/>
+          <a:bodyPr bIns="0" lIns="0" rIns="0" tIns="0"/>
           <a:lstStyle>
             <a:lvl1pPr>
-              <a:defRPr sz="1100" b="0" i="0">
+              <a:defRPr b="0" sz="1100" i="0">
                 <a:solidFill>
                   <a:srgbClr val="2D936B"/>
                 </a:solidFill>
@@ -785,10 +699,10 @@
               </a:spcBef>
             </a:pPr>
             <a:fld id="{81D60167-4931-47E6-BA6A-407CBD079E47}" type="slidenum">
-              <a:rPr spc="10" dirty="0"/>
+              <a:rPr dirty="0" spc="10"/>
               <a:t>‹#›</a:t>
             </a:fld>
-            <a:endParaRPr spc="10" dirty="0"/>
+            <a:endParaRPr dirty="0" spc="10"/>
           </a:p>
         </p:txBody>
       </p:sp>
@@ -801,11 +715,11 @@
 </file>
 
 <file path=ppt/slideLayouts/slideLayout2.xml><?xml version="1.0" encoding="utf-8"?>
-<p:sldLayout xmlns:a="http://schemas.openxmlformats.org/drawingml/2006/main" xmlns:r="http://schemas.openxmlformats.org/officeDocument/2006/relationships" xmlns:p="http://schemas.openxmlformats.org/presentationml/2006/main" type="obj" preserve="1">
+<p:sldLayout xmlns:a="http://schemas.openxmlformats.org/drawingml/2006/main" xmlns:r="http://schemas.openxmlformats.org/officeDocument/2006/relationships" xmlns:p="http://schemas.openxmlformats.org/presentationml/2006/main" preserve="1" type="obj">
   <p:cSld name="Title and Content">
     <p:spTree>
       <p:nvGrpSpPr>
-        <p:cNvPr id="1" name=""/>
+        <p:cNvPr id="43" name=""/>
         <p:cNvGrpSpPr/>
         <p:nvPr/>
       </p:nvGrpSpPr>
@@ -819,7 +733,7 @@
       </p:grpSpPr>
       <p:sp>
         <p:nvSpPr>
-          <p:cNvPr id="2" name="Holder 2"/>
+          <p:cNvPr id="1048683" name="Holder 2"/>
           <p:cNvSpPr>
             <a:spLocks noGrp="1"/>
           </p:cNvSpPr>
@@ -829,10 +743,10 @@
         </p:nvSpPr>
         <p:spPr/>
         <p:txBody>
-          <a:bodyPr lIns="0" tIns="0" rIns="0" bIns="0"/>
+          <a:bodyPr bIns="0" lIns="0" rIns="0" tIns="0"/>
           <a:lstStyle>
             <a:lvl1pPr>
-              <a:defRPr sz="4800" b="1" i="0">
+              <a:defRPr b="1" sz="4800" i="0">
                 <a:solidFill>
                   <a:schemeClr val="tx1"/>
                 </a:solidFill>
@@ -841,14 +755,12 @@
               </a:defRPr>
             </a:lvl1pPr>
           </a:lstStyle>
-          <a:p>
-            <a:endParaRPr/>
-          </a:p>
-        </p:txBody>
-      </p:sp>
-      <p:sp>
-        <p:nvSpPr>
-          <p:cNvPr id="3" name="Holder 3"/>
+          <a:p/>
+        </p:txBody>
+      </p:sp>
+      <p:sp>
+        <p:nvSpPr>
+          <p:cNvPr id="1048684" name="Holder 3"/>
           <p:cNvSpPr>
             <a:spLocks noGrp="1"/>
           </p:cNvSpPr>
@@ -858,20 +770,13 @@
         </p:nvSpPr>
         <p:spPr/>
         <p:txBody>
-          <a:bodyPr lIns="0" tIns="0" rIns="0" bIns="0"/>
-          <a:lstStyle>
-            <a:lvl1pPr>
-              <a:defRPr/>
-            </a:lvl1pPr>
-          </a:lstStyle>
-          <a:p>
-            <a:endParaRPr/>
-          </a:p>
-        </p:txBody>
-      </p:sp>
-      <p:sp>
-        <p:nvSpPr>
-          <p:cNvPr id="4" name="Holder 4"/>
+          <a:bodyPr bIns="0" lIns="0" rIns="0" tIns="0"/>
+          <a:p/>
+        </p:txBody>
+      </p:sp>
+      <p:sp>
+        <p:nvSpPr>
+          <p:cNvPr id="1048685" name="Holder 4"/>
           <p:cNvSpPr>
             <a:spLocks noGrp="1"/>
           </p:cNvSpPr>
@@ -881,7 +786,7 @@
         </p:nvSpPr>
         <p:spPr/>
         <p:txBody>
-          <a:bodyPr lIns="0" tIns="0" rIns="0" bIns="0"/>
+          <a:bodyPr bIns="0" lIns="0" rIns="0" tIns="0"/>
           <a:lstStyle>
             <a:lvl1pPr algn="ctr">
               <a:defRPr>
@@ -893,14 +798,12 @@
               </a:defRPr>
             </a:lvl1pPr>
           </a:lstStyle>
-          <a:p>
-            <a:endParaRPr/>
-          </a:p>
-        </p:txBody>
-      </p:sp>
-      <p:sp>
-        <p:nvSpPr>
-          <p:cNvPr id="5" name="Holder 5"/>
+          <a:p/>
+        </p:txBody>
+      </p:sp>
+      <p:sp>
+        <p:nvSpPr>
+          <p:cNvPr id="1048686" name="Holder 5"/>
           <p:cNvSpPr>
             <a:spLocks noGrp="1"/>
           </p:cNvSpPr>
@@ -910,7 +813,7 @@
         </p:nvSpPr>
         <p:spPr/>
         <p:txBody>
-          <a:bodyPr lIns="0" tIns="0" rIns="0" bIns="0"/>
+          <a:bodyPr bIns="0" lIns="0" rIns="0" tIns="0"/>
           <a:lstStyle>
             <a:lvl1pPr algn="l">
               <a:defRPr>
@@ -933,7 +836,7 @@
       </p:sp>
       <p:sp>
         <p:nvSpPr>
-          <p:cNvPr id="6" name="Holder 6"/>
+          <p:cNvPr id="1048687" name="Holder 6"/>
           <p:cNvSpPr>
             <a:spLocks noGrp="1"/>
           </p:cNvSpPr>
@@ -943,10 +846,10 @@
         </p:nvSpPr>
         <p:spPr/>
         <p:txBody>
-          <a:bodyPr lIns="0" tIns="0" rIns="0" bIns="0"/>
+          <a:bodyPr bIns="0" lIns="0" rIns="0" tIns="0"/>
           <a:lstStyle>
             <a:lvl1pPr>
-              <a:defRPr sz="1100" b="0" i="0">
+              <a:defRPr b="0" sz="1100" i="0">
                 <a:solidFill>
                   <a:srgbClr val="2D936B"/>
                 </a:solidFill>
@@ -965,10 +868,10 @@
               </a:spcBef>
             </a:pPr>
             <a:fld id="{81D60167-4931-47E6-BA6A-407CBD079E47}" type="slidenum">
-              <a:rPr spc="10" dirty="0"/>
+              <a:rPr dirty="0" spc="10"/>
               <a:t>‹#›</a:t>
             </a:fld>
-            <a:endParaRPr spc="10" dirty="0"/>
+            <a:endParaRPr dirty="0" spc="10"/>
           </a:p>
         </p:txBody>
       </p:sp>
@@ -981,11 +884,11 @@
 </file>
 
 <file path=ppt/slideLayouts/slideLayout3.xml><?xml version="1.0" encoding="utf-8"?>
-<p:sldLayout xmlns:a="http://schemas.openxmlformats.org/drawingml/2006/main" xmlns:r="http://schemas.openxmlformats.org/officeDocument/2006/relationships" xmlns:p="http://schemas.openxmlformats.org/presentationml/2006/main" type="obj" preserve="1">
+<p:sldLayout xmlns:a="http://schemas.openxmlformats.org/drawingml/2006/main" xmlns:r="http://schemas.openxmlformats.org/officeDocument/2006/relationships" xmlns:p="http://schemas.openxmlformats.org/presentationml/2006/main" preserve="1" type="obj">
   <p:cSld name="Two Content">
     <p:spTree>
       <p:nvGrpSpPr>
-        <p:cNvPr id="1" name=""/>
+        <p:cNvPr id="44" name=""/>
         <p:cNvGrpSpPr/>
         <p:nvPr/>
       </p:nvGrpSpPr>
@@ -999,7 +902,7 @@
       </p:grpSpPr>
       <p:sp>
         <p:nvSpPr>
-          <p:cNvPr id="2" name="Holder 2"/>
+          <p:cNvPr id="1048688" name="Holder 2"/>
           <p:cNvSpPr>
             <a:spLocks noGrp="1"/>
           </p:cNvSpPr>
@@ -1009,10 +912,10 @@
         </p:nvSpPr>
         <p:spPr/>
         <p:txBody>
-          <a:bodyPr lIns="0" tIns="0" rIns="0" bIns="0"/>
+          <a:bodyPr bIns="0" lIns="0" rIns="0" tIns="0"/>
           <a:lstStyle>
             <a:lvl1pPr>
-              <a:defRPr sz="4800" b="1" i="0">
+              <a:defRPr b="1" sz="4800" i="0">
                 <a:solidFill>
                   <a:schemeClr val="tx1"/>
                 </a:solidFill>
@@ -1021,14 +924,12 @@
               </a:defRPr>
             </a:lvl1pPr>
           </a:lstStyle>
-          <a:p>
-            <a:endParaRPr/>
-          </a:p>
-        </p:txBody>
-      </p:sp>
-      <p:sp>
-        <p:nvSpPr>
-          <p:cNvPr id="3" name="Holder 3"/>
+          <a:p/>
+        </p:txBody>
+      </p:sp>
+      <p:sp>
+        <p:nvSpPr>
+          <p:cNvPr id="1048689" name="Holder 3"/>
           <p:cNvSpPr>
             <a:spLocks noGrp="1"/>
           </p:cNvSpPr>
@@ -1041,27 +942,18 @@
             <a:off x="609600" y="1577340"/>
             <a:ext cx="5303520" cy="4526280"/>
           </a:xfrm>
-          <a:prstGeom prst="rect">
-            <a:avLst/>
-          </a:prstGeom>
-        </p:spPr>
-        <p:txBody>
-          <a:bodyPr wrap="square" lIns="0" tIns="0" rIns="0" bIns="0">
+          <a:prstGeom prst="rect"/>
+        </p:spPr>
+        <p:txBody>
+          <a:bodyPr bIns="0" lIns="0" rIns="0" tIns="0" wrap="square">
             <a:spAutoFit/>
           </a:bodyPr>
-          <a:lstStyle>
-            <a:lvl1pPr>
-              <a:defRPr/>
-            </a:lvl1pPr>
-          </a:lstStyle>
-          <a:p>
-            <a:endParaRPr/>
-          </a:p>
-        </p:txBody>
-      </p:sp>
-      <p:sp>
-        <p:nvSpPr>
-          <p:cNvPr id="4" name="Holder 4"/>
+          <a:p/>
+        </p:txBody>
+      </p:sp>
+      <p:sp>
+        <p:nvSpPr>
+          <p:cNvPr id="1048690" name="Holder 4"/>
           <p:cNvSpPr>
             <a:spLocks noGrp="1"/>
           </p:cNvSpPr>
@@ -1074,27 +966,18 @@
             <a:off x="6278880" y="1577340"/>
             <a:ext cx="5303520" cy="4526280"/>
           </a:xfrm>
-          <a:prstGeom prst="rect">
-            <a:avLst/>
-          </a:prstGeom>
-        </p:spPr>
-        <p:txBody>
-          <a:bodyPr wrap="square" lIns="0" tIns="0" rIns="0" bIns="0">
+          <a:prstGeom prst="rect"/>
+        </p:spPr>
+        <p:txBody>
+          <a:bodyPr bIns="0" lIns="0" rIns="0" tIns="0" wrap="square">
             <a:spAutoFit/>
           </a:bodyPr>
-          <a:lstStyle>
-            <a:lvl1pPr>
-              <a:defRPr/>
-            </a:lvl1pPr>
-          </a:lstStyle>
-          <a:p>
-            <a:endParaRPr/>
-          </a:p>
-        </p:txBody>
-      </p:sp>
-      <p:sp>
-        <p:nvSpPr>
-          <p:cNvPr id="5" name="Holder 5"/>
+          <a:p/>
+        </p:txBody>
+      </p:sp>
+      <p:sp>
+        <p:nvSpPr>
+          <p:cNvPr id="1048691" name="Holder 5"/>
           <p:cNvSpPr>
             <a:spLocks noGrp="1"/>
           </p:cNvSpPr>
@@ -1104,7 +987,7 @@
         </p:nvSpPr>
         <p:spPr/>
         <p:txBody>
-          <a:bodyPr lIns="0" tIns="0" rIns="0" bIns="0"/>
+          <a:bodyPr bIns="0" lIns="0" rIns="0" tIns="0"/>
           <a:lstStyle>
             <a:lvl1pPr algn="ctr">
               <a:defRPr>
@@ -1116,14 +999,12 @@
               </a:defRPr>
             </a:lvl1pPr>
           </a:lstStyle>
-          <a:p>
-            <a:endParaRPr/>
-          </a:p>
-        </p:txBody>
-      </p:sp>
-      <p:sp>
-        <p:nvSpPr>
-          <p:cNvPr id="6" name="Holder 6"/>
+          <a:p/>
+        </p:txBody>
+      </p:sp>
+      <p:sp>
+        <p:nvSpPr>
+          <p:cNvPr id="1048692" name="Holder 6"/>
           <p:cNvSpPr>
             <a:spLocks noGrp="1"/>
           </p:cNvSpPr>
@@ -1133,7 +1014,7 @@
         </p:nvSpPr>
         <p:spPr/>
         <p:txBody>
-          <a:bodyPr lIns="0" tIns="0" rIns="0" bIns="0"/>
+          <a:bodyPr bIns="0" lIns="0" rIns="0" tIns="0"/>
           <a:lstStyle>
             <a:lvl1pPr algn="l">
               <a:defRPr>
@@ -1156,7 +1037,7 @@
       </p:sp>
       <p:sp>
         <p:nvSpPr>
-          <p:cNvPr id="7" name="Holder 7"/>
+          <p:cNvPr id="1048693" name="Holder 7"/>
           <p:cNvSpPr>
             <a:spLocks noGrp="1"/>
           </p:cNvSpPr>
@@ -1166,10 +1047,10 @@
         </p:nvSpPr>
         <p:spPr/>
         <p:txBody>
-          <a:bodyPr lIns="0" tIns="0" rIns="0" bIns="0"/>
+          <a:bodyPr bIns="0" lIns="0" rIns="0" tIns="0"/>
           <a:lstStyle>
             <a:lvl1pPr>
-              <a:defRPr sz="1100" b="0" i="0">
+              <a:defRPr b="0" sz="1100" i="0">
                 <a:solidFill>
                   <a:srgbClr val="2D936B"/>
                 </a:solidFill>
@@ -1188,10 +1069,10 @@
               </a:spcBef>
             </a:pPr>
             <a:fld id="{81D60167-4931-47E6-BA6A-407CBD079E47}" type="slidenum">
-              <a:rPr spc="10" dirty="0"/>
+              <a:rPr dirty="0" spc="10"/>
               <a:t>‹#›</a:t>
             </a:fld>
-            <a:endParaRPr spc="10" dirty="0"/>
+            <a:endParaRPr dirty="0" spc="10"/>
           </a:p>
         </p:txBody>
       </p:sp>
@@ -1204,11 +1085,11 @@
 </file>
 
 <file path=ppt/slideLayouts/slideLayout4.xml><?xml version="1.0" encoding="utf-8"?>
-<p:sldLayout xmlns:a="http://schemas.openxmlformats.org/drawingml/2006/main" xmlns:r="http://schemas.openxmlformats.org/officeDocument/2006/relationships" xmlns:p="http://schemas.openxmlformats.org/presentationml/2006/main" type="obj" preserve="1">
+<p:sldLayout xmlns:a="http://schemas.openxmlformats.org/drawingml/2006/main" xmlns:r="http://schemas.openxmlformats.org/officeDocument/2006/relationships" xmlns:p="http://schemas.openxmlformats.org/presentationml/2006/main" preserve="1" type="obj">
   <p:cSld name="Title Only">
     <p:spTree>
       <p:nvGrpSpPr>
-        <p:cNvPr id="1" name=""/>
+        <p:cNvPr id="18" name=""/>
         <p:cNvGrpSpPr/>
         <p:nvPr/>
       </p:nvGrpSpPr>
@@ -1222,7 +1103,7 @@
       </p:grpSpPr>
       <p:sp>
         <p:nvSpPr>
-          <p:cNvPr id="2" name="Holder 2"/>
+          <p:cNvPr id="1048591" name="Holder 2"/>
           <p:cNvSpPr>
             <a:spLocks noGrp="1"/>
           </p:cNvSpPr>
@@ -1232,10 +1113,10 @@
         </p:nvSpPr>
         <p:spPr/>
         <p:txBody>
-          <a:bodyPr lIns="0" tIns="0" rIns="0" bIns="0"/>
+          <a:bodyPr bIns="0" lIns="0" rIns="0" tIns="0"/>
           <a:lstStyle>
             <a:lvl1pPr>
-              <a:defRPr sz="4800" b="1" i="0">
+              <a:defRPr b="1" sz="4800" i="0">
                 <a:solidFill>
                   <a:schemeClr val="tx1"/>
                 </a:solidFill>
@@ -1244,14 +1125,12 @@
               </a:defRPr>
             </a:lvl1pPr>
           </a:lstStyle>
-          <a:p>
-            <a:endParaRPr/>
-          </a:p>
-        </p:txBody>
-      </p:sp>
-      <p:sp>
-        <p:nvSpPr>
-          <p:cNvPr id="3" name="Holder 3"/>
+          <a:p/>
+        </p:txBody>
+      </p:sp>
+      <p:sp>
+        <p:nvSpPr>
+          <p:cNvPr id="1048592" name="Holder 3"/>
           <p:cNvSpPr>
             <a:spLocks noGrp="1"/>
           </p:cNvSpPr>
@@ -1261,7 +1140,7 @@
         </p:nvSpPr>
         <p:spPr/>
         <p:txBody>
-          <a:bodyPr lIns="0" tIns="0" rIns="0" bIns="0"/>
+          <a:bodyPr bIns="0" lIns="0" rIns="0" tIns="0"/>
           <a:lstStyle>
             <a:lvl1pPr algn="ctr">
               <a:defRPr>
@@ -1273,14 +1152,12 @@
               </a:defRPr>
             </a:lvl1pPr>
           </a:lstStyle>
-          <a:p>
-            <a:endParaRPr/>
-          </a:p>
-        </p:txBody>
-      </p:sp>
-      <p:sp>
-        <p:nvSpPr>
-          <p:cNvPr id="4" name="Holder 4"/>
+          <a:p/>
+        </p:txBody>
+      </p:sp>
+      <p:sp>
+        <p:nvSpPr>
+          <p:cNvPr id="1048593" name="Holder 4"/>
           <p:cNvSpPr>
             <a:spLocks noGrp="1"/>
           </p:cNvSpPr>
@@ -1290,7 +1167,7 @@
         </p:nvSpPr>
         <p:spPr/>
         <p:txBody>
-          <a:bodyPr lIns="0" tIns="0" rIns="0" bIns="0"/>
+          <a:bodyPr bIns="0" lIns="0" rIns="0" tIns="0"/>
           <a:lstStyle>
             <a:lvl1pPr algn="l">
               <a:defRPr>
@@ -1313,7 +1190,7 @@
       </p:sp>
       <p:sp>
         <p:nvSpPr>
-          <p:cNvPr id="5" name="Holder 5"/>
+          <p:cNvPr id="1048594" name="Holder 5"/>
           <p:cNvSpPr>
             <a:spLocks noGrp="1"/>
           </p:cNvSpPr>
@@ -1323,10 +1200,10 @@
         </p:nvSpPr>
         <p:spPr/>
         <p:txBody>
-          <a:bodyPr lIns="0" tIns="0" rIns="0" bIns="0"/>
+          <a:bodyPr bIns="0" lIns="0" rIns="0" tIns="0"/>
           <a:lstStyle>
             <a:lvl1pPr>
-              <a:defRPr sz="1100" b="0" i="0">
+              <a:defRPr b="0" sz="1100" i="0">
                 <a:solidFill>
                   <a:srgbClr val="2D936B"/>
                 </a:solidFill>
@@ -1345,10 +1222,10 @@
               </a:spcBef>
             </a:pPr>
             <a:fld id="{81D60167-4931-47E6-BA6A-407CBD079E47}" type="slidenum">
-              <a:rPr spc="10" dirty="0"/>
+              <a:rPr dirty="0" spc="10"/>
               <a:t>‹#›</a:t>
             </a:fld>
-            <a:endParaRPr spc="10" dirty="0"/>
+            <a:endParaRPr dirty="0" spc="10"/>
           </a:p>
         </p:txBody>
       </p:sp>
@@ -1361,11 +1238,11 @@
 </file>
 
 <file path=ppt/slideLayouts/slideLayout5.xml><?xml version="1.0" encoding="utf-8"?>
-<p:sldLayout xmlns:a="http://schemas.openxmlformats.org/drawingml/2006/main" xmlns:r="http://schemas.openxmlformats.org/officeDocument/2006/relationships" xmlns:p="http://schemas.openxmlformats.org/presentationml/2006/main" type="obj" preserve="1">
+<p:sldLayout xmlns:a="http://schemas.openxmlformats.org/drawingml/2006/main" xmlns:r="http://schemas.openxmlformats.org/officeDocument/2006/relationships" xmlns:p="http://schemas.openxmlformats.org/presentationml/2006/main" preserve="1" type="obj">
   <p:cSld name="Blank">
     <p:spTree>
       <p:nvGrpSpPr>
-        <p:cNvPr id="1" name=""/>
+        <p:cNvPr id="45" name=""/>
         <p:cNvGrpSpPr/>
         <p:nvPr/>
       </p:nvGrpSpPr>
@@ -1379,7 +1256,7 @@
       </p:grpSpPr>
       <p:sp>
         <p:nvSpPr>
-          <p:cNvPr id="2" name="Holder 2"/>
+          <p:cNvPr id="1048694" name="Holder 2"/>
           <p:cNvSpPr>
             <a:spLocks noGrp="1"/>
           </p:cNvSpPr>
@@ -1389,7 +1266,7 @@
         </p:nvSpPr>
         <p:spPr/>
         <p:txBody>
-          <a:bodyPr lIns="0" tIns="0" rIns="0" bIns="0"/>
+          <a:bodyPr bIns="0" lIns="0" rIns="0" tIns="0"/>
           <a:lstStyle>
             <a:lvl1pPr algn="ctr">
               <a:defRPr>
@@ -1401,14 +1278,12 @@
               </a:defRPr>
             </a:lvl1pPr>
           </a:lstStyle>
-          <a:p>
-            <a:endParaRPr/>
-          </a:p>
-        </p:txBody>
-      </p:sp>
-      <p:sp>
-        <p:nvSpPr>
-          <p:cNvPr id="3" name="Holder 3"/>
+          <a:p/>
+        </p:txBody>
+      </p:sp>
+      <p:sp>
+        <p:nvSpPr>
+          <p:cNvPr id="1048695" name="Holder 3"/>
           <p:cNvSpPr>
             <a:spLocks noGrp="1"/>
           </p:cNvSpPr>
@@ -1418,7 +1293,7 @@
         </p:nvSpPr>
         <p:spPr/>
         <p:txBody>
-          <a:bodyPr lIns="0" tIns="0" rIns="0" bIns="0"/>
+          <a:bodyPr bIns="0" lIns="0" rIns="0" tIns="0"/>
           <a:lstStyle>
             <a:lvl1pPr algn="l">
               <a:defRPr>
@@ -1441,7 +1316,7 @@
       </p:sp>
       <p:sp>
         <p:nvSpPr>
-          <p:cNvPr id="4" name="Holder 4"/>
+          <p:cNvPr id="1048696" name="Holder 4"/>
           <p:cNvSpPr>
             <a:spLocks noGrp="1"/>
           </p:cNvSpPr>
@@ -1451,10 +1326,10 @@
         </p:nvSpPr>
         <p:spPr/>
         <p:txBody>
-          <a:bodyPr lIns="0" tIns="0" rIns="0" bIns="0"/>
+          <a:bodyPr bIns="0" lIns="0" rIns="0" tIns="0"/>
           <a:lstStyle>
             <a:lvl1pPr>
-              <a:defRPr sz="1100" b="0" i="0">
+              <a:defRPr b="0" sz="1100" i="0">
                 <a:solidFill>
                   <a:srgbClr val="2D936B"/>
                 </a:solidFill>
@@ -1473,10 +1348,10 @@
               </a:spcBef>
             </a:pPr>
             <a:fld id="{81D60167-4931-47E6-BA6A-407CBD079E47}" type="slidenum">
-              <a:rPr spc="10" dirty="0"/>
+              <a:rPr dirty="0" spc="10"/>
               <a:t>‹#›</a:t>
             </a:fld>
-            <a:endParaRPr spc="10" dirty="0"/>
+            <a:endParaRPr dirty="0" spc="10"/>
           </a:p>
         </p:txBody>
       </p:sp>
@@ -1501,7 +1376,7 @@
     </p:bg>
     <p:spTree>
       <p:nvGrpSpPr>
-        <p:cNvPr id="1" name=""/>
+        <p:cNvPr id="12" name=""/>
         <p:cNvGrpSpPr/>
         <p:nvPr/>
       </p:nvGrpSpPr>
@@ -1515,7 +1390,7 @@
       </p:grpSpPr>
       <p:sp>
         <p:nvSpPr>
-          <p:cNvPr id="16" name="bg object 16"/>
+          <p:cNvPr id="1048576" name="bg object 16"/>
           <p:cNvSpPr/>
           <p:nvPr/>
         </p:nvSpPr>
@@ -1526,9 +1401,7 @@
           </a:xfrm>
           <a:custGeom>
             <a:avLst/>
-            <a:gdLst/>
             <a:ahLst/>
-            <a:cxnLst/>
             <a:rect l="l" t="t" r="r" b="b"/>
             <a:pathLst>
               <a:path w="1218565" h="6853555">
@@ -1548,16 +1421,13 @@
           </a:ln>
         </p:spPr>
         <p:txBody>
-          <a:bodyPr wrap="square" lIns="0" tIns="0" rIns="0" bIns="0" rtlCol="0"/>
-          <a:lstStyle/>
-          <a:p>
-            <a:endParaRPr/>
-          </a:p>
-        </p:txBody>
-      </p:sp>
-      <p:sp>
-        <p:nvSpPr>
-          <p:cNvPr id="17" name="bg object 17"/>
+          <a:bodyPr bIns="0" lIns="0" rIns="0" rtlCol="0" tIns="0" wrap="square"/>
+          <a:p/>
+        </p:txBody>
+      </p:sp>
+      <p:sp>
+        <p:nvSpPr>
+          <p:cNvPr id="1048577" name="bg object 17"/>
           <p:cNvSpPr/>
           <p:nvPr/>
         </p:nvSpPr>
@@ -1568,9 +1438,7 @@
           </a:xfrm>
           <a:custGeom>
             <a:avLst/>
-            <a:gdLst/>
             <a:ahLst/>
-            <a:cxnLst/>
             <a:rect l="l" t="t" r="r" b="b"/>
             <a:pathLst>
               <a:path w="4743450" h="3163570">
@@ -1590,16 +1458,13 @@
           </a:ln>
         </p:spPr>
         <p:txBody>
-          <a:bodyPr wrap="square" lIns="0" tIns="0" rIns="0" bIns="0" rtlCol="0"/>
-          <a:lstStyle/>
-          <a:p>
-            <a:endParaRPr/>
-          </a:p>
-        </p:txBody>
-      </p:sp>
-      <p:sp>
-        <p:nvSpPr>
-          <p:cNvPr id="18" name="bg object 18"/>
+          <a:bodyPr bIns="0" lIns="0" rIns="0" rtlCol="0" tIns="0" wrap="square"/>
+          <a:p/>
+        </p:txBody>
+      </p:sp>
+      <p:sp>
+        <p:nvSpPr>
+          <p:cNvPr id="1048578" name="bg object 18"/>
           <p:cNvSpPr/>
           <p:nvPr/>
         </p:nvSpPr>
@@ -1610,9 +1475,7 @@
           </a:xfrm>
           <a:custGeom>
             <a:avLst/>
-            <a:gdLst/>
             <a:ahLst/>
-            <a:cxnLst/>
             <a:rect l="l" t="t" r="r" b="b"/>
             <a:pathLst>
               <a:path w="3009900" h="6858000">
@@ -1642,16 +1505,13 @@
           </a:solidFill>
         </p:spPr>
         <p:txBody>
-          <a:bodyPr wrap="square" lIns="0" tIns="0" rIns="0" bIns="0" rtlCol="0"/>
-          <a:lstStyle/>
-          <a:p>
-            <a:endParaRPr/>
-          </a:p>
-        </p:txBody>
-      </p:sp>
-      <p:sp>
-        <p:nvSpPr>
-          <p:cNvPr id="19" name="bg object 19"/>
+          <a:bodyPr bIns="0" lIns="0" rIns="0" rtlCol="0" tIns="0" wrap="square"/>
+          <a:p/>
+        </p:txBody>
+      </p:sp>
+      <p:sp>
+        <p:nvSpPr>
+          <p:cNvPr id="1048579" name="bg object 19"/>
           <p:cNvSpPr/>
           <p:nvPr/>
         </p:nvSpPr>
@@ -1662,9 +1522,7 @@
           </a:xfrm>
           <a:custGeom>
             <a:avLst/>
-            <a:gdLst/>
             <a:ahLst/>
-            <a:cxnLst/>
             <a:rect l="l" t="t" r="r" b="b"/>
             <a:pathLst>
               <a:path w="2589529" h="6858000">
@@ -1694,16 +1552,13 @@
           </a:solidFill>
         </p:spPr>
         <p:txBody>
-          <a:bodyPr wrap="square" lIns="0" tIns="0" rIns="0" bIns="0" rtlCol="0"/>
-          <a:lstStyle/>
-          <a:p>
-            <a:endParaRPr/>
-          </a:p>
-        </p:txBody>
-      </p:sp>
-      <p:sp>
-        <p:nvSpPr>
-          <p:cNvPr id="20" name="bg object 20"/>
+          <a:bodyPr bIns="0" lIns="0" rIns="0" rtlCol="0" tIns="0" wrap="square"/>
+          <a:p/>
+        </p:txBody>
+      </p:sp>
+      <p:sp>
+        <p:nvSpPr>
+          <p:cNvPr id="1048580" name="bg object 20"/>
           <p:cNvSpPr/>
           <p:nvPr/>
         </p:nvSpPr>
@@ -1714,9 +1569,7 @@
           </a:xfrm>
           <a:custGeom>
             <a:avLst/>
-            <a:gdLst/>
             <a:ahLst/>
-            <a:cxnLst/>
             <a:rect l="l" t="t" r="r" b="b"/>
             <a:pathLst>
               <a:path w="3257550" h="3810000">
@@ -1743,16 +1596,13 @@
           </a:solidFill>
         </p:spPr>
         <p:txBody>
-          <a:bodyPr wrap="square" lIns="0" tIns="0" rIns="0" bIns="0" rtlCol="0"/>
-          <a:lstStyle/>
-          <a:p>
-            <a:endParaRPr/>
-          </a:p>
-        </p:txBody>
-      </p:sp>
-      <p:sp>
-        <p:nvSpPr>
-          <p:cNvPr id="21" name="bg object 21"/>
+          <a:bodyPr bIns="0" lIns="0" rIns="0" rtlCol="0" tIns="0" wrap="square"/>
+          <a:p/>
+        </p:txBody>
+      </p:sp>
+      <p:sp>
+        <p:nvSpPr>
+          <p:cNvPr id="1048581" name="bg object 21"/>
           <p:cNvSpPr/>
           <p:nvPr/>
         </p:nvSpPr>
@@ -1763,9 +1613,7 @@
           </a:xfrm>
           <a:custGeom>
             <a:avLst/>
-            <a:gdLst/>
             <a:ahLst/>
-            <a:cxnLst/>
             <a:rect l="l" t="t" r="r" b="b"/>
             <a:pathLst>
               <a:path w="2854325" h="6858000">
@@ -1795,16 +1643,13 @@
           </a:solidFill>
         </p:spPr>
         <p:txBody>
-          <a:bodyPr wrap="square" lIns="0" tIns="0" rIns="0" bIns="0" rtlCol="0"/>
-          <a:lstStyle/>
-          <a:p>
-            <a:endParaRPr/>
-          </a:p>
-        </p:txBody>
-      </p:sp>
-      <p:sp>
-        <p:nvSpPr>
-          <p:cNvPr id="22" name="bg object 22"/>
+          <a:bodyPr bIns="0" lIns="0" rIns="0" rtlCol="0" tIns="0" wrap="square"/>
+          <a:p/>
+        </p:txBody>
+      </p:sp>
+      <p:sp>
+        <p:nvSpPr>
+          <p:cNvPr id="1048582" name="bg object 22"/>
           <p:cNvSpPr/>
           <p:nvPr/>
         </p:nvSpPr>
@@ -1815,9 +1660,7 @@
           </a:xfrm>
           <a:custGeom>
             <a:avLst/>
-            <a:gdLst/>
             <a:ahLst/>
-            <a:cxnLst/>
             <a:rect l="l" t="t" r="r" b="b"/>
             <a:pathLst>
               <a:path w="1295400" h="6858000">
@@ -1847,16 +1690,13 @@
           </a:solidFill>
         </p:spPr>
         <p:txBody>
-          <a:bodyPr wrap="square" lIns="0" tIns="0" rIns="0" bIns="0" rtlCol="0"/>
-          <a:lstStyle/>
-          <a:p>
-            <a:endParaRPr/>
-          </a:p>
-        </p:txBody>
-      </p:sp>
-      <p:sp>
-        <p:nvSpPr>
-          <p:cNvPr id="23" name="bg object 23"/>
+          <a:bodyPr bIns="0" lIns="0" rIns="0" rtlCol="0" tIns="0" wrap="square"/>
+          <a:p/>
+        </p:txBody>
+      </p:sp>
+      <p:sp>
+        <p:nvSpPr>
+          <p:cNvPr id="1048583" name="bg object 23"/>
           <p:cNvSpPr/>
           <p:nvPr/>
         </p:nvSpPr>
@@ -1867,9 +1707,7 @@
           </a:xfrm>
           <a:custGeom>
             <a:avLst/>
-            <a:gdLst/>
             <a:ahLst/>
-            <a:cxnLst/>
             <a:rect l="l" t="t" r="r" b="b"/>
             <a:pathLst>
               <a:path w="1256029" h="6858000">
@@ -1899,16 +1737,13 @@
           </a:solidFill>
         </p:spPr>
         <p:txBody>
-          <a:bodyPr wrap="square" lIns="0" tIns="0" rIns="0" bIns="0" rtlCol="0"/>
-          <a:lstStyle/>
-          <a:p>
-            <a:endParaRPr/>
-          </a:p>
-        </p:txBody>
-      </p:sp>
-      <p:sp>
-        <p:nvSpPr>
-          <p:cNvPr id="24" name="bg object 24"/>
+          <a:bodyPr bIns="0" lIns="0" rIns="0" rtlCol="0" tIns="0" wrap="square"/>
+          <a:p/>
+        </p:txBody>
+      </p:sp>
+      <p:sp>
+        <p:nvSpPr>
+          <p:cNvPr id="1048584" name="bg object 24"/>
           <p:cNvSpPr/>
           <p:nvPr/>
         </p:nvSpPr>
@@ -1919,9 +1754,7 @@
           </a:xfrm>
           <a:custGeom>
             <a:avLst/>
-            <a:gdLst/>
             <a:ahLst/>
-            <a:cxnLst/>
             <a:rect l="l" t="t" r="r" b="b"/>
             <a:pathLst>
               <a:path w="1819275" h="3267075">
@@ -1948,16 +1781,13 @@
           </a:solidFill>
         </p:spPr>
         <p:txBody>
-          <a:bodyPr wrap="square" lIns="0" tIns="0" rIns="0" bIns="0" rtlCol="0"/>
-          <a:lstStyle/>
-          <a:p>
-            <a:endParaRPr/>
-          </a:p>
-        </p:txBody>
-      </p:sp>
-      <p:sp>
-        <p:nvSpPr>
-          <p:cNvPr id="25" name="bg object 25"/>
+          <a:bodyPr bIns="0" lIns="0" rIns="0" rtlCol="0" tIns="0" wrap="square"/>
+          <a:p/>
+        </p:txBody>
+      </p:sp>
+      <p:sp>
+        <p:nvSpPr>
+          <p:cNvPr id="1048585" name="bg object 25"/>
           <p:cNvSpPr/>
           <p:nvPr/>
         </p:nvSpPr>
@@ -1968,9 +1798,7 @@
           </a:xfrm>
           <a:custGeom>
             <a:avLst/>
-            <a:gdLst/>
             <a:ahLst/>
-            <a:cxnLst/>
             <a:rect l="l" t="t" r="r" b="b"/>
             <a:pathLst>
               <a:path w="447675" h="2847975">
@@ -1997,16 +1825,13 @@
           </a:solidFill>
         </p:spPr>
         <p:txBody>
-          <a:bodyPr wrap="square" lIns="0" tIns="0" rIns="0" bIns="0" rtlCol="0"/>
-          <a:lstStyle/>
-          <a:p>
-            <a:endParaRPr/>
-          </a:p>
-        </p:txBody>
-      </p:sp>
-      <p:sp>
-        <p:nvSpPr>
-          <p:cNvPr id="2" name="Holder 2"/>
+          <a:bodyPr bIns="0" lIns="0" rIns="0" rtlCol="0" tIns="0" wrap="square"/>
+          <a:p/>
+        </p:txBody>
+      </p:sp>
+      <p:sp>
+        <p:nvSpPr>
+          <p:cNvPr id="1048586" name="Holder 2"/>
           <p:cNvSpPr>
             <a:spLocks noGrp="1"/>
           </p:cNvSpPr>
@@ -2019,17 +1844,15 @@
             <a:off x="755332" y="385444"/>
             <a:ext cx="10681335" cy="758190"/>
           </a:xfrm>
-          <a:prstGeom prst="rect">
-            <a:avLst/>
-          </a:prstGeom>
-        </p:spPr>
-        <p:txBody>
-          <a:bodyPr wrap="square" lIns="0" tIns="0" rIns="0" bIns="0">
+          <a:prstGeom prst="rect"/>
+        </p:spPr>
+        <p:txBody>
+          <a:bodyPr bIns="0" lIns="0" rIns="0" tIns="0" wrap="square">
             <a:spAutoFit/>
           </a:bodyPr>
           <a:lstStyle>
             <a:lvl1pPr>
-              <a:defRPr sz="4800" b="1" i="0">
+              <a:defRPr b="1" sz="4800" i="0">
                 <a:solidFill>
                   <a:schemeClr val="tx1"/>
                 </a:solidFill>
@@ -2038,14 +1861,12 @@
               </a:defRPr>
             </a:lvl1pPr>
           </a:lstStyle>
-          <a:p>
-            <a:endParaRPr/>
-          </a:p>
-        </p:txBody>
-      </p:sp>
-      <p:sp>
-        <p:nvSpPr>
-          <p:cNvPr id="3" name="Holder 3"/>
+          <a:p/>
+        </p:txBody>
+      </p:sp>
+      <p:sp>
+        <p:nvSpPr>
+          <p:cNvPr id="1048587" name="Holder 3"/>
           <p:cNvSpPr>
             <a:spLocks noGrp="1"/>
           </p:cNvSpPr>
@@ -2058,27 +1879,18 @@
             <a:off x="609600" y="1577340"/>
             <a:ext cx="10972800" cy="4526280"/>
           </a:xfrm>
-          <a:prstGeom prst="rect">
-            <a:avLst/>
-          </a:prstGeom>
-        </p:spPr>
-        <p:txBody>
-          <a:bodyPr wrap="square" lIns="0" tIns="0" rIns="0" bIns="0">
+          <a:prstGeom prst="rect"/>
+        </p:spPr>
+        <p:txBody>
+          <a:bodyPr bIns="0" lIns="0" rIns="0" tIns="0" wrap="square">
             <a:spAutoFit/>
           </a:bodyPr>
-          <a:lstStyle>
-            <a:lvl1pPr>
-              <a:defRPr/>
-            </a:lvl1pPr>
-          </a:lstStyle>
-          <a:p>
-            <a:endParaRPr/>
-          </a:p>
-        </p:txBody>
-      </p:sp>
-      <p:sp>
-        <p:nvSpPr>
-          <p:cNvPr id="4" name="Holder 4"/>
+          <a:p/>
+        </p:txBody>
+      </p:sp>
+      <p:sp>
+        <p:nvSpPr>
+          <p:cNvPr id="1048588" name="Holder 4"/>
           <p:cNvSpPr>
             <a:spLocks noGrp="1"/>
           </p:cNvSpPr>
@@ -2091,12 +1903,10 @@
             <a:off x="4145280" y="6377940"/>
             <a:ext cx="3901440" cy="342900"/>
           </a:xfrm>
-          <a:prstGeom prst="rect">
-            <a:avLst/>
-          </a:prstGeom>
-        </p:spPr>
-        <p:txBody>
-          <a:bodyPr wrap="square" lIns="0" tIns="0" rIns="0" bIns="0">
+          <a:prstGeom prst="rect"/>
+        </p:spPr>
+        <p:txBody>
+          <a:bodyPr bIns="0" lIns="0" rIns="0" tIns="0" wrap="square">
             <a:spAutoFit/>
           </a:bodyPr>
           <a:lstStyle>
@@ -2110,14 +1920,12 @@
               </a:defRPr>
             </a:lvl1pPr>
           </a:lstStyle>
-          <a:p>
-            <a:endParaRPr/>
-          </a:p>
-        </p:txBody>
-      </p:sp>
-      <p:sp>
-        <p:nvSpPr>
-          <p:cNvPr id="5" name="Holder 5"/>
+          <a:p/>
+        </p:txBody>
+      </p:sp>
+      <p:sp>
+        <p:nvSpPr>
+          <p:cNvPr id="1048589" name="Holder 5"/>
           <p:cNvSpPr>
             <a:spLocks noGrp="1"/>
           </p:cNvSpPr>
@@ -2130,12 +1938,10 @@
             <a:off x="609600" y="6377940"/>
             <a:ext cx="2804160" cy="342900"/>
           </a:xfrm>
-          <a:prstGeom prst="rect">
-            <a:avLst/>
-          </a:prstGeom>
-        </p:spPr>
-        <p:txBody>
-          <a:bodyPr wrap="square" lIns="0" tIns="0" rIns="0" bIns="0">
+          <a:prstGeom prst="rect"/>
+        </p:spPr>
+        <p:txBody>
+          <a:bodyPr bIns="0" lIns="0" rIns="0" tIns="0" wrap="square">
             <a:spAutoFit/>
           </a:bodyPr>
           <a:lstStyle>
@@ -2160,7 +1966,7 @@
       </p:sp>
       <p:sp>
         <p:nvSpPr>
-          <p:cNvPr id="6" name="Holder 6"/>
+          <p:cNvPr id="1048590" name="Holder 6"/>
           <p:cNvSpPr>
             <a:spLocks noGrp="1"/>
           </p:cNvSpPr>
@@ -2173,17 +1979,15 @@
             <a:off x="11353418" y="6473337"/>
             <a:ext cx="151129" cy="191770"/>
           </a:xfrm>
-          <a:prstGeom prst="rect">
-            <a:avLst/>
-          </a:prstGeom>
-        </p:spPr>
-        <p:txBody>
-          <a:bodyPr wrap="square" lIns="0" tIns="0" rIns="0" bIns="0">
+          <a:prstGeom prst="rect"/>
+        </p:spPr>
+        <p:txBody>
+          <a:bodyPr bIns="0" lIns="0" rIns="0" tIns="0" wrap="square">
             <a:spAutoFit/>
           </a:bodyPr>
           <a:lstStyle>
             <a:lvl1pPr>
-              <a:defRPr sz="1100" b="0" i="0">
+              <a:defRPr b="0" sz="1100" i="0">
                 <a:solidFill>
                   <a:srgbClr val="2D936B"/>
                 </a:solidFill>
@@ -2202,22 +2006,22 @@
               </a:spcBef>
             </a:pPr>
             <a:fld id="{81D60167-4931-47E6-BA6A-407CBD079E47}" type="slidenum">
-              <a:rPr spc="10" dirty="0"/>
+              <a:rPr dirty="0" spc="10"/>
               <a:t>‹#›</a:t>
             </a:fld>
-            <a:endParaRPr spc="10" dirty="0"/>
+            <a:endParaRPr dirty="0" spc="10"/>
           </a:p>
         </p:txBody>
       </p:sp>
     </p:spTree>
   </p:cSld>
-  <p:clrMap bg1="lt1" tx1="dk1" bg2="lt2" tx2="dk2" accent1="accent1" accent2="accent2" accent3="accent3" accent4="accent4" accent5="accent5" accent6="accent6" hlink="hlink" folHlink="folHlink"/>
+  <p:clrMap accent1="accent1" accent2="accent2" accent3="accent3" accent4="accent4" accent5="accent5" accent6="accent6" bg1="lt1" bg2="lt2" tx1="dk1" tx2="dk2" hlink="hlink" folHlink="folHlink"/>
   <p:sldLayoutIdLst>
-    <p:sldLayoutId id="2147483661" r:id="rId1"/>
-    <p:sldLayoutId id="2147483662" r:id="rId2"/>
-    <p:sldLayoutId id="2147483663" r:id="rId3"/>
-    <p:sldLayoutId id="2147483664" r:id="rId4"/>
-    <p:sldLayoutId id="2147483665" r:id="rId5"/>
+    <p:sldLayoutId id="2147483649" r:id="rId1"/>
+    <p:sldLayoutId id="2147483650" r:id="rId2"/>
+    <p:sldLayoutId id="2147483651" r:id="rId3"/>
+    <p:sldLayoutId id="2147483652" r:id="rId4"/>
+    <p:sldLayoutId id="2147483653" r:id="rId5"/>
   </p:sldLayoutIdLst>
   <p:txStyles>
     <p:titleStyle>
@@ -2368,7 +2172,7 @@
   <p:cSld>
     <p:spTree>
       <p:nvGrpSpPr>
-        <p:cNvPr id="1" name=""/>
+        <p:cNvPr id="34" name=""/>
         <p:cNvGrpSpPr/>
         <p:nvPr/>
       </p:nvGrpSpPr>
@@ -2382,7 +2186,7 @@
       </p:grpSpPr>
       <p:grpSp>
         <p:nvGrpSpPr>
-          <p:cNvPr id="2" name="object 2"/>
+          <p:cNvPr id="35" name="object 2"/>
           <p:cNvGrpSpPr/>
           <p:nvPr/>
         </p:nvGrpSpPr>
@@ -2396,7 +2200,7 @@
         </p:grpSpPr>
         <p:sp>
           <p:nvSpPr>
-            <p:cNvPr id="3" name="object 3"/>
+            <p:cNvPr id="1048655" name="object 3"/>
             <p:cNvSpPr/>
             <p:nvPr/>
           </p:nvSpPr>
@@ -2407,9 +2211,7 @@
             </a:xfrm>
             <a:custGeom>
               <a:avLst/>
-              <a:gdLst/>
               <a:ahLst/>
-              <a:cxnLst/>
               <a:rect l="l" t="t" r="r" b="b"/>
               <a:pathLst>
                 <a:path w="1228725" h="1057275">
@@ -2443,16 +2245,13 @@
             </a:solidFill>
           </p:spPr>
           <p:txBody>
-            <a:bodyPr wrap="square" lIns="0" tIns="0" rIns="0" bIns="0" rtlCol="0"/>
-            <a:lstStyle/>
-            <a:p>
-              <a:endParaRPr/>
-            </a:p>
+            <a:bodyPr bIns="0" lIns="0" rIns="0" rtlCol="0" tIns="0" wrap="square"/>
+            <a:p/>
           </p:txBody>
         </p:sp>
         <p:sp>
           <p:nvSpPr>
-            <p:cNvPr id="4" name="object 4"/>
+            <p:cNvPr id="1048656" name="object 4"/>
             <p:cNvSpPr/>
             <p:nvPr/>
           </p:nvSpPr>
@@ -2463,9 +2262,7 @@
             </a:xfrm>
             <a:custGeom>
               <a:avLst/>
-              <a:gdLst/>
               <a:ahLst/>
-              <a:cxnLst/>
               <a:rect l="l" t="t" r="r" b="b"/>
               <a:pathLst>
                 <a:path w="647700" h="561975">
@@ -2499,17 +2296,14 @@
             </a:solidFill>
           </p:spPr>
           <p:txBody>
-            <a:bodyPr wrap="square" lIns="0" tIns="0" rIns="0" bIns="0" rtlCol="0"/>
-            <a:lstStyle/>
-            <a:p>
-              <a:endParaRPr/>
-            </a:p>
+            <a:bodyPr bIns="0" lIns="0" rIns="0" rtlCol="0" tIns="0" wrap="square"/>
+            <a:p/>
           </p:txBody>
         </p:sp>
       </p:grpSp>
       <p:sp>
         <p:nvSpPr>
-          <p:cNvPr id="5" name="object 5"/>
+          <p:cNvPr id="1048657" name="object 5"/>
           <p:cNvSpPr/>
           <p:nvPr/>
         </p:nvSpPr>
@@ -2520,9 +2314,7 @@
           </a:xfrm>
           <a:custGeom>
             <a:avLst/>
-            <a:gdLst/>
             <a:ahLst/>
-            <a:cxnLst/>
             <a:rect l="l" t="t" r="r" b="b"/>
             <a:pathLst>
               <a:path w="1666875" h="1438275">
@@ -2556,16 +2348,13 @@
           </a:solidFill>
         </p:spPr>
         <p:txBody>
-          <a:bodyPr wrap="square" lIns="0" tIns="0" rIns="0" bIns="0" rtlCol="0"/>
-          <a:lstStyle/>
-          <a:p>
-            <a:endParaRPr/>
-          </a:p>
-        </p:txBody>
-      </p:sp>
-      <p:sp>
-        <p:nvSpPr>
-          <p:cNvPr id="6" name="object 6"/>
+          <a:bodyPr bIns="0" lIns="0" rIns="0" rtlCol="0" tIns="0" wrap="square"/>
+          <a:p/>
+        </p:txBody>
+      </p:sp>
+      <p:sp>
+        <p:nvSpPr>
+          <p:cNvPr id="1048658" name="object 6"/>
           <p:cNvSpPr/>
           <p:nvPr/>
         </p:nvSpPr>
@@ -2576,9 +2365,7 @@
           </a:xfrm>
           <a:custGeom>
             <a:avLst/>
-            <a:gdLst/>
             <a:ahLst/>
-            <a:cxnLst/>
             <a:rect l="l" t="t" r="r" b="b"/>
             <a:pathLst>
               <a:path w="723900" h="619125">
@@ -2612,16 +2399,13 @@
           </a:solidFill>
         </p:spPr>
         <p:txBody>
-          <a:bodyPr wrap="square" lIns="0" tIns="0" rIns="0" bIns="0" rtlCol="0"/>
-          <a:lstStyle/>
-          <a:p>
-            <a:endParaRPr/>
-          </a:p>
-        </p:txBody>
-      </p:sp>
-      <p:sp>
-        <p:nvSpPr>
-          <p:cNvPr id="7" name="object 7"/>
+          <a:bodyPr bIns="0" lIns="0" rIns="0" rtlCol="0" tIns="0" wrap="square"/>
+          <a:p/>
+        </p:txBody>
+      </p:sp>
+      <p:sp>
+        <p:nvSpPr>
+          <p:cNvPr id="1048659" name="object 7"/>
           <p:cNvSpPr txBox="1">
             <a:spLocks noGrp="1"/>
           </p:cNvSpPr>
@@ -2634,15 +2418,12 @@
             <a:off x="-828675" y="19665"/>
             <a:ext cx="9982200" cy="1001556"/>
           </a:xfrm>
-          <a:prstGeom prst="rect">
-            <a:avLst/>
-          </a:prstGeom>
-        </p:spPr>
-        <p:txBody>
-          <a:bodyPr vert="horz" wrap="square" lIns="0" tIns="16510" rIns="0" bIns="0" rtlCol="0">
+          <a:prstGeom prst="rect"/>
+        </p:spPr>
+        <p:txBody>
+          <a:bodyPr bIns="0" lIns="0" rIns="0" rtlCol="0" tIns="16510" vert="horz" wrap="square">
             <a:spAutoFit/>
           </a:bodyPr>
-          <a:lstStyle/>
           <a:p>
             <a:pPr marL="3213735">
               <a:spcBef>
@@ -2650,7 +2431,7 @@
               </a:spcBef>
             </a:pPr>
             <a:r>
-              <a:rPr lang="en-US" b="1" dirty="0">
+              <a:rPr b="1" dirty="0" lang="en-US">
                 <a:solidFill>
                   <a:srgbClr val="0F0F0F"/>
                 </a:solidFill>
@@ -2660,7 +2441,7 @@
               <a:t>Employee Data Analysis using Excel</a:t>
             </a:r>
             <a:r>
-              <a:rPr lang="en-US" b="1" i="0" dirty="0">
+              <a:rPr b="1" dirty="0" i="0" lang="en-US">
                 <a:solidFill>
                   <a:srgbClr val="0F0F0F"/>
                 </a:solidFill>
@@ -2671,7 +2452,7 @@
               <a:t> </a:t>
             </a:r>
             <a:br>
-              <a:rPr lang="en-US" b="1" i="0" dirty="0">
+              <a:rPr b="1" dirty="0" i="0" lang="en-US">
                 <a:solidFill>
                   <a:srgbClr val="0F0F0F"/>
                 </a:solidFill>
@@ -2679,18 +2460,20 @@
                 <a:latin typeface="Roboto" panose="020F0502020204030204" pitchFamily="2" charset="0"/>
               </a:rPr>
             </a:br>
-            <a:endParaRPr spc="15" dirty="0"/>
+            <a:endParaRPr dirty="0" spc="15"/>
           </a:p>
         </p:txBody>
       </p:sp>
       <p:pic>
         <p:nvPicPr>
-          <p:cNvPr id="9" name="object 9"/>
-          <p:cNvPicPr/>
+          <p:cNvPr id="2097164" name="object 9"/>
+          <p:cNvPicPr>
+            <a:picLocks/>
+          </p:cNvPicPr>
           <p:nvPr/>
         </p:nvPicPr>
         <p:blipFill>
-          <a:blip r:embed="rId3" cstate="print"/>
+          <a:blip xmlns:r="http://schemas.openxmlformats.org/officeDocument/2006/relationships" r:embed="rId1" cstate="print"/>
           <a:stretch>
             <a:fillRect/>
           </a:stretch>
@@ -2700,14 +2483,12 @@
             <a:off x="676275" y="6467475"/>
             <a:ext cx="2143125" cy="200025"/>
           </a:xfrm>
-          <a:prstGeom prst="rect">
-            <a:avLst/>
-          </a:prstGeom>
+          <a:prstGeom prst="rect"/>
         </p:spPr>
       </p:pic>
       <p:sp>
         <p:nvSpPr>
-          <p:cNvPr id="11" name="object 11"/>
+          <p:cNvPr id="1048660" name="object 11"/>
           <p:cNvSpPr txBox="1">
             <a:spLocks noGrp="1"/>
           </p:cNvSpPr>
@@ -2716,15 +2497,12 @@
           </p:nvPr>
         </p:nvSpPr>
         <p:spPr>
-          <a:prstGeom prst="rect">
-            <a:avLst/>
-          </a:prstGeom>
-        </p:spPr>
-        <p:txBody>
-          <a:bodyPr vert="horz" wrap="square" lIns="0" tIns="6985" rIns="0" bIns="0" rtlCol="0">
+          <a:prstGeom prst="rect"/>
+        </p:spPr>
+        <p:txBody>
+          <a:bodyPr bIns="0" lIns="0" rIns="0" rtlCol="0" tIns="6985" vert="horz" wrap="square">
             <a:spAutoFit/>
           </a:bodyPr>
-          <a:lstStyle/>
           <a:p>
             <a:pPr marL="38100">
               <a:lnSpc>
@@ -2735,71 +2513,265 @@
               </a:spcBef>
             </a:pPr>
             <a:fld id="{81D60167-4931-47E6-BA6A-407CBD079E47}" type="slidenum">
-              <a:rPr spc="10" dirty="0"/>
+              <a:rPr dirty="0" spc="10"/>
               <a:t>1</a:t>
             </a:fld>
-            <a:endParaRPr spc="10" dirty="0"/>
+            <a:endParaRPr dirty="0" spc="10"/>
           </a:p>
         </p:txBody>
       </p:sp>
       <p:sp>
         <p:nvSpPr>
-          <p:cNvPr id="14" name="TextBox 13">
-            <a:extLst>
-              <a:ext uri="{FF2B5EF4-FFF2-40B4-BE49-F238E27FC236}">
-                <a16:creationId xmlns:a16="http://schemas.microsoft.com/office/drawing/2014/main" id="{D55ADE35-C35B-07C1-F5AA-C33B3DDB802E}"/>
-              </a:ext>
-            </a:extLst>
-          </p:cNvPr>
+          <p:cNvPr id="1048661" name="TextBox 13"/>
           <p:cNvSpPr txBox="1"/>
           <p:nvPr/>
         </p:nvSpPr>
         <p:spPr>
           <a:xfrm>
             <a:off x="2554542" y="3314150"/>
-            <a:ext cx="8610600" cy="1938992"/>
-          </a:xfrm>
-          <a:prstGeom prst="rect">
-            <a:avLst/>
-          </a:prstGeom>
+            <a:ext cx="8610600" cy="1996439"/>
+          </a:xfrm>
+          <a:prstGeom prst="rect"/>
           <a:noFill/>
         </p:spPr>
         <p:txBody>
-          <a:bodyPr wrap="square" rtlCol="0">
+          <a:bodyPr rtlCol="0" wrap="square">
             <a:spAutoFit/>
           </a:bodyPr>
-          <a:lstStyle/>
           <a:p>
             <a:r>
-              <a:rPr lang="en-US" sz="2400"/>
+              <a:rPr sz="2400" lang="en-US"/>
               <a:t>STUDENT NAME:</a:t>
             </a:r>
-            <a:endParaRPr lang="en-US" sz="2400" dirty="0"/>
+            <a:r>
+              <a:rPr altLang="en-GB" sz="2400" lang="en-US"/>
+              <a:t>V</a:t>
+            </a:r>
+            <a:r>
+              <a:rPr altLang="en-GB" sz="2400" lang="en-US"/>
+              <a:t>.</a:t>
+            </a:r>
+            <a:r>
+              <a:rPr altLang="en-GB" sz="2400" lang="en-US"/>
+              <a:t>P</a:t>
+            </a:r>
+            <a:r>
+              <a:rPr altLang="en-GB" sz="2400" lang="en-US"/>
+              <a:t>r</a:t>
+            </a:r>
+            <a:r>
+              <a:rPr altLang="en-GB" sz="2400" lang="en-US"/>
+              <a:t>i</a:t>
+            </a:r>
+            <a:r>
+              <a:rPr altLang="en-GB" sz="2400" lang="en-US"/>
+              <a:t>y</a:t>
+            </a:r>
+            <a:r>
+              <a:rPr altLang="en-GB" sz="2400" lang="en-US"/>
+              <a:t>a</a:t>
+            </a:r>
+            <a:r>
+              <a:rPr altLang="en-GB" sz="2400" lang="en-US"/>
+              <a:t>d</a:t>
+            </a:r>
+            <a:r>
+              <a:rPr altLang="en-GB" sz="2400" lang="en-US"/>
+              <a:t>h</a:t>
+            </a:r>
+            <a:r>
+              <a:rPr altLang="en-GB" sz="2400" lang="en-US"/>
+              <a:t>a</a:t>
+            </a:r>
+            <a:r>
+              <a:rPr altLang="en-GB" sz="2400" lang="en-US"/>
+              <a:t>r</a:t>
+            </a:r>
+            <a:r>
+              <a:rPr altLang="en-GB" sz="2400" lang="en-US"/>
+              <a:t>s</a:t>
+            </a:r>
+            <a:r>
+              <a:rPr altLang="en-GB" sz="2400" lang="en-US"/>
+              <a:t>h</a:t>
+            </a:r>
+            <a:r>
+              <a:rPr altLang="en-GB" sz="2400" lang="en-US"/>
+              <a:t>i</a:t>
+            </a:r>
+            <a:r>
+              <a:rPr altLang="en-GB" sz="2400" lang="en-US"/>
+              <a:t>n</a:t>
+            </a:r>
+            <a:r>
+              <a:rPr altLang="en-GB" sz="2400" lang="en-US"/>
+              <a:t>i</a:t>
+            </a:r>
+            <a:endParaRPr dirty="0" sz="2400" lang="en-US"/>
           </a:p>
           <a:p>
             <a:r>
-              <a:rPr lang="en-US" sz="2400" dirty="0"/>
+              <a:rPr dirty="0" sz="2400" lang="en-US"/>
               <a:t>REGISTER NO:</a:t>
             </a:r>
+            <a:r>
+              <a:rPr altLang="en-GB" dirty="0" sz="2400" lang="en-US"/>
+              <a:t>3</a:t>
+            </a:r>
+            <a:r>
+              <a:rPr altLang="en-GB" dirty="0" sz="2400" lang="en-US"/>
+              <a:t>1</a:t>
+            </a:r>
+            <a:r>
+              <a:rPr altLang="en-GB" dirty="0" sz="2400" lang="en-US"/>
+              <a:t>2</a:t>
+            </a:r>
+            <a:r>
+              <a:rPr altLang="en-GB" dirty="0" sz="2400" lang="en-US"/>
+              <a:t>2</a:t>
+            </a:r>
+            <a:r>
+              <a:rPr altLang="en-GB" dirty="0" sz="2400" lang="en-US"/>
+              <a:t>0</a:t>
+            </a:r>
+            <a:r>
+              <a:rPr altLang="en-GB" dirty="0" sz="2400" lang="en-US"/>
+              <a:t>1</a:t>
+            </a:r>
+            <a:r>
+              <a:rPr altLang="en-GB" dirty="0" sz="2400" lang="en-US"/>
+              <a:t>6</a:t>
+            </a:r>
+            <a:r>
+              <a:rPr altLang="en-GB" dirty="0" sz="2400" lang="en-US"/>
+              <a:t>5</a:t>
+            </a:r>
+            <a:r>
+              <a:rPr altLang="en-GB" dirty="0" sz="2400" lang="en-US"/>
+              <a:t>4</a:t>
+            </a:r>
+            <a:endParaRPr altLang="en-US" lang="zh-CN"/>
           </a:p>
           <a:p>
             <a:r>
-              <a:rPr lang="en-US" sz="2400" dirty="0"/>
+              <a:rPr dirty="0" sz="2400" lang="en-US"/>
               <a:t>DEPARTMENT:</a:t>
             </a:r>
+            <a:r>
+              <a:rPr altLang="en-GB" dirty="0" sz="2400" lang="en-US"/>
+              <a:t> Commerce </a:t>
+            </a:r>
+            <a:endParaRPr altLang="en-US" lang="zh-CN"/>
           </a:p>
           <a:p>
             <a:r>
-              <a:rPr lang="en-US" sz="2400" dirty="0"/>
+              <a:rPr dirty="0" sz="2400" lang="en-US"/>
               <a:t>COLLEGE</a:t>
             </a:r>
+            <a:r>
+              <a:rPr altLang="en-GB" dirty="0" sz="2400" lang="en-US"/>
+              <a:t>:</a:t>
+            </a:r>
+            <a:r>
+              <a:rPr altLang="en-GB" dirty="0" sz="2400" lang="en-US"/>
+              <a:t> </a:t>
+            </a:r>
+            <a:r>
+              <a:rPr altLang="en-GB" dirty="0" sz="2400" lang="en-US"/>
+              <a:t>P</a:t>
+            </a:r>
+            <a:r>
+              <a:rPr altLang="en-GB" dirty="0" sz="2400" lang="en-US"/>
+              <a:t>r</a:t>
+            </a:r>
+            <a:r>
+              <a:rPr altLang="en-GB" dirty="0" sz="2400" lang="en-US"/>
+              <a:t>o</a:t>
+            </a:r>
+            <a:r>
+              <a:rPr altLang="en-GB" dirty="0" sz="2400" lang="en-US"/>
+              <a:t>f</a:t>
+            </a:r>
+            <a:r>
+              <a:rPr altLang="en-GB" dirty="0" sz="2400" lang="en-US"/>
+              <a:t>.</a:t>
+            </a:r>
+            <a:r>
+              <a:rPr altLang="en-GB" dirty="0" sz="2400" lang="en-US"/>
+              <a:t> </a:t>
+            </a:r>
+            <a:r>
+              <a:rPr altLang="en-GB" dirty="0" sz="2400" lang="en-US"/>
+              <a:t>D</a:t>
+            </a:r>
+            <a:r>
+              <a:rPr altLang="en-GB" dirty="0" sz="2400" lang="en-US"/>
+              <a:t>h</a:t>
+            </a:r>
+            <a:r>
+              <a:rPr altLang="en-GB" dirty="0" sz="2400" lang="en-US"/>
+              <a:t>a</a:t>
+            </a:r>
+            <a:r>
+              <a:rPr altLang="en-GB" dirty="0" sz="2400" lang="en-US"/>
+              <a:t>n</a:t>
+            </a:r>
+            <a:r>
+              <a:rPr altLang="en-GB" dirty="0" sz="2400" lang="en-US"/>
+              <a:t>a</a:t>
+            </a:r>
+            <a:r>
+              <a:rPr altLang="en-GB" dirty="0" sz="2400" lang="en-US"/>
+              <a:t>p</a:t>
+            </a:r>
+            <a:r>
+              <a:rPr altLang="en-GB" dirty="0" sz="2400" lang="en-US"/>
+              <a:t>a</a:t>
+            </a:r>
+            <a:r>
+              <a:rPr altLang="en-GB" dirty="0" sz="2400" lang="en-US"/>
+              <a:t>l</a:t>
+            </a:r>
+            <a:r>
+              <a:rPr altLang="en-GB" dirty="0" sz="2400" lang="en-US"/>
+              <a:t>a</a:t>
+            </a:r>
+            <a:r>
+              <a:rPr altLang="en-GB" dirty="0" sz="2400" lang="en-US"/>
+              <a:t>n </a:t>
+            </a:r>
+            <a:r>
+              <a:rPr altLang="en-GB" dirty="0" sz="2400" lang="en-US"/>
+              <a:t>College </a:t>
+            </a:r>
+            <a:r>
+              <a:rPr altLang="en-GB" dirty="0" sz="2400" lang="en-US"/>
+              <a:t>of </a:t>
+            </a:r>
+            <a:r>
+              <a:rPr altLang="en-GB" dirty="0" sz="2400" lang="en-US"/>
+              <a:t>Science </a:t>
+            </a:r>
+            <a:r>
+              <a:rPr altLang="en-GB" dirty="0" sz="2400" lang="en-US"/>
+              <a:t>and </a:t>
+            </a:r>
+            <a:r>
+              <a:rPr altLang="en-GB" dirty="0" sz="2400" lang="en-US"/>
+              <a:t>Management </a:t>
+            </a:r>
+            <a:r>
+              <a:rPr altLang="en-GB" dirty="0" sz="2400" lang="en-US"/>
+              <a:t>Padur </a:t>
+            </a:r>
+            <a:endParaRPr altLang="en-US" lang="zh-CN"/>
           </a:p>
           <a:p>
             <a:r>
-              <a:rPr lang="en-US" sz="2400" dirty="0"/>
+              <a:rPr dirty="0" sz="2400" lang="en-US"/>
               <a:t>           </a:t>
             </a:r>
-            <a:endParaRPr lang="en-IN" sz="2400" dirty="0"/>
+            <a:endParaRPr dirty="0" sz="2400" lang="en-IN"/>
           </a:p>
         </p:txBody>
       </p:sp>
@@ -2816,7 +2788,7 @@
   <p:cSld>
     <p:spTree>
       <p:nvGrpSpPr>
-        <p:cNvPr id="1" name=""/>
+        <p:cNvPr id="40" name=""/>
         <p:cNvGrpSpPr/>
         <p:nvPr/>
       </p:nvGrpSpPr>
@@ -2830,7 +2802,7 @@
       </p:grpSpPr>
       <p:sp>
         <p:nvSpPr>
-          <p:cNvPr id="5" name="object 5"/>
+          <p:cNvPr id="1048673" name="object 5"/>
           <p:cNvSpPr/>
           <p:nvPr/>
         </p:nvSpPr>
@@ -2841,9 +2813,7 @@
           </a:xfrm>
           <a:custGeom>
             <a:avLst/>
-            <a:gdLst/>
             <a:ahLst/>
-            <a:cxnLst/>
             <a:rect l="l" t="t" r="r" b="b"/>
             <a:pathLst>
               <a:path w="180975" h="180975">
@@ -2871,21 +2841,20 @@
           </a:solidFill>
         </p:spPr>
         <p:txBody>
-          <a:bodyPr wrap="square" lIns="0" tIns="0" rIns="0" bIns="0" rtlCol="0"/>
-          <a:lstStyle/>
-          <a:p>
-            <a:endParaRPr/>
-          </a:p>
+          <a:bodyPr bIns="0" lIns="0" rIns="0" rtlCol="0" tIns="0" wrap="square"/>
+          <a:p/>
         </p:txBody>
       </p:sp>
       <p:pic>
         <p:nvPicPr>
-          <p:cNvPr id="6" name="object 6"/>
-          <p:cNvPicPr/>
+          <p:cNvPr id="2097166" name="object 6"/>
+          <p:cNvPicPr>
+            <a:picLocks/>
+          </p:cNvPicPr>
           <p:nvPr/>
         </p:nvPicPr>
         <p:blipFill>
-          <a:blip r:embed="rId2" cstate="print"/>
+          <a:blip xmlns:r="http://schemas.openxmlformats.org/officeDocument/2006/relationships" r:embed="rId1" cstate="print"/>
           <a:stretch>
             <a:fillRect/>
           </a:stretch>
@@ -2895,14 +2864,12 @@
             <a:off x="1666875" y="6467475"/>
             <a:ext cx="76200" cy="177800"/>
           </a:xfrm>
-          <a:prstGeom prst="rect">
-            <a:avLst/>
-          </a:prstGeom>
+          <a:prstGeom prst="rect"/>
         </p:spPr>
       </p:pic>
       <p:sp>
         <p:nvSpPr>
-          <p:cNvPr id="9" name="object 9"/>
+          <p:cNvPr id="1048674" name="object 9"/>
           <p:cNvSpPr txBox="1"/>
           <p:nvPr/>
         </p:nvSpPr>
@@ -2911,15 +2878,12 @@
             <a:off x="11277218" y="6473337"/>
             <a:ext cx="228600" cy="191770"/>
           </a:xfrm>
-          <a:prstGeom prst="rect">
-            <a:avLst/>
-          </a:prstGeom>
-        </p:spPr>
-        <p:txBody>
-          <a:bodyPr vert="horz" wrap="square" lIns="0" tIns="6985" rIns="0" bIns="0" rtlCol="0">
+          <a:prstGeom prst="rect"/>
+        </p:spPr>
+        <p:txBody>
+          <a:bodyPr bIns="0" lIns="0" rIns="0" rtlCol="0" tIns="6985" vert="horz" wrap="square">
             <a:spAutoFit/>
           </a:bodyPr>
-          <a:lstStyle/>
           <a:p>
             <a:pPr marL="38100">
               <a:lnSpc>
@@ -2930,7 +2894,7 @@
               </a:spcBef>
             </a:pPr>
             <a:fld id="{81D60167-4931-47E6-BA6A-407CBD079E47}" type="slidenum">
-              <a:rPr sz="1100" spc="10" dirty="0">
+              <a:rPr dirty="0" sz="1100" spc="10">
                 <a:solidFill>
                   <a:srgbClr val="2D936B"/>
                 </a:solidFill>
@@ -2948,24 +2912,21 @@
       </p:sp>
       <p:sp>
         <p:nvSpPr>
-          <p:cNvPr id="8" name="object 8"/>
+          <p:cNvPr id="1048675" name="object 8"/>
           <p:cNvSpPr txBox="1"/>
           <p:nvPr/>
         </p:nvSpPr>
         <p:spPr>
           <a:xfrm>
             <a:off x="739775" y="291147"/>
-            <a:ext cx="3303904" cy="758190"/>
-          </a:xfrm>
-          <a:prstGeom prst="rect">
-            <a:avLst/>
-          </a:prstGeom>
-        </p:spPr>
-        <p:txBody>
-          <a:bodyPr vert="horz" wrap="square" lIns="0" tIns="13335" rIns="0" bIns="0" rtlCol="0">
+            <a:ext cx="3303904" cy="800735"/>
+          </a:xfrm>
+          <a:prstGeom prst="rect"/>
+        </p:spPr>
+        <p:txBody>
+          <a:bodyPr bIns="0" lIns="0" rIns="0" rtlCol="0" tIns="13335" vert="horz" wrap="square">
             <a:spAutoFit/>
           </a:bodyPr>
-          <a:lstStyle/>
           <a:p>
             <a:pPr marL="12700">
               <a:lnSpc>
@@ -2976,62 +2937,62 @@
               </a:spcBef>
             </a:pPr>
             <a:r>
-              <a:rPr sz="4800" b="1" spc="15" dirty="0">
+              <a:rPr b="1" dirty="0" sz="4800" spc="15">
                 <a:latin typeface="Trebuchet MS"/>
                 <a:cs typeface="Trebuchet MS"/>
               </a:rPr>
               <a:t>M</a:t>
             </a:r>
             <a:r>
-              <a:rPr sz="4800" b="1" dirty="0">
+              <a:rPr b="1" dirty="0" sz="4800">
                 <a:latin typeface="Trebuchet MS"/>
                 <a:cs typeface="Trebuchet MS"/>
               </a:rPr>
               <a:t>O</a:t>
             </a:r>
             <a:r>
-              <a:rPr sz="4800" b="1" spc="-15" dirty="0">
+              <a:rPr b="1" dirty="0" sz="4800" spc="-15">
                 <a:latin typeface="Trebuchet MS"/>
                 <a:cs typeface="Trebuchet MS"/>
               </a:rPr>
               <a:t>D</a:t>
             </a:r>
             <a:r>
-              <a:rPr sz="4800" b="1" spc="-35" dirty="0">
+              <a:rPr b="1" dirty="0" sz="4800" spc="-35">
                 <a:latin typeface="Trebuchet MS"/>
                 <a:cs typeface="Trebuchet MS"/>
               </a:rPr>
               <a:t>E</a:t>
             </a:r>
             <a:r>
-              <a:rPr sz="4800" b="1" spc="-30" dirty="0">
+              <a:rPr b="1" dirty="0" sz="4800" spc="-30">
                 <a:latin typeface="Trebuchet MS"/>
                 <a:cs typeface="Trebuchet MS"/>
               </a:rPr>
               <a:t>LL</a:t>
             </a:r>
             <a:r>
-              <a:rPr sz="4800" b="1" spc="-5" dirty="0">
+              <a:rPr b="1" dirty="0" sz="4800" spc="-5">
                 <a:latin typeface="Trebuchet MS"/>
                 <a:cs typeface="Trebuchet MS"/>
               </a:rPr>
               <a:t>I</a:t>
             </a:r>
             <a:r>
-              <a:rPr sz="4800" b="1" spc="30" dirty="0">
+              <a:rPr b="1" dirty="0" sz="4800" spc="30">
                 <a:latin typeface="Trebuchet MS"/>
                 <a:cs typeface="Trebuchet MS"/>
               </a:rPr>
               <a:t>N</a:t>
             </a:r>
             <a:r>
-              <a:rPr sz="4800" b="1" spc="5" dirty="0">
+              <a:rPr b="1" dirty="0" sz="4800" spc="5">
                 <a:latin typeface="Trebuchet MS"/>
                 <a:cs typeface="Trebuchet MS"/>
               </a:rPr>
               <a:t>G</a:t>
             </a:r>
-            <a:endParaRPr sz="4800" dirty="0">
+            <a:endParaRPr dirty="0" sz="4800">
               <a:latin typeface="Trebuchet MS"/>
               <a:cs typeface="Trebuchet MS"/>
             </a:endParaRPr>
@@ -3040,7 +3001,7 @@
       </p:sp>
       <p:sp>
         <p:nvSpPr>
-          <p:cNvPr id="14" name="object 3"/>
+          <p:cNvPr id="1048676" name="object 3"/>
           <p:cNvSpPr/>
           <p:nvPr/>
         </p:nvSpPr>
@@ -3051,9 +3012,7 @@
           </a:xfrm>
           <a:custGeom>
             <a:avLst/>
-            <a:gdLst/>
             <a:ahLst/>
-            <a:cxnLst/>
             <a:rect l="l" t="t" r="r" b="b"/>
             <a:pathLst>
               <a:path w="457200" h="457200">
@@ -3081,10 +3040,57 @@
           </a:solidFill>
         </p:spPr>
         <p:txBody>
-          <a:bodyPr wrap="square" lIns="0" tIns="0" rIns="0" bIns="0" rtlCol="0"/>
-          <a:lstStyle/>
+          <a:bodyPr bIns="0" lIns="0" rIns="0" rtlCol="0" tIns="0" wrap="square"/>
+          <a:p/>
+        </p:txBody>
+      </p:sp>
+      <p:sp>
+        <p:nvSpPr>
+          <p:cNvPr id="1048711" name=""/>
+          <p:cNvSpPr txBox="1"/>
+          <p:nvPr/>
+        </p:nvSpPr>
+        <p:spPr>
+          <a:xfrm>
+            <a:off x="0" y="982341"/>
+            <a:ext cx="11986346" cy="13426439"/>
+          </a:xfrm>
+          <a:prstGeom prst="rect"/>
+        </p:spPr>
+        <p:txBody>
+          <a:bodyPr rtlCol="0" wrap="square">
+            <a:spAutoFit/>
+          </a:bodyPr>
           <a:p>
-            <a:endParaRPr/>
+            <a:r>
+              <a:rPr sz="2800" lang="en-GB">
+                <a:solidFill>
+                  <a:srgbClr val="000000"/>
+                </a:solidFill>
+              </a:rPr>
+              <a:t>To discuss modeling effectively, it's important to clarify the context—whether you're referring to data modeling, predictive modeling, or another type. Here are some key components to consider for each type:
+### 1. Data Modeling
+- **Purpose:** Define the goal of the data model (e.g., to organize data for a database).
+- **Entities:** Identify key entities (e.g., users, products) and their relationships.
+- **Attributes:** List the attributes for each entity (e.g., user ID, product name).
+- **Diagrams:** Use ER diagrams or UML diagrams to visually represent the structure.
+### 2. Predictive Modeling
+- **Objective:** Specify what you're trying to predict (e.g., sales forecasting).
+- **Data Preparation:** Outline how you'll preprocess the data (cleaning, normalization).
+- **Algorithms:** Describe the algorithms you plan to use (e.g., linear regression, decision trees).
+- **Evaluation Metrics:** Define how you'll measure model performance (e.g., accuracy, RMSE).
+### 3. Statistical Modeling
+- **Hypothesis:** State the hypothesis you want to test.
+- **Model Selection:** Choose appropriate statistical models (e.g., ANOVA, regression).
+- **Data Collection:** Describe how data will be gathered for analysis.
+- **Interpretation:** Discuss how results will be interpreted and presented.
+If you can provide more specifics about the type of modeling you're interested in, I can give you a more detailed framework or examples!</a:t>
+            </a:r>
+            <a:endParaRPr sz="2800" lang="en-GB">
+              <a:solidFill>
+                <a:srgbClr val="000000"/>
+              </a:solidFill>
+            </a:endParaRPr>
           </a:p>
         </p:txBody>
       </p:sp>
@@ -3101,7 +3107,7 @@
   <p:cSld>
     <p:spTree>
       <p:nvGrpSpPr>
-        <p:cNvPr id="1" name=""/>
+        <p:cNvPr id="41" name=""/>
         <p:cNvGrpSpPr/>
         <p:nvPr/>
       </p:nvGrpSpPr>
@@ -3115,7 +3121,7 @@
       </p:grpSpPr>
       <p:sp>
         <p:nvSpPr>
-          <p:cNvPr id="3" name="object 3"/>
+          <p:cNvPr id="1048677" name="object 3"/>
           <p:cNvSpPr/>
           <p:nvPr/>
         </p:nvSpPr>
@@ -3126,9 +3132,7 @@
           </a:xfrm>
           <a:custGeom>
             <a:avLst/>
-            <a:gdLst/>
             <a:ahLst/>
-            <a:cxnLst/>
             <a:rect l="l" t="t" r="r" b="b"/>
             <a:pathLst>
               <a:path w="457200" h="457200">
@@ -3156,16 +3160,13 @@
           </a:solidFill>
         </p:spPr>
         <p:txBody>
-          <a:bodyPr wrap="square" lIns="0" tIns="0" rIns="0" bIns="0" rtlCol="0"/>
-          <a:lstStyle/>
-          <a:p>
-            <a:endParaRPr/>
-          </a:p>
-        </p:txBody>
-      </p:sp>
-      <p:sp>
-        <p:nvSpPr>
-          <p:cNvPr id="4" name="object 4"/>
+          <a:bodyPr bIns="0" lIns="0" rIns="0" rtlCol="0" tIns="0" wrap="square"/>
+          <a:p/>
+        </p:txBody>
+      </p:sp>
+      <p:sp>
+        <p:nvSpPr>
+          <p:cNvPr id="1048678" name="object 4"/>
           <p:cNvSpPr/>
           <p:nvPr/>
         </p:nvSpPr>
@@ -3176,9 +3177,7 @@
           </a:xfrm>
           <a:custGeom>
             <a:avLst/>
-            <a:gdLst/>
             <a:ahLst/>
-            <a:cxnLst/>
             <a:rect l="l" t="t" r="r" b="b"/>
             <a:pathLst>
               <a:path w="314325" h="323850">
@@ -3206,16 +3205,13 @@
           </a:solidFill>
         </p:spPr>
         <p:txBody>
-          <a:bodyPr wrap="square" lIns="0" tIns="0" rIns="0" bIns="0" rtlCol="0"/>
-          <a:lstStyle/>
-          <a:p>
-            <a:endParaRPr/>
-          </a:p>
-        </p:txBody>
-      </p:sp>
-      <p:sp>
-        <p:nvSpPr>
-          <p:cNvPr id="5" name="object 5"/>
+          <a:bodyPr bIns="0" lIns="0" rIns="0" rtlCol="0" tIns="0" wrap="square"/>
+          <a:p/>
+        </p:txBody>
+      </p:sp>
+      <p:sp>
+        <p:nvSpPr>
+          <p:cNvPr id="1048679" name="object 5"/>
           <p:cNvSpPr/>
           <p:nvPr/>
         </p:nvSpPr>
@@ -3226,9 +3222,7 @@
           </a:xfrm>
           <a:custGeom>
             <a:avLst/>
-            <a:gdLst/>
             <a:ahLst/>
-            <a:cxnLst/>
             <a:rect l="l" t="t" r="r" b="b"/>
             <a:pathLst>
               <a:path w="180975" h="180975">
@@ -3256,21 +3250,20 @@
           </a:solidFill>
         </p:spPr>
         <p:txBody>
-          <a:bodyPr wrap="square" lIns="0" tIns="0" rIns="0" bIns="0" rtlCol="0"/>
-          <a:lstStyle/>
-          <a:p>
-            <a:endParaRPr/>
-          </a:p>
+          <a:bodyPr bIns="0" lIns="0" rIns="0" rtlCol="0" tIns="0" wrap="square"/>
+          <a:p/>
         </p:txBody>
       </p:sp>
       <p:pic>
         <p:nvPicPr>
-          <p:cNvPr id="6" name="object 6"/>
-          <p:cNvPicPr/>
+          <p:cNvPr id="2097167" name="object 6"/>
+          <p:cNvPicPr>
+            <a:picLocks/>
+          </p:cNvPicPr>
           <p:nvPr/>
         </p:nvPicPr>
         <p:blipFill>
-          <a:blip r:embed="rId2" cstate="print"/>
+          <a:blip xmlns:r="http://schemas.openxmlformats.org/officeDocument/2006/relationships" r:embed="rId1" cstate="print"/>
           <a:stretch>
             <a:fillRect/>
           </a:stretch>
@@ -3280,14 +3273,12 @@
             <a:off x="1666875" y="6467475"/>
             <a:ext cx="76200" cy="177800"/>
           </a:xfrm>
-          <a:prstGeom prst="rect">
-            <a:avLst/>
-          </a:prstGeom>
+          <a:prstGeom prst="rect"/>
         </p:spPr>
       </p:pic>
       <p:sp>
         <p:nvSpPr>
-          <p:cNvPr id="7" name="object 7"/>
+          <p:cNvPr id="1048680" name="object 7"/>
           <p:cNvSpPr txBox="1">
             <a:spLocks noGrp="1"/>
           </p:cNvSpPr>
@@ -3298,17 +3289,14 @@
         <p:spPr>
           <a:xfrm>
             <a:off x="755332" y="385444"/>
-            <a:ext cx="2437130" cy="758190"/>
-          </a:xfrm>
-          <a:prstGeom prst="rect">
-            <a:avLst/>
-          </a:prstGeom>
-        </p:spPr>
-        <p:txBody>
-          <a:bodyPr vert="horz" wrap="square" lIns="0" tIns="13335" rIns="0" bIns="0" rtlCol="0">
+            <a:ext cx="2437130" cy="800735"/>
+          </a:xfrm>
+          <a:prstGeom prst="rect"/>
+        </p:spPr>
+        <p:txBody>
+          <a:bodyPr bIns="0" lIns="0" rIns="0" rtlCol="0" tIns="13335" vert="horz" wrap="square">
             <a:spAutoFit/>
           </a:bodyPr>
-          <a:lstStyle/>
           <a:p>
             <a:pPr marL="12700">
               <a:lnSpc>
@@ -3323,19 +3311,19 @@
               <a:t>R</a:t>
             </a:r>
             <a:r>
-              <a:rPr spc="-40" dirty="0"/>
+              <a:rPr dirty="0" spc="-40"/>
               <a:t>E</a:t>
             </a:r>
             <a:r>
-              <a:rPr spc="15" dirty="0"/>
+              <a:rPr dirty="0" spc="15"/>
               <a:t>S</a:t>
             </a:r>
             <a:r>
-              <a:rPr spc="-30" dirty="0"/>
+              <a:rPr dirty="0" spc="-30"/>
               <a:t>U</a:t>
             </a:r>
             <a:r>
-              <a:rPr spc="-405" dirty="0"/>
+              <a:rPr dirty="0" spc="-405"/>
               <a:t>L</a:t>
             </a:r>
             <a:r>
@@ -3347,7 +3335,7 @@
       </p:sp>
       <p:sp>
         <p:nvSpPr>
-          <p:cNvPr id="9" name="object 9"/>
+          <p:cNvPr id="1048681" name="object 9"/>
           <p:cNvSpPr txBox="1"/>
           <p:nvPr/>
         </p:nvSpPr>
@@ -3356,15 +3344,12 @@
             <a:off x="11277218" y="6473337"/>
             <a:ext cx="228600" cy="191770"/>
           </a:xfrm>
-          <a:prstGeom prst="rect">
-            <a:avLst/>
-          </a:prstGeom>
-        </p:spPr>
-        <p:txBody>
-          <a:bodyPr vert="horz" wrap="square" lIns="0" tIns="6985" rIns="0" bIns="0" rtlCol="0">
+          <a:prstGeom prst="rect"/>
+        </p:spPr>
+        <p:txBody>
+          <a:bodyPr bIns="0" lIns="0" rIns="0" rtlCol="0" tIns="6985" vert="horz" wrap="square">
             <a:spAutoFit/>
           </a:bodyPr>
-          <a:lstStyle/>
           <a:p>
             <a:pPr marL="38100">
               <a:lnSpc>
@@ -3375,7 +3360,7 @@
               </a:spcBef>
             </a:pPr>
             <a:fld id="{81D60167-4931-47E6-BA6A-407CBD079E47}" type="slidenum">
-              <a:rPr sz="1100" spc="10" dirty="0">
+              <a:rPr dirty="0" sz="1100" spc="10">
                 <a:solidFill>
                   <a:srgbClr val="2D936B"/>
                 </a:solidFill>
@@ -3391,6 +3376,40 @@
           </a:p>
         </p:txBody>
       </p:sp>
+      <p:sp>
+        <p:nvSpPr>
+          <p:cNvPr id="1048712" name=""/>
+          <p:cNvSpPr txBox="1"/>
+          <p:nvPr/>
+        </p:nvSpPr>
+        <p:spPr>
+          <a:xfrm>
+            <a:off x="382731" y="1695449"/>
+            <a:ext cx="8970818" cy="1424940"/>
+          </a:xfrm>
+          <a:prstGeom prst="rect"/>
+        </p:spPr>
+        <p:txBody>
+          <a:bodyPr rtlCol="0" wrap="square">
+            <a:spAutoFit/>
+          </a:bodyPr>
+          <a:p>
+            <a:r>
+              <a:rPr sz="2800" lang="en-GB">
+                <a:solidFill>
+                  <a:srgbClr val="000000"/>
+                </a:solidFill>
+              </a:rPr>
+              <a:t>Could you clarify what specific results you are looking for? Are you interested in sports, academic results, data analysis, or something else?</a:t>
+            </a:r>
+            <a:endParaRPr sz="2800" lang="en-GB">
+              <a:solidFill>
+                <a:srgbClr val="000000"/>
+              </a:solidFill>
+            </a:endParaRPr>
+          </a:p>
+        </p:txBody>
+      </p:sp>
     </p:spTree>
   </p:cSld>
   <p:clrMapOvr>
@@ -3404,7 +3423,7 @@
   <p:cSld>
     <p:spTree>
       <p:nvGrpSpPr>
-        <p:cNvPr id="1" name=""/>
+        <p:cNvPr id="42" name=""/>
         <p:cNvGrpSpPr/>
         <p:nvPr/>
       </p:nvGrpSpPr>
@@ -3418,13 +3437,7 @@
       </p:grpSpPr>
       <p:sp>
         <p:nvSpPr>
-          <p:cNvPr id="2" name="Title 1">
-            <a:extLst>
-              <a:ext uri="{FF2B5EF4-FFF2-40B4-BE49-F238E27FC236}">
-                <a16:creationId xmlns:a16="http://schemas.microsoft.com/office/drawing/2014/main" id="{F9A5CB5B-BDD0-5A64-1A7C-37D3C88F8F9E}"/>
-              </a:ext>
-            </a:extLst>
-          </p:cNvPr>
+          <p:cNvPr id="1048682" name="Title 1"/>
           <p:cNvSpPr>
             <a:spLocks noGrp="1"/>
           </p:cNvSpPr>
@@ -3432,31 +3445,64 @@
             <p:ph type="title"/>
           </p:nvPr>
         </p:nvSpPr>
-        <p:spPr/>
+        <p:spPr>
+          <a:xfrm>
+            <a:off x="755332" y="385444"/>
+            <a:ext cx="10681335" cy="787400"/>
+          </a:xfrm>
+        </p:spPr>
         <p:txBody>
           <a:bodyPr/>
-          <a:lstStyle/>
           <a:p>
             <a:r>
-              <a:rPr lang="en-US" dirty="0">
+              <a:rPr dirty="0" lang="en-US">
                 <a:latin typeface="Times New Roman" panose="02020603050405020304" pitchFamily="18" charset="0"/>
                 <a:cs typeface="Times New Roman" panose="02020603050405020304" pitchFamily="18" charset="0"/>
               </a:rPr>
               <a:t>conclusion</a:t>
             </a:r>
-            <a:endParaRPr lang="en-IN" dirty="0">
+            <a:endParaRPr dirty="0" lang="en-IN">
               <a:latin typeface="Times New Roman" panose="02020603050405020304" pitchFamily="18" charset="0"/>
               <a:cs typeface="Times New Roman" panose="02020603050405020304" pitchFamily="18" charset="0"/>
             </a:endParaRPr>
           </a:p>
         </p:txBody>
       </p:sp>
+      <p:sp>
+        <p:nvSpPr>
+          <p:cNvPr id="1048713" name=""/>
+          <p:cNvSpPr txBox="1"/>
+          <p:nvPr/>
+        </p:nvSpPr>
+        <p:spPr>
+          <a:xfrm>
+            <a:off x="755331" y="1450108"/>
+            <a:ext cx="7122103" cy="1424940"/>
+          </a:xfrm>
+          <a:prstGeom prst="rect"/>
+        </p:spPr>
+        <p:txBody>
+          <a:bodyPr rtlCol="0" wrap="square">
+            <a:spAutoFit/>
+          </a:bodyPr>
+          <a:p>
+            <a:r>
+              <a:rPr sz="2800" lang="en-GB">
+                <a:solidFill>
+                  <a:srgbClr val="000000"/>
+                </a:solidFill>
+              </a:rPr>
+              <a:t>Could you provide more context about the topic or subject for the conclusion? This will help me give you a more tailored response.</a:t>
+            </a:r>
+            <a:endParaRPr sz="2800" lang="en-GB">
+              <a:solidFill>
+                <a:srgbClr val="000000"/>
+              </a:solidFill>
+            </a:endParaRPr>
+          </a:p>
+        </p:txBody>
+      </p:sp>
     </p:spTree>
-    <p:extLst>
-      <p:ext uri="{BB962C8B-B14F-4D97-AF65-F5344CB8AC3E}">
-        <p14:creationId xmlns:p14="http://schemas.microsoft.com/office/powerpoint/2010/main" val="2986442291"/>
-      </p:ext>
-    </p:extLst>
   </p:cSld>
   <p:clrMapOvr>
     <a:masterClrMapping/>
@@ -3469,7 +3515,7 @@
   <p:cSld>
     <p:spTree>
       <p:nvGrpSpPr>
-        <p:cNvPr id="1" name=""/>
+        <p:cNvPr id="29" name=""/>
         <p:cNvGrpSpPr/>
         <p:nvPr/>
       </p:nvGrpSpPr>
@@ -3483,7 +3529,7 @@
       </p:grpSpPr>
       <p:sp>
         <p:nvSpPr>
-          <p:cNvPr id="2" name="object 2"/>
+          <p:cNvPr id="1048628" name="object 2"/>
           <p:cNvSpPr/>
           <p:nvPr/>
         </p:nvSpPr>
@@ -3494,9 +3540,7 @@
           </a:xfrm>
           <a:custGeom>
             <a:avLst/>
-            <a:gdLst/>
             <a:ahLst/>
-            <a:cxnLst/>
             <a:rect l="l" t="t" r="r" b="b"/>
             <a:pathLst>
               <a:path w="12192000" h="6858000">
@@ -3524,8 +3568,7 @@
           </a:solidFill>
         </p:spPr>
         <p:txBody>
-          <a:bodyPr wrap="square" lIns="0" tIns="0" rIns="0" bIns="0" rtlCol="0"/>
-          <a:lstStyle/>
+          <a:bodyPr bIns="0" lIns="0" rIns="0" rtlCol="0" tIns="0" wrap="square"/>
           <a:p>
             <a:endParaRPr dirty="0">
               <a:latin typeface="Times New Roman" panose="02020603050405020304" pitchFamily="18" charset="0"/>
@@ -3536,7 +3579,7 @@
       </p:sp>
       <p:grpSp>
         <p:nvGrpSpPr>
-          <p:cNvPr id="3" name="object 3"/>
+          <p:cNvPr id="30" name="object 3"/>
           <p:cNvGrpSpPr/>
           <p:nvPr/>
         </p:nvGrpSpPr>
@@ -3550,7 +3593,7 @@
         </p:grpSpPr>
         <p:sp>
           <p:nvSpPr>
-            <p:cNvPr id="4" name="object 4"/>
+            <p:cNvPr id="1048629" name="object 4"/>
             <p:cNvSpPr/>
             <p:nvPr/>
           </p:nvSpPr>
@@ -3561,9 +3604,7 @@
             </a:xfrm>
             <a:custGeom>
               <a:avLst/>
-              <a:gdLst/>
               <a:ahLst/>
-              <a:cxnLst/>
               <a:rect l="l" t="t" r="r" b="b"/>
               <a:pathLst>
                 <a:path w="1218565" h="6853555">
@@ -3583,16 +3624,13 @@
             </a:ln>
           </p:spPr>
           <p:txBody>
-            <a:bodyPr wrap="square" lIns="0" tIns="0" rIns="0" bIns="0" rtlCol="0"/>
-            <a:lstStyle/>
-            <a:p>
-              <a:endParaRPr/>
-            </a:p>
+            <a:bodyPr bIns="0" lIns="0" rIns="0" rtlCol="0" tIns="0" wrap="square"/>
+            <a:p/>
           </p:txBody>
         </p:sp>
         <p:sp>
           <p:nvSpPr>
-            <p:cNvPr id="5" name="object 5"/>
+            <p:cNvPr id="1048630" name="object 5"/>
             <p:cNvSpPr/>
             <p:nvPr/>
           </p:nvSpPr>
@@ -3603,9 +3641,7 @@
             </a:xfrm>
             <a:custGeom>
               <a:avLst/>
-              <a:gdLst/>
               <a:ahLst/>
-              <a:cxnLst/>
               <a:rect l="l" t="t" r="r" b="b"/>
               <a:pathLst>
                 <a:path w="4743450" h="3163570">
@@ -3625,16 +3661,13 @@
             </a:ln>
           </p:spPr>
           <p:txBody>
-            <a:bodyPr wrap="square" lIns="0" tIns="0" rIns="0" bIns="0" rtlCol="0"/>
-            <a:lstStyle/>
-            <a:p>
-              <a:endParaRPr/>
-            </a:p>
+            <a:bodyPr bIns="0" lIns="0" rIns="0" rtlCol="0" tIns="0" wrap="square"/>
+            <a:p/>
           </p:txBody>
         </p:sp>
         <p:sp>
           <p:nvSpPr>
-            <p:cNvPr id="6" name="object 6"/>
+            <p:cNvPr id="1048631" name="object 6"/>
             <p:cNvSpPr/>
             <p:nvPr/>
           </p:nvSpPr>
@@ -3645,9 +3678,7 @@
             </a:xfrm>
             <a:custGeom>
               <a:avLst/>
-              <a:gdLst/>
               <a:ahLst/>
-              <a:cxnLst/>
               <a:rect l="l" t="t" r="r" b="b"/>
               <a:pathLst>
                 <a:path w="3009900" h="6858000">
@@ -3677,16 +3708,13 @@
             </a:solidFill>
           </p:spPr>
           <p:txBody>
-            <a:bodyPr wrap="square" lIns="0" tIns="0" rIns="0" bIns="0" rtlCol="0"/>
-            <a:lstStyle/>
-            <a:p>
-              <a:endParaRPr/>
-            </a:p>
+            <a:bodyPr bIns="0" lIns="0" rIns="0" rtlCol="0" tIns="0" wrap="square"/>
+            <a:p/>
           </p:txBody>
         </p:sp>
         <p:sp>
           <p:nvSpPr>
-            <p:cNvPr id="7" name="object 7"/>
+            <p:cNvPr id="1048632" name="object 7"/>
             <p:cNvSpPr/>
             <p:nvPr/>
           </p:nvSpPr>
@@ -3697,9 +3725,7 @@
             </a:xfrm>
             <a:custGeom>
               <a:avLst/>
-              <a:gdLst/>
               <a:ahLst/>
-              <a:cxnLst/>
               <a:rect l="l" t="t" r="r" b="b"/>
               <a:pathLst>
                 <a:path w="2589529" h="6858000">
@@ -3729,16 +3755,13 @@
             </a:solidFill>
           </p:spPr>
           <p:txBody>
-            <a:bodyPr wrap="square" lIns="0" tIns="0" rIns="0" bIns="0" rtlCol="0"/>
-            <a:lstStyle/>
-            <a:p>
-              <a:endParaRPr/>
-            </a:p>
+            <a:bodyPr bIns="0" lIns="0" rIns="0" rtlCol="0" tIns="0" wrap="square"/>
+            <a:p/>
           </p:txBody>
         </p:sp>
         <p:sp>
           <p:nvSpPr>
-            <p:cNvPr id="8" name="object 8"/>
+            <p:cNvPr id="1048633" name="object 8"/>
             <p:cNvSpPr/>
             <p:nvPr/>
           </p:nvSpPr>
@@ -3749,9 +3772,7 @@
             </a:xfrm>
             <a:custGeom>
               <a:avLst/>
-              <a:gdLst/>
               <a:ahLst/>
-              <a:cxnLst/>
               <a:rect l="l" t="t" r="r" b="b"/>
               <a:pathLst>
                 <a:path w="3257550" h="3810000">
@@ -3778,16 +3799,13 @@
             </a:solidFill>
           </p:spPr>
           <p:txBody>
-            <a:bodyPr wrap="square" lIns="0" tIns="0" rIns="0" bIns="0" rtlCol="0"/>
-            <a:lstStyle/>
-            <a:p>
-              <a:endParaRPr/>
-            </a:p>
+            <a:bodyPr bIns="0" lIns="0" rIns="0" rtlCol="0" tIns="0" wrap="square"/>
+            <a:p/>
           </p:txBody>
         </p:sp>
         <p:sp>
           <p:nvSpPr>
-            <p:cNvPr id="9" name="object 9"/>
+            <p:cNvPr id="1048634" name="object 9"/>
             <p:cNvSpPr/>
             <p:nvPr/>
           </p:nvSpPr>
@@ -3798,9 +3816,7 @@
             </a:xfrm>
             <a:custGeom>
               <a:avLst/>
-              <a:gdLst/>
               <a:ahLst/>
-              <a:cxnLst/>
               <a:rect l="l" t="t" r="r" b="b"/>
               <a:pathLst>
                 <a:path w="2854325" h="6858000">
@@ -3830,16 +3846,13 @@
             </a:solidFill>
           </p:spPr>
           <p:txBody>
-            <a:bodyPr wrap="square" lIns="0" tIns="0" rIns="0" bIns="0" rtlCol="0"/>
-            <a:lstStyle/>
-            <a:p>
-              <a:endParaRPr/>
-            </a:p>
+            <a:bodyPr bIns="0" lIns="0" rIns="0" rtlCol="0" tIns="0" wrap="square"/>
+            <a:p/>
           </p:txBody>
         </p:sp>
         <p:sp>
           <p:nvSpPr>
-            <p:cNvPr id="10" name="object 10"/>
+            <p:cNvPr id="1048635" name="object 10"/>
             <p:cNvSpPr/>
             <p:nvPr/>
           </p:nvSpPr>
@@ -3850,9 +3863,7 @@
             </a:xfrm>
             <a:custGeom>
               <a:avLst/>
-              <a:gdLst/>
               <a:ahLst/>
-              <a:cxnLst/>
               <a:rect l="l" t="t" r="r" b="b"/>
               <a:pathLst>
                 <a:path w="1295400" h="6858000">
@@ -3882,16 +3893,13 @@
             </a:solidFill>
           </p:spPr>
           <p:txBody>
-            <a:bodyPr wrap="square" lIns="0" tIns="0" rIns="0" bIns="0" rtlCol="0"/>
-            <a:lstStyle/>
-            <a:p>
-              <a:endParaRPr/>
-            </a:p>
+            <a:bodyPr bIns="0" lIns="0" rIns="0" rtlCol="0" tIns="0" wrap="square"/>
+            <a:p/>
           </p:txBody>
         </p:sp>
         <p:sp>
           <p:nvSpPr>
-            <p:cNvPr id="11" name="object 11"/>
+            <p:cNvPr id="1048636" name="object 11"/>
             <p:cNvSpPr/>
             <p:nvPr/>
           </p:nvSpPr>
@@ -3902,9 +3910,7 @@
             </a:xfrm>
             <a:custGeom>
               <a:avLst/>
-              <a:gdLst/>
               <a:ahLst/>
-              <a:cxnLst/>
               <a:rect l="l" t="t" r="r" b="b"/>
               <a:pathLst>
                 <a:path w="1256029" h="6858000">
@@ -3934,16 +3940,13 @@
             </a:solidFill>
           </p:spPr>
           <p:txBody>
-            <a:bodyPr wrap="square" lIns="0" tIns="0" rIns="0" bIns="0" rtlCol="0"/>
-            <a:lstStyle/>
-            <a:p>
-              <a:endParaRPr/>
-            </a:p>
+            <a:bodyPr bIns="0" lIns="0" rIns="0" rtlCol="0" tIns="0" wrap="square"/>
+            <a:p/>
           </p:txBody>
         </p:sp>
         <p:sp>
           <p:nvSpPr>
-            <p:cNvPr id="12" name="object 12"/>
+            <p:cNvPr id="1048637" name="object 12"/>
             <p:cNvSpPr/>
             <p:nvPr/>
           </p:nvSpPr>
@@ -3954,9 +3957,7 @@
             </a:xfrm>
             <a:custGeom>
               <a:avLst/>
-              <a:gdLst/>
               <a:ahLst/>
-              <a:cxnLst/>
               <a:rect l="l" t="t" r="r" b="b"/>
               <a:pathLst>
                 <a:path w="1819275" h="3267075">
@@ -3983,17 +3984,14 @@
             </a:solidFill>
           </p:spPr>
           <p:txBody>
-            <a:bodyPr wrap="square" lIns="0" tIns="0" rIns="0" bIns="0" rtlCol="0"/>
-            <a:lstStyle/>
-            <a:p>
-              <a:endParaRPr/>
-            </a:p>
+            <a:bodyPr bIns="0" lIns="0" rIns="0" rtlCol="0" tIns="0" wrap="square"/>
+            <a:p/>
           </p:txBody>
         </p:sp>
       </p:grpSp>
       <p:sp>
         <p:nvSpPr>
-          <p:cNvPr id="13" name="object 13"/>
+          <p:cNvPr id="1048638" name="object 13"/>
           <p:cNvSpPr/>
           <p:nvPr/>
         </p:nvSpPr>
@@ -4004,9 +4002,7 @@
           </a:xfrm>
           <a:custGeom>
             <a:avLst/>
-            <a:gdLst/>
             <a:ahLst/>
-            <a:cxnLst/>
             <a:rect l="l" t="t" r="r" b="b"/>
             <a:pathLst>
               <a:path w="447675" h="2847975">
@@ -4033,16 +4029,13 @@
           </a:solidFill>
         </p:spPr>
         <p:txBody>
-          <a:bodyPr wrap="square" lIns="0" tIns="0" rIns="0" bIns="0" rtlCol="0"/>
-          <a:lstStyle/>
-          <a:p>
-            <a:endParaRPr/>
-          </a:p>
-        </p:txBody>
-      </p:sp>
-      <p:sp>
-        <p:nvSpPr>
-          <p:cNvPr id="14" name="object 14"/>
+          <a:bodyPr bIns="0" lIns="0" rIns="0" rtlCol="0" tIns="0" wrap="square"/>
+          <a:p/>
+        </p:txBody>
+      </p:sp>
+      <p:sp>
+        <p:nvSpPr>
+          <p:cNvPr id="1048639" name="object 14"/>
           <p:cNvSpPr/>
           <p:nvPr/>
         </p:nvSpPr>
@@ -4053,9 +4046,7 @@
           </a:xfrm>
           <a:custGeom>
             <a:avLst/>
-            <a:gdLst/>
             <a:ahLst/>
-            <a:cxnLst/>
             <a:rect l="l" t="t" r="r" b="b"/>
             <a:pathLst>
               <a:path w="457200" h="457200">
@@ -4083,16 +4074,13 @@
           </a:solidFill>
         </p:spPr>
         <p:txBody>
-          <a:bodyPr wrap="square" lIns="0" tIns="0" rIns="0" bIns="0" rtlCol="0"/>
-          <a:lstStyle/>
-          <a:p>
-            <a:endParaRPr/>
-          </a:p>
-        </p:txBody>
-      </p:sp>
-      <p:sp>
-        <p:nvSpPr>
-          <p:cNvPr id="15" name="object 15"/>
+          <a:bodyPr bIns="0" lIns="0" rIns="0" rtlCol="0" tIns="0" wrap="square"/>
+          <a:p/>
+        </p:txBody>
+      </p:sp>
+      <p:sp>
+        <p:nvSpPr>
+          <p:cNvPr id="1048640" name="object 15"/>
           <p:cNvSpPr/>
           <p:nvPr/>
         </p:nvSpPr>
@@ -4103,9 +4091,7 @@
           </a:xfrm>
           <a:custGeom>
             <a:avLst/>
-            <a:gdLst/>
             <a:ahLst/>
-            <a:cxnLst/>
             <a:rect l="l" t="t" r="r" b="b"/>
             <a:pathLst>
               <a:path w="314325" h="323850">
@@ -4133,16 +4119,13 @@
           </a:solidFill>
         </p:spPr>
         <p:txBody>
-          <a:bodyPr wrap="square" lIns="0" tIns="0" rIns="0" bIns="0" rtlCol="0"/>
-          <a:lstStyle/>
-          <a:p>
-            <a:endParaRPr/>
-          </a:p>
-        </p:txBody>
-      </p:sp>
-      <p:sp>
-        <p:nvSpPr>
-          <p:cNvPr id="16" name="object 16"/>
+          <a:bodyPr bIns="0" lIns="0" rIns="0" rtlCol="0" tIns="0" wrap="square"/>
+          <a:p/>
+        </p:txBody>
+      </p:sp>
+      <p:sp>
+        <p:nvSpPr>
+          <p:cNvPr id="1048641" name="object 16"/>
           <p:cNvSpPr/>
           <p:nvPr/>
         </p:nvSpPr>
@@ -4153,9 +4136,7 @@
           </a:xfrm>
           <a:custGeom>
             <a:avLst/>
-            <a:gdLst/>
             <a:ahLst/>
-            <a:cxnLst/>
             <a:rect l="l" t="t" r="r" b="b"/>
             <a:pathLst>
               <a:path w="180975" h="180975">
@@ -4183,16 +4164,13 @@
           </a:solidFill>
         </p:spPr>
         <p:txBody>
-          <a:bodyPr wrap="square" lIns="0" tIns="0" rIns="0" bIns="0" rtlCol="0"/>
-          <a:lstStyle/>
-          <a:p>
-            <a:endParaRPr/>
-          </a:p>
-        </p:txBody>
-      </p:sp>
-      <p:sp>
-        <p:nvSpPr>
-          <p:cNvPr id="17" name="object 17"/>
+          <a:bodyPr bIns="0" lIns="0" rIns="0" rtlCol="0" tIns="0" wrap="square"/>
+          <a:p/>
+        </p:txBody>
+      </p:sp>
+      <p:sp>
+        <p:nvSpPr>
+          <p:cNvPr id="1048642" name="object 17"/>
           <p:cNvSpPr txBox="1">
             <a:spLocks noGrp="1"/>
           </p:cNvSpPr>
@@ -4205,15 +4183,12 @@
             <a:off x="739775" y="829627"/>
             <a:ext cx="3909695" cy="678180"/>
           </a:xfrm>
-          <a:prstGeom prst="rect">
-            <a:avLst/>
-          </a:prstGeom>
-        </p:spPr>
-        <p:txBody>
-          <a:bodyPr vert="horz" wrap="square" lIns="0" tIns="16510" rIns="0" bIns="0" rtlCol="0">
+          <a:prstGeom prst="rect"/>
+        </p:spPr>
+        <p:txBody>
+          <a:bodyPr bIns="0" lIns="0" rIns="0" rtlCol="0" tIns="16510" vert="horz" wrap="square">
             <a:spAutoFit/>
           </a:bodyPr>
-          <a:lstStyle/>
           <a:p>
             <a:pPr marL="12700">
               <a:lnSpc>
@@ -4224,15 +4199,15 @@
               </a:spcBef>
             </a:pPr>
             <a:r>
-              <a:rPr sz="4250" spc="5" dirty="0"/>
+              <a:rPr dirty="0" sz="4250" spc="5"/>
               <a:t>PROJECT</a:t>
             </a:r>
             <a:r>
-              <a:rPr sz="4250" spc="-85" dirty="0"/>
+              <a:rPr dirty="0" sz="4250" spc="-85"/>
               <a:t> </a:t>
             </a:r>
             <a:r>
-              <a:rPr sz="4250" spc="25" dirty="0"/>
+              <a:rPr dirty="0" sz="4250" spc="25"/>
               <a:t>TITLE</a:t>
             </a:r>
             <a:endParaRPr sz="4250"/>
@@ -4241,7 +4216,7 @@
       </p:sp>
       <p:grpSp>
         <p:nvGrpSpPr>
-          <p:cNvPr id="18" name="object 18"/>
+          <p:cNvPr id="31" name="object 18"/>
           <p:cNvGrpSpPr/>
           <p:nvPr/>
         </p:nvGrpSpPr>
@@ -4255,12 +4230,14 @@
         </p:grpSpPr>
         <p:pic>
           <p:nvPicPr>
-            <p:cNvPr id="19" name="object 19"/>
-            <p:cNvPicPr/>
+            <p:cNvPr id="2097160" name="object 19"/>
+            <p:cNvPicPr>
+              <a:picLocks/>
+            </p:cNvPicPr>
             <p:nvPr/>
           </p:nvPicPr>
           <p:blipFill>
-            <a:blip r:embed="rId2" cstate="print"/>
+            <a:blip xmlns:r="http://schemas.openxmlformats.org/officeDocument/2006/relationships" r:embed="rId1" cstate="print"/>
             <a:stretch>
               <a:fillRect/>
             </a:stretch>
@@ -4270,19 +4247,19 @@
               <a:off x="676275" y="6467475"/>
               <a:ext cx="2143125" cy="200025"/>
             </a:xfrm>
-            <a:prstGeom prst="rect">
-              <a:avLst/>
-            </a:prstGeom>
+            <a:prstGeom prst="rect"/>
           </p:spPr>
         </p:pic>
         <p:pic>
           <p:nvPicPr>
-            <p:cNvPr id="20" name="object 20"/>
-            <p:cNvPicPr/>
+            <p:cNvPr id="2097161" name="object 20"/>
+            <p:cNvPicPr>
+              <a:picLocks/>
+            </p:cNvPicPr>
             <p:nvPr/>
           </p:nvPicPr>
           <p:blipFill>
-            <a:blip r:embed="rId3" cstate="print"/>
+            <a:blip xmlns:r="http://schemas.openxmlformats.org/officeDocument/2006/relationships" r:embed="rId2" cstate="print"/>
             <a:stretch>
               <a:fillRect/>
             </a:stretch>
@@ -4292,15 +4269,13 @@
               <a:off x="466725" y="6410325"/>
               <a:ext cx="3705225" cy="295275"/>
             </a:xfrm>
-            <a:prstGeom prst="rect">
-              <a:avLst/>
-            </a:prstGeom>
+            <a:prstGeom prst="rect"/>
           </p:spPr>
         </p:pic>
       </p:grpSp>
       <p:sp>
         <p:nvSpPr>
-          <p:cNvPr id="22" name="object 22"/>
+          <p:cNvPr id="1048643" name="object 22"/>
           <p:cNvSpPr txBox="1">
             <a:spLocks noGrp="1"/>
           </p:cNvSpPr>
@@ -4309,15 +4284,12 @@
           </p:nvPr>
         </p:nvSpPr>
         <p:spPr>
-          <a:prstGeom prst="rect">
-            <a:avLst/>
-          </a:prstGeom>
-        </p:spPr>
-        <p:txBody>
-          <a:bodyPr vert="horz" wrap="square" lIns="0" tIns="6985" rIns="0" bIns="0" rtlCol="0">
+          <a:prstGeom prst="rect"/>
+        </p:spPr>
+        <p:txBody>
+          <a:bodyPr bIns="0" lIns="0" rIns="0" rtlCol="0" tIns="6985" vert="horz" wrap="square">
             <a:spAutoFit/>
           </a:bodyPr>
-          <a:lstStyle/>
           <a:p>
             <a:pPr marL="38100">
               <a:lnSpc>
@@ -4328,43 +4300,34 @@
               </a:spcBef>
             </a:pPr>
             <a:fld id="{81D60167-4931-47E6-BA6A-407CBD079E47}" type="slidenum">
-              <a:rPr spc="10" dirty="0"/>
+              <a:rPr dirty="0" spc="10"/>
               <a:t>2</a:t>
             </a:fld>
-            <a:endParaRPr spc="10" dirty="0"/>
+            <a:endParaRPr dirty="0" spc="10"/>
           </a:p>
         </p:txBody>
       </p:sp>
       <p:sp>
         <p:nvSpPr>
-          <p:cNvPr id="23" name="TextBox 22">
-            <a:extLst>
-              <a:ext uri="{FF2B5EF4-FFF2-40B4-BE49-F238E27FC236}">
-                <a16:creationId xmlns:a16="http://schemas.microsoft.com/office/drawing/2014/main" id="{F691EEC8-E83B-8506-163B-F39E906CCC0A}"/>
-              </a:ext>
-            </a:extLst>
-          </p:cNvPr>
+          <p:cNvPr id="1048644" name="TextBox 22"/>
           <p:cNvSpPr txBox="1"/>
           <p:nvPr/>
         </p:nvSpPr>
         <p:spPr>
           <a:xfrm>
             <a:off x="1217522" y="2123271"/>
-            <a:ext cx="8593228" cy="1446550"/>
-          </a:xfrm>
-          <a:prstGeom prst="rect">
-            <a:avLst/>
-          </a:prstGeom>
+            <a:ext cx="8593228" cy="1539240"/>
+          </a:xfrm>
+          <a:prstGeom prst="rect"/>
           <a:noFill/>
         </p:spPr>
         <p:txBody>
-          <a:bodyPr wrap="square" rtlCol="0">
+          <a:bodyPr rtlCol="0" wrap="square">
             <a:spAutoFit/>
           </a:bodyPr>
-          <a:lstStyle/>
           <a:p>
             <a:r>
-              <a:rPr lang="en-US" sz="4400" b="1" dirty="0">
+              <a:rPr b="1" dirty="0" sz="4400" lang="en-US">
                 <a:solidFill>
                   <a:srgbClr val="0F0F0F"/>
                 </a:solidFill>
@@ -4373,7 +4336,7 @@
               </a:rPr>
               <a:t>Employee Performance Analysis using Excel</a:t>
             </a:r>
-            <a:endParaRPr lang="en-IN" sz="2800" dirty="0">
+            <a:endParaRPr dirty="0" sz="2800" lang="en-IN">
               <a:solidFill>
                 <a:srgbClr val="7030A0"/>
               </a:solidFill>
@@ -4396,7 +4359,7 @@
   <p:cSld>
     <p:spTree>
       <p:nvGrpSpPr>
-        <p:cNvPr id="1" name=""/>
+        <p:cNvPr id="25" name=""/>
         <p:cNvGrpSpPr/>
         <p:nvPr/>
       </p:nvGrpSpPr>
@@ -4410,7 +4373,7 @@
       </p:grpSpPr>
       <p:sp>
         <p:nvSpPr>
-          <p:cNvPr id="2" name="object 2"/>
+          <p:cNvPr id="1048606" name="object 2"/>
           <p:cNvSpPr/>
           <p:nvPr/>
         </p:nvSpPr>
@@ -4421,9 +4384,7 @@
           </a:xfrm>
           <a:custGeom>
             <a:avLst/>
-            <a:gdLst/>
             <a:ahLst/>
-            <a:cxnLst/>
             <a:rect l="l" t="t" r="r" b="b"/>
             <a:pathLst>
               <a:path w="12192000" h="6858000">
@@ -4451,8 +4412,7 @@
           </a:solidFill>
         </p:spPr>
         <p:txBody>
-          <a:bodyPr wrap="square" lIns="0" tIns="0" rIns="0" bIns="0" rtlCol="0"/>
-          <a:lstStyle/>
+          <a:bodyPr bIns="0" lIns="0" rIns="0" rtlCol="0" tIns="0" wrap="square"/>
           <a:p>
             <a:endParaRPr dirty="0"/>
           </a:p>
@@ -4460,7 +4420,7 @@
       </p:sp>
       <p:grpSp>
         <p:nvGrpSpPr>
-          <p:cNvPr id="3" name="object 3"/>
+          <p:cNvPr id="26" name="object 3"/>
           <p:cNvGrpSpPr/>
           <p:nvPr/>
         </p:nvGrpSpPr>
@@ -4474,7 +4434,7 @@
         </p:grpSpPr>
         <p:sp>
           <p:nvSpPr>
-            <p:cNvPr id="4" name="object 4"/>
+            <p:cNvPr id="1048607" name="object 4"/>
             <p:cNvSpPr/>
             <p:nvPr/>
           </p:nvSpPr>
@@ -4485,9 +4445,7 @@
             </a:xfrm>
             <a:custGeom>
               <a:avLst/>
-              <a:gdLst/>
               <a:ahLst/>
-              <a:cxnLst/>
               <a:rect l="l" t="t" r="r" b="b"/>
               <a:pathLst>
                 <a:path w="1218565" h="6853555">
@@ -4507,16 +4465,13 @@
             </a:ln>
           </p:spPr>
           <p:txBody>
-            <a:bodyPr wrap="square" lIns="0" tIns="0" rIns="0" bIns="0" rtlCol="0"/>
-            <a:lstStyle/>
-            <a:p>
-              <a:endParaRPr/>
-            </a:p>
+            <a:bodyPr bIns="0" lIns="0" rIns="0" rtlCol="0" tIns="0" wrap="square"/>
+            <a:p/>
           </p:txBody>
         </p:sp>
         <p:sp>
           <p:nvSpPr>
-            <p:cNvPr id="5" name="object 5"/>
+            <p:cNvPr id="1048608" name="object 5"/>
             <p:cNvSpPr/>
             <p:nvPr/>
           </p:nvSpPr>
@@ -4527,9 +4482,7 @@
             </a:xfrm>
             <a:custGeom>
               <a:avLst/>
-              <a:gdLst/>
               <a:ahLst/>
-              <a:cxnLst/>
               <a:rect l="l" t="t" r="r" b="b"/>
               <a:pathLst>
                 <a:path w="4743450" h="3163570">
@@ -4549,16 +4502,13 @@
             </a:ln>
           </p:spPr>
           <p:txBody>
-            <a:bodyPr wrap="square" lIns="0" tIns="0" rIns="0" bIns="0" rtlCol="0"/>
-            <a:lstStyle/>
-            <a:p>
-              <a:endParaRPr/>
-            </a:p>
+            <a:bodyPr bIns="0" lIns="0" rIns="0" rtlCol="0" tIns="0" wrap="square"/>
+            <a:p/>
           </p:txBody>
         </p:sp>
         <p:sp>
           <p:nvSpPr>
-            <p:cNvPr id="6" name="object 6"/>
+            <p:cNvPr id="1048609" name="object 6"/>
             <p:cNvSpPr/>
             <p:nvPr/>
           </p:nvSpPr>
@@ -4569,9 +4519,7 @@
             </a:xfrm>
             <a:custGeom>
               <a:avLst/>
-              <a:gdLst/>
               <a:ahLst/>
-              <a:cxnLst/>
               <a:rect l="l" t="t" r="r" b="b"/>
               <a:pathLst>
                 <a:path w="3009900" h="6858000">
@@ -4601,16 +4549,13 @@
             </a:solidFill>
           </p:spPr>
           <p:txBody>
-            <a:bodyPr wrap="square" lIns="0" tIns="0" rIns="0" bIns="0" rtlCol="0"/>
-            <a:lstStyle/>
-            <a:p>
-              <a:endParaRPr/>
-            </a:p>
+            <a:bodyPr bIns="0" lIns="0" rIns="0" rtlCol="0" tIns="0" wrap="square"/>
+            <a:p/>
           </p:txBody>
         </p:sp>
         <p:sp>
           <p:nvSpPr>
-            <p:cNvPr id="7" name="object 7"/>
+            <p:cNvPr id="1048610" name="object 7"/>
             <p:cNvSpPr/>
             <p:nvPr/>
           </p:nvSpPr>
@@ -4621,9 +4566,7 @@
             </a:xfrm>
             <a:custGeom>
               <a:avLst/>
-              <a:gdLst/>
               <a:ahLst/>
-              <a:cxnLst/>
               <a:rect l="l" t="t" r="r" b="b"/>
               <a:pathLst>
                 <a:path w="2589529" h="6858000">
@@ -4653,16 +4596,13 @@
             </a:solidFill>
           </p:spPr>
           <p:txBody>
-            <a:bodyPr wrap="square" lIns="0" tIns="0" rIns="0" bIns="0" rtlCol="0"/>
-            <a:lstStyle/>
-            <a:p>
-              <a:endParaRPr/>
-            </a:p>
+            <a:bodyPr bIns="0" lIns="0" rIns="0" rtlCol="0" tIns="0" wrap="square"/>
+            <a:p/>
           </p:txBody>
         </p:sp>
         <p:sp>
           <p:nvSpPr>
-            <p:cNvPr id="8" name="object 8"/>
+            <p:cNvPr id="1048611" name="object 8"/>
             <p:cNvSpPr/>
             <p:nvPr/>
           </p:nvSpPr>
@@ -4673,9 +4613,7 @@
             </a:xfrm>
             <a:custGeom>
               <a:avLst/>
-              <a:gdLst/>
               <a:ahLst/>
-              <a:cxnLst/>
               <a:rect l="l" t="t" r="r" b="b"/>
               <a:pathLst>
                 <a:path w="3257550" h="3810000">
@@ -4702,16 +4640,13 @@
             </a:solidFill>
           </p:spPr>
           <p:txBody>
-            <a:bodyPr wrap="square" lIns="0" tIns="0" rIns="0" bIns="0" rtlCol="0"/>
-            <a:lstStyle/>
-            <a:p>
-              <a:endParaRPr/>
-            </a:p>
+            <a:bodyPr bIns="0" lIns="0" rIns="0" rtlCol="0" tIns="0" wrap="square"/>
+            <a:p/>
           </p:txBody>
         </p:sp>
         <p:sp>
           <p:nvSpPr>
-            <p:cNvPr id="9" name="object 9"/>
+            <p:cNvPr id="1048612" name="object 9"/>
             <p:cNvSpPr/>
             <p:nvPr/>
           </p:nvSpPr>
@@ -4722,9 +4657,7 @@
             </a:xfrm>
             <a:custGeom>
               <a:avLst/>
-              <a:gdLst/>
               <a:ahLst/>
-              <a:cxnLst/>
               <a:rect l="l" t="t" r="r" b="b"/>
               <a:pathLst>
                 <a:path w="2854325" h="6858000">
@@ -4754,16 +4687,13 @@
             </a:solidFill>
           </p:spPr>
           <p:txBody>
-            <a:bodyPr wrap="square" lIns="0" tIns="0" rIns="0" bIns="0" rtlCol="0"/>
-            <a:lstStyle/>
-            <a:p>
-              <a:endParaRPr/>
-            </a:p>
+            <a:bodyPr bIns="0" lIns="0" rIns="0" rtlCol="0" tIns="0" wrap="square"/>
+            <a:p/>
           </p:txBody>
         </p:sp>
         <p:sp>
           <p:nvSpPr>
-            <p:cNvPr id="10" name="object 10"/>
+            <p:cNvPr id="1048613" name="object 10"/>
             <p:cNvSpPr/>
             <p:nvPr/>
           </p:nvSpPr>
@@ -4774,9 +4704,7 @@
             </a:xfrm>
             <a:custGeom>
               <a:avLst/>
-              <a:gdLst/>
               <a:ahLst/>
-              <a:cxnLst/>
               <a:rect l="l" t="t" r="r" b="b"/>
               <a:pathLst>
                 <a:path w="1295400" h="6858000">
@@ -4806,16 +4734,13 @@
             </a:solidFill>
           </p:spPr>
           <p:txBody>
-            <a:bodyPr wrap="square" lIns="0" tIns="0" rIns="0" bIns="0" rtlCol="0"/>
-            <a:lstStyle/>
-            <a:p>
-              <a:endParaRPr/>
-            </a:p>
+            <a:bodyPr bIns="0" lIns="0" rIns="0" rtlCol="0" tIns="0" wrap="square"/>
+            <a:p/>
           </p:txBody>
         </p:sp>
         <p:sp>
           <p:nvSpPr>
-            <p:cNvPr id="11" name="object 11"/>
+            <p:cNvPr id="1048614" name="object 11"/>
             <p:cNvSpPr/>
             <p:nvPr/>
           </p:nvSpPr>
@@ -4826,9 +4751,7 @@
             </a:xfrm>
             <a:custGeom>
               <a:avLst/>
-              <a:gdLst/>
               <a:ahLst/>
-              <a:cxnLst/>
               <a:rect l="l" t="t" r="r" b="b"/>
               <a:pathLst>
                 <a:path w="1256029" h="6858000">
@@ -4858,16 +4781,13 @@
             </a:solidFill>
           </p:spPr>
           <p:txBody>
-            <a:bodyPr wrap="square" lIns="0" tIns="0" rIns="0" bIns="0" rtlCol="0"/>
-            <a:lstStyle/>
-            <a:p>
-              <a:endParaRPr/>
-            </a:p>
+            <a:bodyPr bIns="0" lIns="0" rIns="0" rtlCol="0" tIns="0" wrap="square"/>
+            <a:p/>
           </p:txBody>
         </p:sp>
         <p:sp>
           <p:nvSpPr>
-            <p:cNvPr id="12" name="object 12"/>
+            <p:cNvPr id="1048615" name="object 12"/>
             <p:cNvSpPr/>
             <p:nvPr/>
           </p:nvSpPr>
@@ -4878,9 +4798,7 @@
             </a:xfrm>
             <a:custGeom>
               <a:avLst/>
-              <a:gdLst/>
               <a:ahLst/>
-              <a:cxnLst/>
               <a:rect l="l" t="t" r="r" b="b"/>
               <a:pathLst>
                 <a:path w="1819275" h="3267075">
@@ -4907,17 +4825,14 @@
             </a:solidFill>
           </p:spPr>
           <p:txBody>
-            <a:bodyPr wrap="square" lIns="0" tIns="0" rIns="0" bIns="0" rtlCol="0"/>
-            <a:lstStyle/>
-            <a:p>
-              <a:endParaRPr/>
-            </a:p>
+            <a:bodyPr bIns="0" lIns="0" rIns="0" rtlCol="0" tIns="0" wrap="square"/>
+            <a:p/>
           </p:txBody>
         </p:sp>
       </p:grpSp>
       <p:sp>
         <p:nvSpPr>
-          <p:cNvPr id="13" name="object 13"/>
+          <p:cNvPr id="1048616" name="object 13"/>
           <p:cNvSpPr/>
           <p:nvPr/>
         </p:nvSpPr>
@@ -4928,9 +4843,7 @@
           </a:xfrm>
           <a:custGeom>
             <a:avLst/>
-            <a:gdLst/>
             <a:ahLst/>
-            <a:cxnLst/>
             <a:rect l="l" t="t" r="r" b="b"/>
             <a:pathLst>
               <a:path w="447675" h="2847975">
@@ -4957,16 +4870,13 @@
           </a:solidFill>
         </p:spPr>
         <p:txBody>
-          <a:bodyPr wrap="square" lIns="0" tIns="0" rIns="0" bIns="0" rtlCol="0"/>
-          <a:lstStyle/>
-          <a:p>
-            <a:endParaRPr/>
-          </a:p>
-        </p:txBody>
-      </p:sp>
-      <p:sp>
-        <p:nvSpPr>
-          <p:cNvPr id="14" name="object 14"/>
+          <a:bodyPr bIns="0" lIns="0" rIns="0" rtlCol="0" tIns="0" wrap="square"/>
+          <a:p/>
+        </p:txBody>
+      </p:sp>
+      <p:sp>
+        <p:nvSpPr>
+          <p:cNvPr id="1048617" name="object 14"/>
           <p:cNvSpPr txBox="1"/>
           <p:nvPr/>
         </p:nvSpPr>
@@ -4975,15 +4885,12 @@
             <a:off x="752475" y="6486037"/>
             <a:ext cx="1773555" cy="166370"/>
           </a:xfrm>
-          <a:prstGeom prst="rect">
-            <a:avLst/>
-          </a:prstGeom>
-        </p:spPr>
-        <p:txBody>
-          <a:bodyPr vert="horz" wrap="square" lIns="0" tIns="0" rIns="0" bIns="0" rtlCol="0">
+          <a:prstGeom prst="rect"/>
+        </p:spPr>
+        <p:txBody>
+          <a:bodyPr bIns="0" lIns="0" rIns="0" rtlCol="0" tIns="0" vert="horz" wrap="square">
             <a:spAutoFit/>
           </a:bodyPr>
-          <a:lstStyle/>
           <a:p>
             <a:pPr>
               <a:lnSpc>
@@ -4991,7 +4898,7 @@
               </a:lnSpc>
             </a:pPr>
             <a:r>
-              <a:rPr sz="1100" spc="20" dirty="0">
+              <a:rPr dirty="0" sz="1100" spc="20">
                 <a:solidFill>
                   <a:srgbClr val="2D83C3"/>
                 </a:solidFill>
@@ -5001,7 +4908,7 @@
               <a:t>3/21/202</a:t>
             </a:r>
             <a:r>
-              <a:rPr sz="1100" spc="10" dirty="0">
+              <a:rPr dirty="0" sz="1100" spc="10">
                 <a:solidFill>
                   <a:srgbClr val="2D83C3"/>
                 </a:solidFill>
@@ -5011,7 +4918,7 @@
               <a:t>4</a:t>
             </a:r>
             <a:r>
-              <a:rPr sz="1100" dirty="0">
+              <a:rPr dirty="0" sz="1100">
                 <a:solidFill>
                   <a:srgbClr val="2D83C3"/>
                 </a:solidFill>
@@ -5021,7 +4928,7 @@
               <a:t> </a:t>
             </a:r>
             <a:r>
-              <a:rPr sz="1100" spc="130" dirty="0">
+              <a:rPr dirty="0" sz="1100" spc="130">
                 <a:solidFill>
                   <a:srgbClr val="2D83C3"/>
                 </a:solidFill>
@@ -5031,7 +4938,7 @@
               <a:t> </a:t>
             </a:r>
             <a:r>
-              <a:rPr sz="1100" b="1" spc="50" dirty="0">
+              <a:rPr b="1" dirty="0" sz="1100" spc="50">
                 <a:solidFill>
                   <a:srgbClr val="2D83C3"/>
                 </a:solidFill>
@@ -5041,7 +4948,7 @@
               <a:t>A</a:t>
             </a:r>
             <a:r>
-              <a:rPr sz="1100" b="1" spc="15" dirty="0">
+              <a:rPr b="1" dirty="0" sz="1100" spc="15">
                 <a:solidFill>
                   <a:srgbClr val="2D83C3"/>
                 </a:solidFill>
@@ -5051,7 +4958,7 @@
               <a:t>nnu</a:t>
             </a:r>
             <a:r>
-              <a:rPr sz="1100" b="1" spc="10" dirty="0">
+              <a:rPr b="1" dirty="0" sz="1100" spc="10">
                 <a:solidFill>
                   <a:srgbClr val="2D83C3"/>
                 </a:solidFill>
@@ -5061,7 +4968,7 @@
               <a:t>al</a:t>
             </a:r>
             <a:r>
-              <a:rPr sz="1100" b="1" spc="-140" dirty="0">
+              <a:rPr b="1" dirty="0" sz="1100" spc="-140">
                 <a:solidFill>
                   <a:srgbClr val="2D83C3"/>
                 </a:solidFill>
@@ -5071,7 +4978,7 @@
               <a:t> </a:t>
             </a:r>
             <a:r>
-              <a:rPr sz="1100" b="1" dirty="0">
+              <a:rPr b="1" dirty="0" sz="1100">
                 <a:solidFill>
                   <a:srgbClr val="2D83C3"/>
                 </a:solidFill>
@@ -5081,7 +4988,7 @@
               <a:t>R</a:t>
             </a:r>
             <a:r>
-              <a:rPr sz="1100" b="1" spc="35" dirty="0">
+              <a:rPr b="1" dirty="0" sz="1100" spc="35">
                 <a:solidFill>
                   <a:srgbClr val="2D83C3"/>
                 </a:solidFill>
@@ -5091,7 +4998,7 @@
               <a:t>e</a:t>
             </a:r>
             <a:r>
-              <a:rPr sz="1100" b="1" spc="90" dirty="0">
+              <a:rPr b="1" dirty="0" sz="1100" spc="90">
                 <a:solidFill>
                   <a:srgbClr val="2D83C3"/>
                 </a:solidFill>
@@ -5101,7 +5008,7 @@
               <a:t>v</a:t>
             </a:r>
             <a:r>
-              <a:rPr sz="1100" b="1" spc="-35" dirty="0">
+              <a:rPr b="1" dirty="0" sz="1100" spc="-35">
                 <a:solidFill>
                   <a:srgbClr val="2D83C3"/>
                 </a:solidFill>
@@ -5111,7 +5018,7 @@
               <a:t>i</a:t>
             </a:r>
             <a:r>
-              <a:rPr sz="1100" b="1" spc="35" dirty="0">
+              <a:rPr b="1" dirty="0" sz="1100" spc="35">
                 <a:solidFill>
                   <a:srgbClr val="2D83C3"/>
                 </a:solidFill>
@@ -5121,7 +5028,7 @@
               <a:t>e</a:t>
             </a:r>
             <a:r>
-              <a:rPr sz="1100" b="1" spc="15" dirty="0">
+              <a:rPr b="1" dirty="0" sz="1100" spc="15">
                 <a:solidFill>
                   <a:srgbClr val="2D83C3"/>
                 </a:solidFill>
@@ -5139,7 +5046,7 @@
       </p:sp>
       <p:sp>
         <p:nvSpPr>
-          <p:cNvPr id="15" name="object 15"/>
+          <p:cNvPr id="1048618" name="object 15"/>
           <p:cNvSpPr/>
           <p:nvPr/>
         </p:nvSpPr>
@@ -5150,9 +5057,7 @@
           </a:xfrm>
           <a:custGeom>
             <a:avLst/>
-            <a:gdLst/>
             <a:ahLst/>
-            <a:cxnLst/>
             <a:rect l="l" t="t" r="r" b="b"/>
             <a:pathLst>
               <a:path w="361950" h="361950">
@@ -5240,16 +5145,13 @@
           </a:solidFill>
         </p:spPr>
         <p:txBody>
-          <a:bodyPr wrap="square" lIns="0" tIns="0" rIns="0" bIns="0" rtlCol="0"/>
-          <a:lstStyle/>
-          <a:p>
-            <a:endParaRPr/>
-          </a:p>
-        </p:txBody>
-      </p:sp>
-      <p:sp>
-        <p:nvSpPr>
-          <p:cNvPr id="16" name="object 16"/>
+          <a:bodyPr bIns="0" lIns="0" rIns="0" rtlCol="0" tIns="0" wrap="square"/>
+          <a:p/>
+        </p:txBody>
+      </p:sp>
+      <p:sp>
+        <p:nvSpPr>
+          <p:cNvPr id="1048619" name="object 16"/>
           <p:cNvSpPr/>
           <p:nvPr/>
         </p:nvSpPr>
@@ -5260,9 +5162,7 @@
           </a:xfrm>
           <a:custGeom>
             <a:avLst/>
-            <a:gdLst/>
             <a:ahLst/>
-            <a:cxnLst/>
             <a:rect l="l" t="t" r="r" b="b"/>
             <a:pathLst>
               <a:path w="647700" h="647700">
@@ -5410,21 +5310,20 @@
           </a:solidFill>
         </p:spPr>
         <p:txBody>
-          <a:bodyPr wrap="square" lIns="0" tIns="0" rIns="0" bIns="0" rtlCol="0"/>
-          <a:lstStyle/>
-          <a:p>
-            <a:endParaRPr/>
-          </a:p>
+          <a:bodyPr bIns="0" lIns="0" rIns="0" rtlCol="0" tIns="0" wrap="square"/>
+          <a:p/>
         </p:txBody>
       </p:sp>
       <p:pic>
         <p:nvPicPr>
-          <p:cNvPr id="17" name="object 17"/>
-          <p:cNvPicPr/>
+          <p:cNvPr id="2097156" name="object 17"/>
+          <p:cNvPicPr>
+            <a:picLocks/>
+          </p:cNvPicPr>
           <p:nvPr/>
         </p:nvPicPr>
         <p:blipFill>
-          <a:blip r:embed="rId2" cstate="print"/>
+          <a:blip xmlns:r="http://schemas.openxmlformats.org/officeDocument/2006/relationships" r:embed="rId1" cstate="print"/>
           <a:stretch>
             <a:fillRect/>
           </a:stretch>
@@ -5434,14 +5333,12 @@
             <a:off x="10687050" y="6134100"/>
             <a:ext cx="247650" cy="247650"/>
           </a:xfrm>
-          <a:prstGeom prst="rect">
-            <a:avLst/>
-          </a:prstGeom>
+          <a:prstGeom prst="rect"/>
         </p:spPr>
       </p:pic>
       <p:grpSp>
         <p:nvGrpSpPr>
-          <p:cNvPr id="18" name="object 18"/>
+          <p:cNvPr id="27" name="object 18"/>
           <p:cNvGrpSpPr/>
           <p:nvPr/>
         </p:nvGrpSpPr>
@@ -5455,12 +5352,14 @@
         </p:grpSpPr>
         <p:pic>
           <p:nvPicPr>
-            <p:cNvPr id="19" name="object 19"/>
-            <p:cNvPicPr/>
+            <p:cNvPr id="2097157" name="object 19"/>
+            <p:cNvPicPr>
+              <a:picLocks/>
+            </p:cNvPicPr>
             <p:nvPr/>
           </p:nvPicPr>
           <p:blipFill>
-            <a:blip r:embed="rId3" cstate="print"/>
+            <a:blip xmlns:r="http://schemas.openxmlformats.org/officeDocument/2006/relationships" r:embed="rId2" cstate="print"/>
             <a:stretch>
               <a:fillRect/>
             </a:stretch>
@@ -5470,19 +5369,19 @@
               <a:off x="466725" y="6410325"/>
               <a:ext cx="3705225" cy="295275"/>
             </a:xfrm>
-            <a:prstGeom prst="rect">
-              <a:avLst/>
-            </a:prstGeom>
+            <a:prstGeom prst="rect"/>
           </p:spPr>
         </p:pic>
         <p:pic>
           <p:nvPicPr>
-            <p:cNvPr id="20" name="object 20"/>
-            <p:cNvPicPr/>
+            <p:cNvPr id="2097158" name="object 20"/>
+            <p:cNvPicPr>
+              <a:picLocks/>
+            </p:cNvPicPr>
             <p:nvPr/>
           </p:nvPicPr>
           <p:blipFill>
-            <a:blip r:embed="rId4" cstate="print"/>
+            <a:blip xmlns:r="http://schemas.openxmlformats.org/officeDocument/2006/relationships" r:embed="rId3" cstate="print"/>
             <a:stretch>
               <a:fillRect/>
             </a:stretch>
@@ -5492,15 +5391,13 @@
               <a:off x="47625" y="3819523"/>
               <a:ext cx="1733550" cy="3009898"/>
             </a:xfrm>
-            <a:prstGeom prst="rect">
-              <a:avLst/>
-            </a:prstGeom>
+            <a:prstGeom prst="rect"/>
           </p:spPr>
         </p:pic>
       </p:grpSp>
       <p:sp>
         <p:nvSpPr>
-          <p:cNvPr id="21" name="object 21"/>
+          <p:cNvPr id="1048620" name="object 21"/>
           <p:cNvSpPr txBox="1">
             <a:spLocks noGrp="1"/>
           </p:cNvSpPr>
@@ -5511,17 +5408,14 @@
         <p:spPr>
           <a:xfrm>
             <a:off x="739775" y="445388"/>
-            <a:ext cx="2357120" cy="758190"/>
-          </a:xfrm>
-          <a:prstGeom prst="rect">
-            <a:avLst/>
-          </a:prstGeom>
-        </p:spPr>
-        <p:txBody>
-          <a:bodyPr vert="horz" wrap="square" lIns="0" tIns="13335" rIns="0" bIns="0" rtlCol="0">
+            <a:ext cx="2357120" cy="800735"/>
+          </a:xfrm>
+          <a:prstGeom prst="rect"/>
+        </p:spPr>
+        <p:txBody>
+          <a:bodyPr bIns="0" lIns="0" rIns="0" rtlCol="0" tIns="13335" vert="horz" wrap="square">
             <a:spAutoFit/>
           </a:bodyPr>
-          <a:lstStyle/>
           <a:p>
             <a:pPr marL="12700">
               <a:lnSpc>
@@ -5532,19 +5426,19 @@
               </a:spcBef>
             </a:pPr>
             <a:r>
-              <a:rPr spc="25" dirty="0"/>
+              <a:rPr dirty="0" spc="25"/>
               <a:t>A</a:t>
             </a:r>
             <a:r>
-              <a:rPr spc="-5" dirty="0"/>
+              <a:rPr dirty="0" spc="-5"/>
               <a:t>G</a:t>
             </a:r>
             <a:r>
-              <a:rPr spc="-35" dirty="0"/>
+              <a:rPr dirty="0" spc="-35"/>
               <a:t>E</a:t>
             </a:r>
             <a:r>
-              <a:rPr spc="15" dirty="0"/>
+              <a:rPr dirty="0" spc="15"/>
               <a:t>N</a:t>
             </a:r>
             <a:r>
@@ -5556,7 +5450,7 @@
       </p:sp>
       <p:sp>
         <p:nvSpPr>
-          <p:cNvPr id="22" name="object 22"/>
+          <p:cNvPr id="1048621" name="object 22"/>
           <p:cNvSpPr txBox="1">
             <a:spLocks noGrp="1"/>
           </p:cNvSpPr>
@@ -5565,15 +5459,12 @@
           </p:nvPr>
         </p:nvSpPr>
         <p:spPr>
-          <a:prstGeom prst="rect">
-            <a:avLst/>
-          </a:prstGeom>
-        </p:spPr>
-        <p:txBody>
-          <a:bodyPr vert="horz" wrap="square" lIns="0" tIns="6985" rIns="0" bIns="0" rtlCol="0">
+          <a:prstGeom prst="rect"/>
+        </p:spPr>
+        <p:txBody>
+          <a:bodyPr bIns="0" lIns="0" rIns="0" rtlCol="0" tIns="6985" vert="horz" wrap="square">
             <a:spAutoFit/>
           </a:bodyPr>
-          <a:lstStyle/>
           <a:p>
             <a:pPr marL="38100">
               <a:lnSpc>
@@ -5584,43 +5475,34 @@
               </a:spcBef>
             </a:pPr>
             <a:fld id="{81D60167-4931-47E6-BA6A-407CBD079E47}" type="slidenum">
-              <a:rPr spc="10" dirty="0"/>
+              <a:rPr dirty="0" spc="10"/>
               <a:t>3</a:t>
             </a:fld>
-            <a:endParaRPr spc="10" dirty="0"/>
+            <a:endParaRPr dirty="0" spc="10"/>
           </a:p>
         </p:txBody>
       </p:sp>
       <p:sp>
         <p:nvSpPr>
-          <p:cNvPr id="23" name="TextBox 22">
-            <a:extLst>
-              <a:ext uri="{FF2B5EF4-FFF2-40B4-BE49-F238E27FC236}">
-                <a16:creationId xmlns:a16="http://schemas.microsoft.com/office/drawing/2014/main" id="{D0827FA3-A9D4-0FE5-45BE-664C8C920E82}"/>
-              </a:ext>
-            </a:extLst>
-          </p:cNvPr>
+          <p:cNvPr id="1048622" name="TextBox 22"/>
           <p:cNvSpPr txBox="1"/>
           <p:nvPr/>
         </p:nvSpPr>
         <p:spPr>
           <a:xfrm>
             <a:off x="2509807" y="1041533"/>
-            <a:ext cx="5029200" cy="4401205"/>
-          </a:xfrm>
-          <a:prstGeom prst="rect">
-            <a:avLst/>
-          </a:prstGeom>
+            <a:ext cx="5029200" cy="4536440"/>
+          </a:xfrm>
+          <a:prstGeom prst="rect"/>
           <a:noFill/>
         </p:spPr>
         <p:txBody>
-          <a:bodyPr wrap="square" rtlCol="0">
+          <a:bodyPr rtlCol="0" wrap="square">
             <a:spAutoFit/>
           </a:bodyPr>
-          <a:lstStyle/>
           <a:p>
             <a:pPr algn="l"/>
-            <a:endParaRPr lang="en-US" sz="2800" b="0" i="0" dirty="0">
+            <a:endParaRPr b="0" dirty="0" sz="2800" i="0" lang="en-US">
               <a:solidFill>
                 <a:srgbClr val="0D0D0D"/>
               </a:solidFill>
@@ -5635,7 +5517,7 @@
               <a:buAutoNum type="arabicPeriod"/>
             </a:pPr>
             <a:r>
-              <a:rPr lang="en-US" sz="2800" b="0" i="0" dirty="0">
+              <a:rPr b="0" dirty="0" sz="2800" i="0" lang="en-US">
                 <a:solidFill>
                   <a:srgbClr val="0D0D0D"/>
                 </a:solidFill>
@@ -5652,7 +5534,7 @@
               <a:buAutoNum type="arabicPeriod"/>
             </a:pPr>
             <a:r>
-              <a:rPr lang="en-US" sz="2800" b="0" i="0" dirty="0">
+              <a:rPr b="0" dirty="0" sz="2800" i="0" lang="en-US">
                 <a:solidFill>
                   <a:srgbClr val="0D0D0D"/>
                 </a:solidFill>
@@ -5669,7 +5551,7 @@
               <a:buAutoNum type="arabicPeriod"/>
             </a:pPr>
             <a:r>
-              <a:rPr lang="en-US" sz="2800" b="0" i="0" dirty="0">
+              <a:rPr b="0" dirty="0" sz="2800" i="0" lang="en-US">
                 <a:solidFill>
                   <a:srgbClr val="0D0D0D"/>
                 </a:solidFill>
@@ -5686,7 +5568,7 @@
               <a:buAutoNum type="arabicPeriod"/>
             </a:pPr>
             <a:r>
-              <a:rPr lang="en-US" sz="2800" b="0" i="0" dirty="0">
+              <a:rPr b="0" dirty="0" sz="2800" i="0" lang="en-US">
                 <a:solidFill>
                   <a:srgbClr val="0D0D0D"/>
                 </a:solidFill>
@@ -5703,7 +5585,7 @@
               <a:buAutoNum type="arabicPeriod"/>
             </a:pPr>
             <a:r>
-              <a:rPr lang="en-US" sz="2800" dirty="0">
+              <a:rPr dirty="0" sz="2800" lang="en-US">
                 <a:solidFill>
                   <a:srgbClr val="0D0D0D"/>
                 </a:solidFill>
@@ -5712,7 +5594,7 @@
               </a:rPr>
               <a:t>Dataset Description</a:t>
             </a:r>
-            <a:endParaRPr lang="en-US" sz="2800" b="0" i="0" dirty="0">
+            <a:endParaRPr b="0" dirty="0" sz="2800" i="0" lang="en-US">
               <a:solidFill>
                 <a:srgbClr val="0D0D0D"/>
               </a:solidFill>
@@ -5727,7 +5609,7 @@
               <a:buAutoNum type="arabicPeriod"/>
             </a:pPr>
             <a:r>
-              <a:rPr lang="en-US" sz="2800" b="0" i="0" dirty="0">
+              <a:rPr b="0" dirty="0" sz="2800" i="0" lang="en-US">
                 <a:solidFill>
                   <a:srgbClr val="0D0D0D"/>
                 </a:solidFill>
@@ -5744,7 +5626,7 @@
               <a:buAutoNum type="arabicPeriod"/>
             </a:pPr>
             <a:r>
-              <a:rPr lang="en-US" sz="2800" b="0" i="0" dirty="0">
+              <a:rPr b="0" dirty="0" sz="2800" i="0" lang="en-US">
                 <a:solidFill>
                   <a:srgbClr val="0D0D0D"/>
                 </a:solidFill>
@@ -5755,7 +5637,7 @@
               <a:t>Results and </a:t>
             </a:r>
             <a:r>
-              <a:rPr lang="en-US" sz="2800" dirty="0">
+              <a:rPr dirty="0" sz="2800" lang="en-US">
                 <a:solidFill>
                   <a:srgbClr val="0D0D0D"/>
                 </a:solidFill>
@@ -5764,7 +5646,7 @@
               </a:rPr>
               <a:t>Discussion</a:t>
             </a:r>
-            <a:endParaRPr lang="en-US" sz="2800" b="0" i="0" dirty="0">
+            <a:endParaRPr b="0" dirty="0" sz="2800" i="0" lang="en-US">
               <a:solidFill>
                 <a:srgbClr val="0D0D0D"/>
               </a:solidFill>
@@ -5779,7 +5661,7 @@
               <a:buAutoNum type="arabicPeriod"/>
             </a:pPr>
             <a:r>
-              <a:rPr lang="en-US" sz="2800" b="0" i="0" dirty="0">
+              <a:rPr b="0" dirty="0" sz="2800" i="0" lang="en-US">
                 <a:solidFill>
                   <a:srgbClr val="0D0D0D"/>
                 </a:solidFill>
@@ -5791,7 +5673,7 @@
             </a:r>
           </a:p>
           <a:p>
-            <a:endParaRPr lang="en-IN" sz="2800" dirty="0">
+            <a:endParaRPr dirty="0" sz="2800" lang="en-IN">
               <a:latin typeface="Times New Roman" panose="02020603050405020304" pitchFamily="18" charset="0"/>
               <a:cs typeface="Times New Roman" panose="02020603050405020304" pitchFamily="18" charset="0"/>
             </a:endParaRPr>
@@ -5811,7 +5693,7 @@
   <p:cSld>
     <p:spTree>
       <p:nvGrpSpPr>
-        <p:cNvPr id="1" name=""/>
+        <p:cNvPr id="19" name=""/>
         <p:cNvGrpSpPr/>
         <p:nvPr/>
       </p:nvGrpSpPr>
@@ -5825,7 +5707,7 @@
       </p:grpSpPr>
       <p:grpSp>
         <p:nvGrpSpPr>
-          <p:cNvPr id="2" name="object 2"/>
+          <p:cNvPr id="20" name="object 2"/>
           <p:cNvGrpSpPr/>
           <p:nvPr/>
         </p:nvGrpSpPr>
@@ -5839,7 +5721,7 @@
         </p:grpSpPr>
         <p:sp>
           <p:nvSpPr>
-            <p:cNvPr id="3" name="object 3"/>
+            <p:cNvPr id="1048595" name="object 3"/>
             <p:cNvSpPr/>
             <p:nvPr/>
           </p:nvSpPr>
@@ -5850,9 +5732,7 @@
             </a:xfrm>
             <a:custGeom>
               <a:avLst/>
-              <a:gdLst/>
               <a:ahLst/>
-              <a:cxnLst/>
               <a:rect l="l" t="t" r="r" b="b"/>
               <a:pathLst>
                 <a:path w="457200" h="457200">
@@ -5880,16 +5760,13 @@
             </a:solidFill>
           </p:spPr>
           <p:txBody>
-            <a:bodyPr wrap="square" lIns="0" tIns="0" rIns="0" bIns="0" rtlCol="0"/>
-            <a:lstStyle/>
-            <a:p>
-              <a:endParaRPr/>
-            </a:p>
+            <a:bodyPr bIns="0" lIns="0" rIns="0" rtlCol="0" tIns="0" wrap="square"/>
+            <a:p/>
           </p:txBody>
         </p:sp>
         <p:sp>
           <p:nvSpPr>
-            <p:cNvPr id="4" name="object 4"/>
+            <p:cNvPr id="1048596" name="object 4"/>
             <p:cNvSpPr/>
             <p:nvPr/>
           </p:nvSpPr>
@@ -5900,9 +5777,7 @@
             </a:xfrm>
             <a:custGeom>
               <a:avLst/>
-              <a:gdLst/>
               <a:ahLst/>
-              <a:cxnLst/>
               <a:rect l="l" t="t" r="r" b="b"/>
               <a:pathLst>
                 <a:path w="180975" h="180975">
@@ -5930,21 +5805,20 @@
             </a:solidFill>
           </p:spPr>
           <p:txBody>
-            <a:bodyPr wrap="square" lIns="0" tIns="0" rIns="0" bIns="0" rtlCol="0"/>
-            <a:lstStyle/>
-            <a:p>
-              <a:endParaRPr/>
-            </a:p>
+            <a:bodyPr bIns="0" lIns="0" rIns="0" rtlCol="0" tIns="0" wrap="square"/>
+            <a:p/>
           </p:txBody>
         </p:sp>
         <p:pic>
           <p:nvPicPr>
-            <p:cNvPr id="5" name="object 5"/>
-            <p:cNvPicPr/>
+            <p:cNvPr id="2097152" name="object 5"/>
+            <p:cNvPicPr>
+              <a:picLocks/>
+            </p:cNvPicPr>
             <p:nvPr/>
           </p:nvPicPr>
           <p:blipFill>
-            <a:blip r:embed="rId2" cstate="print"/>
+            <a:blip xmlns:r="http://schemas.openxmlformats.org/officeDocument/2006/relationships" r:embed="rId1" cstate="print"/>
             <a:stretch>
               <a:fillRect/>
             </a:stretch>
@@ -5954,15 +5828,13 @@
               <a:off x="7991475" y="2933700"/>
               <a:ext cx="2762250" cy="3257550"/>
             </a:xfrm>
-            <a:prstGeom prst="rect">
-              <a:avLst/>
-            </a:prstGeom>
+            <a:prstGeom prst="rect"/>
           </p:spPr>
         </p:pic>
       </p:grpSp>
       <p:sp>
         <p:nvSpPr>
-          <p:cNvPr id="6" name="object 6"/>
+          <p:cNvPr id="1048597" name="object 6"/>
           <p:cNvSpPr/>
           <p:nvPr/>
         </p:nvSpPr>
@@ -5973,9 +5845,7 @@
           </a:xfrm>
           <a:custGeom>
             <a:avLst/>
-            <a:gdLst/>
             <a:ahLst/>
-            <a:cxnLst/>
             <a:rect l="l" t="t" r="r" b="b"/>
             <a:pathLst>
               <a:path w="314325" h="323850">
@@ -6003,16 +5873,13 @@
           </a:solidFill>
         </p:spPr>
         <p:txBody>
-          <a:bodyPr wrap="square" lIns="0" tIns="0" rIns="0" bIns="0" rtlCol="0"/>
-          <a:lstStyle/>
-          <a:p>
-            <a:endParaRPr/>
-          </a:p>
-        </p:txBody>
-      </p:sp>
-      <p:sp>
-        <p:nvSpPr>
-          <p:cNvPr id="7" name="object 7"/>
+          <a:bodyPr bIns="0" lIns="0" rIns="0" rtlCol="0" tIns="0" wrap="square"/>
+          <a:p/>
+        </p:txBody>
+      </p:sp>
+      <p:sp>
+        <p:nvSpPr>
+          <p:cNvPr id="1048598" name="object 7"/>
           <p:cNvSpPr txBox="1">
             <a:spLocks noGrp="1"/>
           </p:cNvSpPr>
@@ -6022,18 +5889,15 @@
         </p:nvSpPr>
         <p:spPr>
           <a:xfrm>
-            <a:off x="834072" y="575055"/>
-            <a:ext cx="5636895" cy="678180"/>
-          </a:xfrm>
-          <a:prstGeom prst="rect">
-            <a:avLst/>
-          </a:prstGeom>
-        </p:spPr>
-        <p:txBody>
-          <a:bodyPr vert="horz" wrap="square" lIns="0" tIns="16510" rIns="0" bIns="0" rtlCol="0">
+            <a:off x="804169" y="472679"/>
+            <a:ext cx="6206231" cy="702311"/>
+          </a:xfrm>
+          <a:prstGeom prst="rect"/>
+        </p:spPr>
+        <p:txBody>
+          <a:bodyPr bIns="0" lIns="0" rIns="0" rtlCol="0" tIns="16510" vert="horz" wrap="square">
             <a:spAutoFit/>
           </a:bodyPr>
-          <a:lstStyle/>
           <a:p>
             <a:pPr marL="12700">
               <a:lnSpc>
@@ -6043,59 +5907,59 @@
                 <a:spcPts val="130"/>
               </a:spcBef>
               <a:tabLst>
-                <a:tab pos="2727960" algn="l"/>
+                <a:tab algn="l" pos="2727960"/>
               </a:tabLst>
             </a:pPr>
             <a:r>
-              <a:rPr sz="4250" spc="-20" dirty="0"/>
+              <a:rPr dirty="0" sz="4250" spc="-20"/>
               <a:t>P</a:t>
             </a:r>
             <a:r>
-              <a:rPr sz="4250" spc="15" dirty="0"/>
+              <a:rPr dirty="0" sz="4250" spc="15"/>
               <a:t>ROB</a:t>
             </a:r>
             <a:r>
-              <a:rPr sz="4250" spc="55" dirty="0"/>
+              <a:rPr dirty="0" sz="4250" spc="55"/>
               <a:t>L</a:t>
             </a:r>
             <a:r>
-              <a:rPr sz="4250" spc="-20" dirty="0"/>
+              <a:rPr dirty="0" sz="4250" spc="-20"/>
               <a:t>E</a:t>
             </a:r>
             <a:r>
-              <a:rPr sz="4250" spc="20" dirty="0"/>
+              <a:rPr dirty="0" sz="4250" spc="20"/>
               <a:t>M</a:t>
             </a:r>
             <a:r>
-              <a:rPr sz="4250" dirty="0"/>
+              <a:rPr dirty="0" sz="4250"/>
               <a:t>	</a:t>
             </a:r>
             <a:r>
-              <a:rPr sz="4250" spc="10" dirty="0"/>
+              <a:rPr dirty="0" sz="4250" spc="10"/>
               <a:t>S</a:t>
             </a:r>
             <a:r>
-              <a:rPr sz="4250" spc="-370" dirty="0"/>
+              <a:rPr dirty="0" sz="4250" spc="-370"/>
               <a:t>T</a:t>
             </a:r>
             <a:r>
-              <a:rPr sz="4250" spc="-375" dirty="0"/>
+              <a:rPr dirty="0" sz="4250" spc="-375"/>
               <a:t>A</a:t>
             </a:r>
             <a:r>
-              <a:rPr sz="4250" spc="15" dirty="0"/>
+              <a:rPr dirty="0" sz="4250" spc="15"/>
               <a:t>T</a:t>
             </a:r>
             <a:r>
-              <a:rPr sz="4250" spc="-10" dirty="0"/>
+              <a:rPr dirty="0" sz="4250" spc="-10"/>
               <a:t>E</a:t>
             </a:r>
             <a:r>
-              <a:rPr sz="4250" spc="-20" dirty="0"/>
+              <a:rPr dirty="0" sz="4250" spc="-20"/>
               <a:t>ME</a:t>
             </a:r>
             <a:r>
-              <a:rPr sz="4250" spc="10" dirty="0"/>
+              <a:rPr dirty="0" sz="4250" spc="10"/>
               <a:t>NT</a:t>
             </a:r>
             <a:endParaRPr sz="4250"/>
@@ -6104,12 +5968,14 @@
       </p:sp>
       <p:pic>
         <p:nvPicPr>
-          <p:cNvPr id="8" name="object 8"/>
-          <p:cNvPicPr/>
+          <p:cNvPr id="2097153" name="object 8"/>
+          <p:cNvPicPr>
+            <a:picLocks/>
+          </p:cNvPicPr>
           <p:nvPr/>
         </p:nvPicPr>
         <p:blipFill>
-          <a:blip r:embed="rId3" cstate="print"/>
+          <a:blip xmlns:r="http://schemas.openxmlformats.org/officeDocument/2006/relationships" r:embed="rId2" cstate="print"/>
           <a:stretch>
             <a:fillRect/>
           </a:stretch>
@@ -6119,14 +5985,12 @@
             <a:off x="676275" y="6467475"/>
             <a:ext cx="2143125" cy="200025"/>
           </a:xfrm>
-          <a:prstGeom prst="rect">
-            <a:avLst/>
-          </a:prstGeom>
+          <a:prstGeom prst="rect"/>
         </p:spPr>
       </p:pic>
       <p:sp>
         <p:nvSpPr>
-          <p:cNvPr id="10" name="object 10"/>
+          <p:cNvPr id="1048599" name="object 10"/>
           <p:cNvSpPr txBox="1">
             <a:spLocks noGrp="1"/>
           </p:cNvSpPr>
@@ -6135,15 +5999,12 @@
           </p:nvPr>
         </p:nvSpPr>
         <p:spPr>
-          <a:prstGeom prst="rect">
-            <a:avLst/>
-          </a:prstGeom>
-        </p:spPr>
-        <p:txBody>
-          <a:bodyPr vert="horz" wrap="square" lIns="0" tIns="6985" rIns="0" bIns="0" rtlCol="0">
+          <a:prstGeom prst="rect"/>
+        </p:spPr>
+        <p:txBody>
+          <a:bodyPr bIns="0" lIns="0" rIns="0" rtlCol="0" tIns="6985" vert="horz" wrap="square">
             <a:spAutoFit/>
           </a:bodyPr>
-          <a:lstStyle/>
           <a:p>
             <a:pPr marL="38100">
               <a:lnSpc>
@@ -6154,10 +6015,44 @@
               </a:spcBef>
             </a:pPr>
             <a:fld id="{81D60167-4931-47E6-BA6A-407CBD079E47}" type="slidenum">
-              <a:rPr spc="10" dirty="0"/>
+              <a:rPr dirty="0" spc="10"/>
               <a:t>4</a:t>
             </a:fld>
-            <a:endParaRPr spc="10" dirty="0"/>
+            <a:endParaRPr dirty="0" spc="10"/>
+          </a:p>
+        </p:txBody>
+      </p:sp>
+      <p:sp>
+        <p:nvSpPr>
+          <p:cNvPr id="1048705" name=""/>
+          <p:cNvSpPr txBox="1"/>
+          <p:nvPr/>
+        </p:nvSpPr>
+        <p:spPr>
+          <a:xfrm>
+            <a:off x="676275" y="2019300"/>
+            <a:ext cx="4572000" cy="1869440"/>
+          </a:xfrm>
+          <a:prstGeom prst="rect"/>
+        </p:spPr>
+        <p:txBody>
+          <a:bodyPr rtlCol="0" wrap="square">
+            <a:spAutoFit/>
+          </a:bodyPr>
+          <a:p>
+            <a:r>
+              <a:rPr sz="2800" lang="en-GB">
+                <a:solidFill>
+                  <a:srgbClr val="000000"/>
+                </a:solidFill>
+              </a:rPr>
+              <a:t>Please provide the details of the problem statement you'd like to discuss, and I'll do my best to help you!</a:t>
+            </a:r>
+            <a:endParaRPr sz="2800" lang="en-GB">
+              <a:solidFill>
+                <a:srgbClr val="000000"/>
+              </a:solidFill>
+            </a:endParaRPr>
           </a:p>
         </p:txBody>
       </p:sp>
@@ -6174,7 +6069,7 @@
   <p:cSld>
     <p:spTree>
       <p:nvGrpSpPr>
-        <p:cNvPr id="1" name=""/>
+        <p:cNvPr id="23" name=""/>
         <p:cNvGrpSpPr/>
         <p:nvPr/>
       </p:nvGrpSpPr>
@@ -6188,7 +6083,7 @@
       </p:grpSpPr>
       <p:grpSp>
         <p:nvGrpSpPr>
-          <p:cNvPr id="2" name="object 2"/>
+          <p:cNvPr id="24" name="object 2"/>
           <p:cNvGrpSpPr/>
           <p:nvPr/>
         </p:nvGrpSpPr>
@@ -6202,7 +6097,7 @@
         </p:grpSpPr>
         <p:sp>
           <p:nvSpPr>
-            <p:cNvPr id="3" name="object 3"/>
+            <p:cNvPr id="1048600" name="object 3"/>
             <p:cNvSpPr/>
             <p:nvPr/>
           </p:nvSpPr>
@@ -6213,9 +6108,7 @@
             </a:xfrm>
             <a:custGeom>
               <a:avLst/>
-              <a:gdLst/>
               <a:ahLst/>
-              <a:cxnLst/>
               <a:rect l="l" t="t" r="r" b="b"/>
               <a:pathLst>
                 <a:path w="457200" h="457200">
@@ -6243,16 +6136,13 @@
             </a:solidFill>
           </p:spPr>
           <p:txBody>
-            <a:bodyPr wrap="square" lIns="0" tIns="0" rIns="0" bIns="0" rtlCol="0"/>
-            <a:lstStyle/>
-            <a:p>
-              <a:endParaRPr/>
-            </a:p>
+            <a:bodyPr bIns="0" lIns="0" rIns="0" rtlCol="0" tIns="0" wrap="square"/>
+            <a:p/>
           </p:txBody>
         </p:sp>
         <p:sp>
           <p:nvSpPr>
-            <p:cNvPr id="4" name="object 4"/>
+            <p:cNvPr id="1048601" name="object 4"/>
             <p:cNvSpPr/>
             <p:nvPr/>
           </p:nvSpPr>
@@ -6263,9 +6153,7 @@
             </a:xfrm>
             <a:custGeom>
               <a:avLst/>
-              <a:gdLst/>
               <a:ahLst/>
-              <a:cxnLst/>
               <a:rect l="l" t="t" r="r" b="b"/>
               <a:pathLst>
                 <a:path w="180975" h="180975">
@@ -6293,21 +6181,20 @@
             </a:solidFill>
           </p:spPr>
           <p:txBody>
-            <a:bodyPr wrap="square" lIns="0" tIns="0" rIns="0" bIns="0" rtlCol="0"/>
-            <a:lstStyle/>
-            <a:p>
-              <a:endParaRPr/>
-            </a:p>
+            <a:bodyPr bIns="0" lIns="0" rIns="0" rtlCol="0" tIns="0" wrap="square"/>
+            <a:p/>
           </p:txBody>
         </p:sp>
         <p:pic>
           <p:nvPicPr>
-            <p:cNvPr id="5" name="object 5"/>
-            <p:cNvPicPr/>
+            <p:cNvPr id="2097154" name="object 5"/>
+            <p:cNvPicPr>
+              <a:picLocks/>
+            </p:cNvPicPr>
             <p:nvPr/>
           </p:nvPicPr>
           <p:blipFill>
-            <a:blip r:embed="rId2" cstate="print"/>
+            <a:blip xmlns:r="http://schemas.openxmlformats.org/officeDocument/2006/relationships" r:embed="rId1" cstate="print"/>
             <a:stretch>
               <a:fillRect/>
             </a:stretch>
@@ -6317,15 +6204,13 @@
               <a:off x="8658225" y="2647950"/>
               <a:ext cx="3533775" cy="3810000"/>
             </a:xfrm>
-            <a:prstGeom prst="rect">
-              <a:avLst/>
-            </a:prstGeom>
+            <a:prstGeom prst="rect"/>
           </p:spPr>
         </p:pic>
       </p:grpSp>
       <p:sp>
         <p:nvSpPr>
-          <p:cNvPr id="6" name="object 6"/>
+          <p:cNvPr id="1048602" name="object 6"/>
           <p:cNvSpPr/>
           <p:nvPr/>
         </p:nvSpPr>
@@ -6336,9 +6221,7 @@
           </a:xfrm>
           <a:custGeom>
             <a:avLst/>
-            <a:gdLst/>
             <a:ahLst/>
-            <a:cxnLst/>
             <a:rect l="l" t="t" r="r" b="b"/>
             <a:pathLst>
               <a:path w="314325" h="323850">
@@ -6366,16 +6249,13 @@
           </a:solidFill>
         </p:spPr>
         <p:txBody>
-          <a:bodyPr wrap="square" lIns="0" tIns="0" rIns="0" bIns="0" rtlCol="0"/>
-          <a:lstStyle/>
-          <a:p>
-            <a:endParaRPr/>
-          </a:p>
-        </p:txBody>
-      </p:sp>
-      <p:sp>
-        <p:nvSpPr>
-          <p:cNvPr id="7" name="object 7"/>
+          <a:bodyPr bIns="0" lIns="0" rIns="0" rtlCol="0" tIns="0" wrap="square"/>
+          <a:p/>
+        </p:txBody>
+      </p:sp>
+      <p:sp>
+        <p:nvSpPr>
+          <p:cNvPr id="1048603" name="object 7"/>
           <p:cNvSpPr txBox="1">
             <a:spLocks noGrp="1"/>
           </p:cNvSpPr>
@@ -6384,19 +6264,16 @@
           </p:nvPr>
         </p:nvSpPr>
         <p:spPr>
-          <a:xfrm>
-            <a:off x="739775" y="829627"/>
-            <a:ext cx="5263515" cy="678180"/>
-          </a:xfrm>
-          <a:prstGeom prst="rect">
-            <a:avLst/>
-          </a:prstGeom>
-        </p:spPr>
-        <p:txBody>
-          <a:bodyPr vert="horz" wrap="square" lIns="0" tIns="16510" rIns="0" bIns="0" rtlCol="0">
+          <a:xfrm flipH="1">
+            <a:off x="1136881" y="829627"/>
+            <a:ext cx="5343871" cy="702309"/>
+          </a:xfrm>
+          <a:prstGeom prst="rect"/>
+        </p:spPr>
+        <p:txBody>
+          <a:bodyPr bIns="0" lIns="0" rIns="0" rtlCol="0" tIns="16510" vert="horz" wrap="square">
             <a:spAutoFit/>
           </a:bodyPr>
-          <a:lstStyle/>
           <a:p>
             <a:pPr marL="12700">
               <a:lnSpc>
@@ -6406,15 +6283,15 @@
                 <a:spcPts val="130"/>
               </a:spcBef>
               <a:tabLst>
-                <a:tab pos="2642870" algn="l"/>
+                <a:tab algn="l" pos="2642870"/>
               </a:tabLst>
             </a:pPr>
             <a:r>
-              <a:rPr sz="4250" spc="5" dirty="0"/>
+              <a:rPr dirty="0" sz="4250" spc="5"/>
               <a:t>PROJECT	</a:t>
             </a:r>
             <a:r>
-              <a:rPr sz="4250" spc="-20" dirty="0"/>
+              <a:rPr dirty="0" sz="4250" spc="-20"/>
               <a:t>OVERVIEW</a:t>
             </a:r>
             <a:endParaRPr sz="4250"/>
@@ -6423,12 +6300,14 @@
       </p:sp>
       <p:pic>
         <p:nvPicPr>
-          <p:cNvPr id="8" name="object 8"/>
-          <p:cNvPicPr/>
+          <p:cNvPr id="2097155" name="object 8"/>
+          <p:cNvPicPr>
+            <a:picLocks/>
+          </p:cNvPicPr>
           <p:nvPr/>
         </p:nvPicPr>
         <p:blipFill>
-          <a:blip r:embed="rId3" cstate="print"/>
+          <a:blip xmlns:r="http://schemas.openxmlformats.org/officeDocument/2006/relationships" r:embed="rId2" cstate="print"/>
           <a:stretch>
             <a:fillRect/>
           </a:stretch>
@@ -6438,14 +6317,12 @@
             <a:off x="676275" y="6467475"/>
             <a:ext cx="2143125" cy="200025"/>
           </a:xfrm>
-          <a:prstGeom prst="rect">
-            <a:avLst/>
-          </a:prstGeom>
+          <a:prstGeom prst="rect"/>
         </p:spPr>
       </p:pic>
       <p:sp>
         <p:nvSpPr>
-          <p:cNvPr id="10" name="object 10"/>
+          <p:cNvPr id="1048604" name="object 10"/>
           <p:cNvSpPr txBox="1">
             <a:spLocks noGrp="1"/>
           </p:cNvSpPr>
@@ -6454,15 +6331,12 @@
           </p:nvPr>
         </p:nvSpPr>
         <p:spPr>
-          <a:prstGeom prst="rect">
-            <a:avLst/>
-          </a:prstGeom>
-        </p:spPr>
-        <p:txBody>
-          <a:bodyPr vert="horz" wrap="square" lIns="0" tIns="6985" rIns="0" bIns="0" rtlCol="0">
+          <a:prstGeom prst="rect"/>
+        </p:spPr>
+        <p:txBody>
+          <a:bodyPr bIns="0" lIns="0" rIns="0" rtlCol="0" tIns="6985" vert="horz" wrap="square">
             <a:spAutoFit/>
           </a:bodyPr>
-          <a:lstStyle/>
           <a:p>
             <a:pPr marL="38100">
               <a:lnSpc>
@@ -6473,22 +6347,16 @@
               </a:spcBef>
             </a:pPr>
             <a:fld id="{81D60167-4931-47E6-BA6A-407CBD079E47}" type="slidenum">
-              <a:rPr spc="10" dirty="0"/>
+              <a:rPr dirty="0" spc="10"/>
               <a:t>5</a:t>
             </a:fld>
-            <a:endParaRPr spc="10" dirty="0"/>
+            <a:endParaRPr dirty="0" spc="10"/>
           </a:p>
         </p:txBody>
       </p:sp>
       <p:sp>
         <p:nvSpPr>
-          <p:cNvPr id="11" name="TextBox 10">
-            <a:extLst>
-              <a:ext uri="{FF2B5EF4-FFF2-40B4-BE49-F238E27FC236}">
-                <a16:creationId xmlns:a16="http://schemas.microsoft.com/office/drawing/2014/main" id="{F050B57B-77CA-84FA-9910-3F41C17BBB48}"/>
-              </a:ext>
-            </a:extLst>
-          </p:cNvPr>
+          <p:cNvPr id="1048605" name="TextBox 10"/>
           <p:cNvSpPr txBox="1"/>
           <p:nvPr/>
         </p:nvSpPr>
@@ -6497,23 +6365,20 @@
             <a:off x="990600" y="2133600"/>
             <a:ext cx="7924800" cy="830997"/>
           </a:xfrm>
-          <a:prstGeom prst="rect">
-            <a:avLst/>
-          </a:prstGeom>
+          <a:prstGeom prst="rect"/>
           <a:noFill/>
         </p:spPr>
         <p:txBody>
-          <a:bodyPr wrap="square" rtlCol="0">
+          <a:bodyPr rtlCol="0" wrap="square">
             <a:spAutoFit/>
           </a:bodyPr>
-          <a:lstStyle/>
           <a:p>
             <a:pPr algn="l">
               <a:buFont typeface="Arial" panose="020B0604020202020204" pitchFamily="34" charset="0"/>
               <a:buChar char="•"/>
             </a:pPr>
             <a:r>
-              <a:rPr lang="en-US" sz="2400" b="0" i="0" dirty="0">
+              <a:rPr b="0" dirty="0" sz="2400" i="0" lang="en-US">
                 <a:solidFill>
                   <a:srgbClr val="0D0D0D"/>
                 </a:solidFill>
@@ -6525,9 +6390,43 @@
             </a:r>
           </a:p>
           <a:p>
-            <a:endParaRPr lang="en-IN" sz="2400" dirty="0">
+            <a:endParaRPr dirty="0" sz="2400" lang="en-IN">
               <a:latin typeface="Times New Roman" panose="02020603050405020304" pitchFamily="18" charset="0"/>
               <a:cs typeface="Times New Roman" panose="02020603050405020304" pitchFamily="18" charset="0"/>
+            </a:endParaRPr>
+          </a:p>
+        </p:txBody>
+      </p:sp>
+      <p:sp>
+        <p:nvSpPr>
+          <p:cNvPr id="1048706" name=""/>
+          <p:cNvSpPr txBox="1"/>
+          <p:nvPr/>
+        </p:nvSpPr>
+        <p:spPr>
+          <a:xfrm>
+            <a:off x="1136880" y="2272030"/>
+            <a:ext cx="4572000" cy="2313940"/>
+          </a:xfrm>
+          <a:prstGeom prst="rect"/>
+        </p:spPr>
+        <p:txBody>
+          <a:bodyPr rtlCol="0" wrap="square">
+            <a:spAutoFit/>
+          </a:bodyPr>
+          <a:p>
+            <a:r>
+              <a:rPr sz="2800" lang="en-GB">
+                <a:solidFill>
+                  <a:srgbClr val="000000"/>
+                </a:solidFill>
+              </a:rPr>
+              <a:t>Could you provide more details about the project you're working on? That way, I can help you create a comprehensive overview.</a:t>
+            </a:r>
+            <a:endParaRPr sz="2800" lang="en-GB">
+              <a:solidFill>
+                <a:srgbClr val="000000"/>
+              </a:solidFill>
             </a:endParaRPr>
           </a:p>
         </p:txBody>
@@ -6545,7 +6444,7 @@
   <p:cSld>
     <p:spTree>
       <p:nvGrpSpPr>
-        <p:cNvPr id="1" name=""/>
+        <p:cNvPr id="28" name=""/>
         <p:cNvGrpSpPr/>
         <p:nvPr/>
       </p:nvGrpSpPr>
@@ -6559,7 +6458,7 @@
       </p:grpSpPr>
       <p:sp>
         <p:nvSpPr>
-          <p:cNvPr id="2" name="object 2"/>
+          <p:cNvPr id="1048623" name="object 2"/>
           <p:cNvSpPr/>
           <p:nvPr/>
         </p:nvSpPr>
@@ -6570,9 +6469,7 @@
           </a:xfrm>
           <a:custGeom>
             <a:avLst/>
-            <a:gdLst/>
             <a:ahLst/>
-            <a:cxnLst/>
             <a:rect l="l" t="t" r="r" b="b"/>
             <a:pathLst>
               <a:path w="457200" h="457200">
@@ -6600,16 +6497,13 @@
           </a:solidFill>
         </p:spPr>
         <p:txBody>
-          <a:bodyPr wrap="square" lIns="0" tIns="0" rIns="0" bIns="0" rtlCol="0"/>
-          <a:lstStyle/>
-          <a:p>
-            <a:endParaRPr/>
-          </a:p>
-        </p:txBody>
-      </p:sp>
-      <p:sp>
-        <p:nvSpPr>
-          <p:cNvPr id="3" name="object 3"/>
+          <a:bodyPr bIns="0" lIns="0" rIns="0" rtlCol="0" tIns="0" wrap="square"/>
+          <a:p/>
+        </p:txBody>
+      </p:sp>
+      <p:sp>
+        <p:nvSpPr>
+          <p:cNvPr id="1048624" name="object 3"/>
           <p:cNvSpPr/>
           <p:nvPr/>
         </p:nvSpPr>
@@ -6620,9 +6514,7 @@
           </a:xfrm>
           <a:custGeom>
             <a:avLst/>
-            <a:gdLst/>
             <a:ahLst/>
-            <a:cxnLst/>
             <a:rect l="l" t="t" r="r" b="b"/>
             <a:pathLst>
               <a:path w="314325" h="323850">
@@ -6650,16 +6542,13 @@
           </a:solidFill>
         </p:spPr>
         <p:txBody>
-          <a:bodyPr wrap="square" lIns="0" tIns="0" rIns="0" bIns="0" rtlCol="0"/>
-          <a:lstStyle/>
-          <a:p>
-            <a:endParaRPr/>
-          </a:p>
-        </p:txBody>
-      </p:sp>
-      <p:sp>
-        <p:nvSpPr>
-          <p:cNvPr id="4" name="object 4"/>
+          <a:bodyPr bIns="0" lIns="0" rIns="0" rtlCol="0" tIns="0" wrap="square"/>
+          <a:p/>
+        </p:txBody>
+      </p:sp>
+      <p:sp>
+        <p:nvSpPr>
+          <p:cNvPr id="1048625" name="object 4"/>
           <p:cNvSpPr/>
           <p:nvPr/>
         </p:nvSpPr>
@@ -6670,9 +6559,7 @@
           </a:xfrm>
           <a:custGeom>
             <a:avLst/>
-            <a:gdLst/>
             <a:ahLst/>
-            <a:cxnLst/>
             <a:rect l="l" t="t" r="r" b="b"/>
             <a:pathLst>
               <a:path w="180975" h="180975">
@@ -6700,16 +6587,13 @@
           </a:solidFill>
         </p:spPr>
         <p:txBody>
-          <a:bodyPr wrap="square" lIns="0" tIns="0" rIns="0" bIns="0" rtlCol="0"/>
-          <a:lstStyle/>
-          <a:p>
-            <a:endParaRPr/>
-          </a:p>
-        </p:txBody>
-      </p:sp>
-      <p:sp>
-        <p:nvSpPr>
-          <p:cNvPr id="5" name="object 5"/>
+          <a:bodyPr bIns="0" lIns="0" rIns="0" rtlCol="0" tIns="0" wrap="square"/>
+          <a:p/>
+        </p:txBody>
+      </p:sp>
+      <p:sp>
+        <p:nvSpPr>
+          <p:cNvPr id="1048626" name="object 5"/>
           <p:cNvSpPr txBox="1">
             <a:spLocks noGrp="1"/>
           </p:cNvSpPr>
@@ -6722,15 +6606,12 @@
             <a:off x="699452" y="891793"/>
             <a:ext cx="5014595" cy="518159"/>
           </a:xfrm>
-          <a:prstGeom prst="rect">
-            <a:avLst/>
-          </a:prstGeom>
-        </p:spPr>
-        <p:txBody>
-          <a:bodyPr vert="horz" wrap="square" lIns="0" tIns="16510" rIns="0" bIns="0" rtlCol="0">
+          <a:prstGeom prst="rect"/>
+        </p:spPr>
+        <p:txBody>
+          <a:bodyPr bIns="0" lIns="0" rIns="0" rtlCol="0" tIns="16510" vert="horz" wrap="square">
             <a:spAutoFit/>
           </a:bodyPr>
-          <a:lstStyle/>
           <a:p>
             <a:pPr marL="12700">
               <a:lnSpc>
@@ -6741,83 +6622,83 @@
               </a:spcBef>
             </a:pPr>
             <a:r>
-              <a:rPr sz="3200" spc="25" dirty="0"/>
+              <a:rPr dirty="0" sz="3200" spc="25"/>
               <a:t>W</a:t>
             </a:r>
             <a:r>
-              <a:rPr sz="3200" spc="-20" dirty="0"/>
+              <a:rPr dirty="0" sz="3200" spc="-20"/>
               <a:t>H</a:t>
             </a:r>
             <a:r>
-              <a:rPr sz="3200" spc="20" dirty="0"/>
+              <a:rPr dirty="0" sz="3200" spc="20"/>
               <a:t>O</a:t>
             </a:r>
             <a:r>
-              <a:rPr sz="3200" spc="-235" dirty="0"/>
+              <a:rPr dirty="0" sz="3200" spc="-235"/>
               <a:t> </a:t>
             </a:r>
             <a:r>
-              <a:rPr sz="3200" spc="-10" dirty="0"/>
+              <a:rPr dirty="0" sz="3200" spc="-10"/>
               <a:t>AR</a:t>
             </a:r>
             <a:r>
-              <a:rPr sz="3200" spc="15" dirty="0"/>
+              <a:rPr dirty="0" sz="3200" spc="15"/>
               <a:t>E</a:t>
             </a:r>
             <a:r>
-              <a:rPr sz="3200" spc="-35" dirty="0"/>
+              <a:rPr dirty="0" sz="3200" spc="-35"/>
               <a:t> </a:t>
             </a:r>
             <a:r>
-              <a:rPr sz="3200" spc="-10" dirty="0"/>
+              <a:rPr dirty="0" sz="3200" spc="-10"/>
               <a:t>T</a:t>
             </a:r>
             <a:r>
-              <a:rPr sz="3200" spc="-15" dirty="0"/>
+              <a:rPr dirty="0" sz="3200" spc="-15"/>
               <a:t>H</a:t>
             </a:r>
             <a:r>
-              <a:rPr sz="3200" spc="15" dirty="0"/>
+              <a:rPr dirty="0" sz="3200" spc="15"/>
               <a:t>E</a:t>
             </a:r>
             <a:r>
-              <a:rPr sz="3200" spc="-35" dirty="0"/>
+              <a:rPr dirty="0" sz="3200" spc="-35"/>
               <a:t> </a:t>
             </a:r>
             <a:r>
-              <a:rPr sz="3200" spc="-20" dirty="0"/>
+              <a:rPr dirty="0" sz="3200" spc="-20"/>
               <a:t>E</a:t>
             </a:r>
             <a:r>
-              <a:rPr sz="3200" spc="30" dirty="0"/>
+              <a:rPr dirty="0" sz="3200" spc="30"/>
               <a:t>N</a:t>
             </a:r>
             <a:r>
-              <a:rPr sz="3200" spc="15" dirty="0"/>
+              <a:rPr dirty="0" sz="3200" spc="15"/>
               <a:t>D</a:t>
             </a:r>
             <a:r>
-              <a:rPr sz="3200" spc="-45" dirty="0"/>
+              <a:rPr dirty="0" sz="3200" spc="-45"/>
               <a:t> </a:t>
             </a:r>
             <a:r>
-              <a:rPr sz="3200" dirty="0"/>
+              <a:rPr dirty="0" sz="3200"/>
               <a:t>U</a:t>
             </a:r>
             <a:r>
-              <a:rPr sz="3200" spc="10" dirty="0"/>
+              <a:rPr dirty="0" sz="3200" spc="10"/>
               <a:t>S</a:t>
             </a:r>
             <a:r>
-              <a:rPr sz="3200" spc="-25" dirty="0"/>
+              <a:rPr dirty="0" sz="3200" spc="-25"/>
               <a:t>E</a:t>
             </a:r>
             <a:r>
-              <a:rPr sz="3200" spc="-10" dirty="0"/>
+              <a:rPr dirty="0" sz="3200" spc="-10"/>
               <a:t>R</a:t>
             </a:r>
             <a:r>
-              <a:rPr sz="3200" spc="5" dirty="0"/>
+              <a:rPr dirty="0" sz="3200" spc="5"/>
               <a:t>S?</a:t>
             </a:r>
             <a:endParaRPr sz="3200"/>
@@ -6826,12 +6707,14 @@
       </p:sp>
       <p:pic>
         <p:nvPicPr>
-          <p:cNvPr id="6" name="object 6"/>
-          <p:cNvPicPr/>
+          <p:cNvPr id="2097159" name="object 6"/>
+          <p:cNvPicPr>
+            <a:picLocks/>
+          </p:cNvPicPr>
           <p:nvPr/>
         </p:nvPicPr>
         <p:blipFill>
-          <a:blip r:embed="rId2" cstate="print"/>
+          <a:blip xmlns:r="http://schemas.openxmlformats.org/officeDocument/2006/relationships" r:embed="rId1" cstate="print"/>
           <a:stretch>
             <a:fillRect/>
           </a:stretch>
@@ -6841,14 +6724,12 @@
             <a:off x="723900" y="6172200"/>
             <a:ext cx="2181225" cy="485775"/>
           </a:xfrm>
-          <a:prstGeom prst="rect">
-            <a:avLst/>
-          </a:prstGeom>
+          <a:prstGeom prst="rect"/>
         </p:spPr>
       </p:pic>
       <p:sp>
         <p:nvSpPr>
-          <p:cNvPr id="8" name="object 8"/>
+          <p:cNvPr id="1048627" name="object 8"/>
           <p:cNvSpPr txBox="1">
             <a:spLocks noGrp="1"/>
           </p:cNvSpPr>
@@ -6857,15 +6738,12 @@
           </p:nvPr>
         </p:nvSpPr>
         <p:spPr>
-          <a:prstGeom prst="rect">
-            <a:avLst/>
-          </a:prstGeom>
-        </p:spPr>
-        <p:txBody>
-          <a:bodyPr vert="horz" wrap="square" lIns="0" tIns="6985" rIns="0" bIns="0" rtlCol="0">
+          <a:prstGeom prst="rect"/>
+        </p:spPr>
+        <p:txBody>
+          <a:bodyPr bIns="0" lIns="0" rIns="0" rtlCol="0" tIns="6985" vert="horz" wrap="square">
             <a:spAutoFit/>
           </a:bodyPr>
-          <a:lstStyle/>
           <a:p>
             <a:pPr marL="38100">
               <a:lnSpc>
@@ -6876,10 +6754,48 @@
               </a:spcBef>
             </a:pPr>
             <a:fld id="{81D60167-4931-47E6-BA6A-407CBD079E47}" type="slidenum">
-              <a:rPr spc="10" dirty="0"/>
+              <a:rPr dirty="0" spc="10"/>
               <a:t>6</a:t>
             </a:fld>
-            <a:endParaRPr spc="10" dirty="0"/>
+            <a:endParaRPr dirty="0" spc="10"/>
+          </a:p>
+        </p:txBody>
+      </p:sp>
+      <p:sp>
+        <p:nvSpPr>
+          <p:cNvPr id="1048707" name=""/>
+          <p:cNvSpPr txBox="1"/>
+          <p:nvPr/>
+        </p:nvSpPr>
+        <p:spPr>
+          <a:xfrm>
+            <a:off x="699451" y="1760367"/>
+            <a:ext cx="10362682" cy="4536439"/>
+          </a:xfrm>
+          <a:prstGeom prst="rect"/>
+        </p:spPr>
+        <p:txBody>
+          <a:bodyPr rtlCol="0" wrap="square">
+            <a:spAutoFit/>
+          </a:bodyPr>
+          <a:p>
+            <a:r>
+              <a:rPr sz="2800" lang="en-GB">
+                <a:solidFill>
+                  <a:srgbClr val="000000"/>
+                </a:solidFill>
+              </a:rPr>
+              <a:t>To identify the end users, it would help to know more about your project. Generally, end users are the individuals or groups who will directly use the product or service. They could include:
+- **Customers:** Those who purchase or use the product.
+- **Employees:** Users within an organization who utilize the system.
+- **Stakeholders:** Any group with a vested interest in the project, including management or investors.
+Please share specifics about your project for a more tailored response.</a:t>
+            </a:r>
+            <a:endParaRPr sz="2800" lang="en-GB">
+              <a:solidFill>
+                <a:srgbClr val="000000"/>
+              </a:solidFill>
+            </a:endParaRPr>
           </a:p>
         </p:txBody>
       </p:sp>
@@ -6896,7 +6812,7 @@
   <p:cSld>
     <p:spTree>
       <p:nvGrpSpPr>
-        <p:cNvPr id="1" name=""/>
+        <p:cNvPr id="32" name=""/>
         <p:cNvGrpSpPr/>
         <p:nvPr/>
       </p:nvGrpSpPr>
@@ -6910,12 +6826,14 @@
       </p:grpSpPr>
       <p:pic>
         <p:nvPicPr>
-          <p:cNvPr id="2" name="object 2"/>
-          <p:cNvPicPr/>
+          <p:cNvPr id="2097162" name="object 2"/>
+          <p:cNvPicPr>
+            <a:picLocks/>
+          </p:cNvPicPr>
           <p:nvPr/>
         </p:nvPicPr>
         <p:blipFill>
-          <a:blip r:embed="rId2" cstate="print"/>
+          <a:blip xmlns:r="http://schemas.openxmlformats.org/officeDocument/2006/relationships" r:embed="rId1" cstate="print"/>
           <a:stretch>
             <a:fillRect/>
           </a:stretch>
@@ -6925,14 +6843,12 @@
             <a:off x="0" y="1476375"/>
             <a:ext cx="2695574" cy="3248025"/>
           </a:xfrm>
-          <a:prstGeom prst="rect">
-            <a:avLst/>
-          </a:prstGeom>
+          <a:prstGeom prst="rect"/>
         </p:spPr>
       </p:pic>
       <p:sp>
         <p:nvSpPr>
-          <p:cNvPr id="3" name="object 3"/>
+          <p:cNvPr id="1048645" name="object 3"/>
           <p:cNvSpPr/>
           <p:nvPr/>
         </p:nvSpPr>
@@ -6943,9 +6859,7 @@
           </a:xfrm>
           <a:custGeom>
             <a:avLst/>
-            <a:gdLst/>
             <a:ahLst/>
-            <a:cxnLst/>
             <a:rect l="l" t="t" r="r" b="b"/>
             <a:pathLst>
               <a:path w="457200" h="457200">
@@ -6973,16 +6887,13 @@
           </a:solidFill>
         </p:spPr>
         <p:txBody>
-          <a:bodyPr wrap="square" lIns="0" tIns="0" rIns="0" bIns="0" rtlCol="0"/>
-          <a:lstStyle/>
-          <a:p>
-            <a:endParaRPr/>
-          </a:p>
-        </p:txBody>
-      </p:sp>
-      <p:sp>
-        <p:nvSpPr>
-          <p:cNvPr id="4" name="object 4"/>
+          <a:bodyPr bIns="0" lIns="0" rIns="0" rtlCol="0" tIns="0" wrap="square"/>
+          <a:p/>
+        </p:txBody>
+      </p:sp>
+      <p:sp>
+        <p:nvSpPr>
+          <p:cNvPr id="1048646" name="object 4"/>
           <p:cNvSpPr/>
           <p:nvPr/>
         </p:nvSpPr>
@@ -6993,9 +6904,7 @@
           </a:xfrm>
           <a:custGeom>
             <a:avLst/>
-            <a:gdLst/>
             <a:ahLst/>
-            <a:cxnLst/>
             <a:rect l="l" t="t" r="r" b="b"/>
             <a:pathLst>
               <a:path w="314325" h="323850">
@@ -7023,16 +6932,13 @@
           </a:solidFill>
         </p:spPr>
         <p:txBody>
-          <a:bodyPr wrap="square" lIns="0" tIns="0" rIns="0" bIns="0" rtlCol="0"/>
-          <a:lstStyle/>
-          <a:p>
-            <a:endParaRPr/>
-          </a:p>
-        </p:txBody>
-      </p:sp>
-      <p:sp>
-        <p:nvSpPr>
-          <p:cNvPr id="5" name="object 5"/>
+          <a:bodyPr bIns="0" lIns="0" rIns="0" rtlCol="0" tIns="0" wrap="square"/>
+          <a:p/>
+        </p:txBody>
+      </p:sp>
+      <p:sp>
+        <p:nvSpPr>
+          <p:cNvPr id="1048647" name="object 5"/>
           <p:cNvSpPr/>
           <p:nvPr/>
         </p:nvSpPr>
@@ -7043,9 +6949,7 @@
           </a:xfrm>
           <a:custGeom>
             <a:avLst/>
-            <a:gdLst/>
             <a:ahLst/>
-            <a:cxnLst/>
             <a:rect l="l" t="t" r="r" b="b"/>
             <a:pathLst>
               <a:path w="180975" h="180975">
@@ -7073,16 +6977,13 @@
           </a:solidFill>
         </p:spPr>
         <p:txBody>
-          <a:bodyPr wrap="square" lIns="0" tIns="0" rIns="0" bIns="0" rtlCol="0"/>
-          <a:lstStyle/>
-          <a:p>
-            <a:endParaRPr/>
-          </a:p>
-        </p:txBody>
-      </p:sp>
-      <p:sp>
-        <p:nvSpPr>
-          <p:cNvPr id="6" name="object 6"/>
+          <a:bodyPr bIns="0" lIns="0" rIns="0" rtlCol="0" tIns="0" wrap="square"/>
+          <a:p/>
+        </p:txBody>
+      </p:sp>
+      <p:sp>
+        <p:nvSpPr>
+          <p:cNvPr id="1048648" name="object 6"/>
           <p:cNvSpPr txBox="1">
             <a:spLocks noGrp="1"/>
           </p:cNvSpPr>
@@ -7095,15 +6996,12 @@
             <a:off x="558165" y="857885"/>
             <a:ext cx="9763125" cy="575310"/>
           </a:xfrm>
-          <a:prstGeom prst="rect">
-            <a:avLst/>
-          </a:prstGeom>
-        </p:spPr>
-        <p:txBody>
-          <a:bodyPr vert="horz" wrap="square" lIns="0" tIns="13335" rIns="0" bIns="0" rtlCol="0">
+          <a:prstGeom prst="rect"/>
+        </p:spPr>
+        <p:txBody>
+          <a:bodyPr bIns="0" lIns="0" rIns="0" rtlCol="0" tIns="13335" vert="horz" wrap="square">
             <a:spAutoFit/>
           </a:bodyPr>
-          <a:lstStyle/>
           <a:p>
             <a:pPr marL="12700">
               <a:lnSpc>
@@ -7114,147 +7012,147 @@
               </a:spcBef>
             </a:pPr>
             <a:r>
-              <a:rPr sz="3600" spc="10" dirty="0"/>
+              <a:rPr dirty="0" sz="3600" spc="10"/>
               <a:t>O</a:t>
             </a:r>
             <a:r>
-              <a:rPr sz="3600" spc="25" dirty="0"/>
+              <a:rPr dirty="0" sz="3600" spc="25"/>
               <a:t>U</a:t>
             </a:r>
             <a:r>
-              <a:rPr sz="3600" dirty="0"/>
+              <a:rPr dirty="0" sz="3600"/>
               <a:t>R</a:t>
             </a:r>
             <a:r>
-              <a:rPr sz="3600" spc="5" dirty="0"/>
+              <a:rPr dirty="0" sz="3600" spc="5"/>
               <a:t> </a:t>
             </a:r>
             <a:r>
-              <a:rPr sz="3600" spc="25" dirty="0"/>
+              <a:rPr dirty="0" sz="3600" spc="25"/>
               <a:t>S</a:t>
             </a:r>
             <a:r>
-              <a:rPr sz="3600" spc="10" dirty="0"/>
+              <a:rPr dirty="0" sz="3600" spc="10"/>
               <a:t>O</a:t>
             </a:r>
             <a:r>
-              <a:rPr sz="3600" spc="25" dirty="0"/>
+              <a:rPr dirty="0" sz="3600" spc="25"/>
               <a:t>LU</a:t>
             </a:r>
             <a:r>
-              <a:rPr sz="3600" spc="-35" dirty="0"/>
+              <a:rPr dirty="0" sz="3600" spc="-35"/>
               <a:t>T</a:t>
             </a:r>
             <a:r>
-              <a:rPr sz="3600" spc="-30" dirty="0"/>
+              <a:rPr dirty="0" sz="3600" spc="-30"/>
               <a:t>I</a:t>
             </a:r>
             <a:r>
-              <a:rPr sz="3600" spc="10" dirty="0"/>
+              <a:rPr dirty="0" sz="3600" spc="10"/>
               <a:t>O</a:t>
             </a:r>
             <a:r>
-              <a:rPr sz="3600" dirty="0"/>
+              <a:rPr dirty="0" sz="3600"/>
               <a:t>N</a:t>
             </a:r>
             <a:r>
-              <a:rPr sz="3600" spc="-345" dirty="0"/>
+              <a:rPr dirty="0" sz="3600" spc="-345"/>
               <a:t> </a:t>
             </a:r>
             <a:r>
-              <a:rPr sz="3600" spc="-35" dirty="0"/>
+              <a:rPr dirty="0" sz="3600" spc="-35"/>
               <a:t>A</a:t>
             </a:r>
             <a:r>
-              <a:rPr sz="3600" spc="-5" dirty="0"/>
+              <a:rPr dirty="0" sz="3600" spc="-5"/>
               <a:t>N</a:t>
             </a:r>
             <a:r>
-              <a:rPr sz="3600" dirty="0"/>
+              <a:rPr dirty="0" sz="3600"/>
               <a:t>D</a:t>
             </a:r>
             <a:r>
-              <a:rPr sz="3600" spc="35" dirty="0"/>
+              <a:rPr dirty="0" sz="3600" spc="35"/>
               <a:t> </a:t>
             </a:r>
             <a:r>
-              <a:rPr sz="3600" spc="-30" dirty="0"/>
+              <a:rPr dirty="0" sz="3600" spc="-30"/>
               <a:t>I</a:t>
             </a:r>
             <a:r>
-              <a:rPr sz="3600" spc="-35" dirty="0"/>
+              <a:rPr dirty="0" sz="3600" spc="-35"/>
               <a:t>T</a:t>
             </a:r>
             <a:r>
-              <a:rPr sz="3600" dirty="0"/>
+              <a:rPr dirty="0" sz="3600"/>
               <a:t>S</a:t>
             </a:r>
             <a:r>
-              <a:rPr sz="3600" spc="60" dirty="0"/>
+              <a:rPr dirty="0" sz="3600" spc="60"/>
               <a:t> </a:t>
             </a:r>
             <a:r>
-              <a:rPr sz="3600" spc="-295" dirty="0"/>
+              <a:rPr dirty="0" sz="3600" spc="-295"/>
               <a:t>V</a:t>
             </a:r>
             <a:r>
-              <a:rPr sz="3600" spc="-35" dirty="0"/>
+              <a:rPr dirty="0" sz="3600" spc="-35"/>
               <a:t>A</a:t>
             </a:r>
             <a:r>
-              <a:rPr sz="3600" spc="25" dirty="0"/>
+              <a:rPr dirty="0" sz="3600" spc="25"/>
               <a:t>LU</a:t>
             </a:r>
             <a:r>
-              <a:rPr sz="3600" dirty="0"/>
+              <a:rPr dirty="0" sz="3600"/>
               <a:t>E</a:t>
             </a:r>
             <a:r>
-              <a:rPr sz="3600" spc="-65" dirty="0"/>
+              <a:rPr dirty="0" sz="3600" spc="-65"/>
               <a:t> </a:t>
             </a:r>
             <a:r>
-              <a:rPr sz="3600" spc="-15" dirty="0"/>
+              <a:rPr dirty="0" sz="3600" spc="-15"/>
               <a:t>P</a:t>
             </a:r>
             <a:r>
-              <a:rPr sz="3600" spc="-30" dirty="0"/>
+              <a:rPr dirty="0" sz="3600" spc="-30"/>
               <a:t>R</a:t>
             </a:r>
             <a:r>
-              <a:rPr sz="3600" spc="10" dirty="0"/>
+              <a:rPr dirty="0" sz="3600" spc="10"/>
               <a:t>O</a:t>
             </a:r>
             <a:r>
-              <a:rPr sz="3600" spc="-15" dirty="0"/>
+              <a:rPr dirty="0" sz="3600" spc="-15"/>
               <a:t>P</a:t>
             </a:r>
             <a:r>
-              <a:rPr sz="3600" spc="10" dirty="0"/>
+              <a:rPr dirty="0" sz="3600" spc="10"/>
               <a:t>O</a:t>
             </a:r>
             <a:r>
-              <a:rPr sz="3600" spc="25" dirty="0"/>
+              <a:rPr dirty="0" sz="3600" spc="25"/>
               <a:t>S</a:t>
             </a:r>
             <a:r>
-              <a:rPr sz="3600" spc="-30" dirty="0"/>
+              <a:rPr dirty="0" sz="3600" spc="-30"/>
               <a:t>I</a:t>
             </a:r>
             <a:r>
-              <a:rPr sz="3600" spc="-35" dirty="0"/>
+              <a:rPr dirty="0" sz="3600" spc="-35"/>
               <a:t>T</a:t>
             </a:r>
             <a:r>
-              <a:rPr sz="3600" spc="-30" dirty="0"/>
+              <a:rPr dirty="0" sz="3600" spc="-30"/>
               <a:t>I</a:t>
             </a:r>
             <a:r>
-              <a:rPr sz="3600" spc="10" dirty="0"/>
+              <a:rPr dirty="0" sz="3600" spc="10"/>
               <a:t>O</a:t>
             </a:r>
             <a:r>
-              <a:rPr sz="3600" dirty="0"/>
+              <a:rPr dirty="0" sz="3600"/>
               <a:t>N</a:t>
             </a:r>
           </a:p>
@@ -7262,12 +7160,14 @@
       </p:sp>
       <p:pic>
         <p:nvPicPr>
-          <p:cNvPr id="7" name="object 7"/>
-          <p:cNvPicPr/>
+          <p:cNvPr id="2097163" name="object 7"/>
+          <p:cNvPicPr>
+            <a:picLocks/>
+          </p:cNvPicPr>
           <p:nvPr/>
         </p:nvPicPr>
         <p:blipFill>
-          <a:blip r:embed="rId3" cstate="print"/>
+          <a:blip xmlns:r="http://schemas.openxmlformats.org/officeDocument/2006/relationships" r:embed="rId2" cstate="print"/>
           <a:stretch>
             <a:fillRect/>
           </a:stretch>
@@ -7277,14 +7177,12 @@
             <a:off x="676275" y="6467475"/>
             <a:ext cx="2143125" cy="200025"/>
           </a:xfrm>
-          <a:prstGeom prst="rect">
-            <a:avLst/>
-          </a:prstGeom>
+          <a:prstGeom prst="rect"/>
         </p:spPr>
       </p:pic>
       <p:sp>
         <p:nvSpPr>
-          <p:cNvPr id="9" name="object 9"/>
+          <p:cNvPr id="1048649" name="object 9"/>
           <p:cNvSpPr txBox="1">
             <a:spLocks noGrp="1"/>
           </p:cNvSpPr>
@@ -7293,15 +7191,12 @@
           </p:nvPr>
         </p:nvSpPr>
         <p:spPr>
-          <a:prstGeom prst="rect">
-            <a:avLst/>
-          </a:prstGeom>
-        </p:spPr>
-        <p:txBody>
-          <a:bodyPr vert="horz" wrap="square" lIns="0" tIns="6985" rIns="0" bIns="0" rtlCol="0">
+          <a:prstGeom prst="rect"/>
+        </p:spPr>
+        <p:txBody>
+          <a:bodyPr bIns="0" lIns="0" rIns="0" rtlCol="0" tIns="6985" vert="horz" wrap="square">
             <a:spAutoFit/>
           </a:bodyPr>
-          <a:lstStyle/>
           <a:p>
             <a:pPr marL="38100">
               <a:lnSpc>
@@ -7312,10 +7207,52 @@
               </a:spcBef>
             </a:pPr>
             <a:fld id="{81D60167-4931-47E6-BA6A-407CBD079E47}" type="slidenum">
-              <a:rPr spc="10" dirty="0"/>
+              <a:rPr dirty="0" spc="10"/>
               <a:t>7</a:t>
             </a:fld>
-            <a:endParaRPr spc="10" dirty="0"/>
+            <a:endParaRPr dirty="0" spc="10"/>
+          </a:p>
+        </p:txBody>
+      </p:sp>
+      <p:sp>
+        <p:nvSpPr>
+          <p:cNvPr id="1048708" name=""/>
+          <p:cNvSpPr txBox="1"/>
+          <p:nvPr/>
+        </p:nvSpPr>
+        <p:spPr>
+          <a:xfrm>
+            <a:off x="2704078" y="1476375"/>
+            <a:ext cx="9255858" cy="12092940"/>
+          </a:xfrm>
+          <a:prstGeom prst="rect"/>
+        </p:spPr>
+        <p:txBody>
+          <a:bodyPr rtlCol="0" wrap="square">
+            <a:spAutoFit/>
+          </a:bodyPr>
+          <a:p>
+            <a:r>
+              <a:rPr sz="2800" lang="en-GB">
+                <a:solidFill>
+                  <a:srgbClr val="000000"/>
+                </a:solidFill>
+              </a:rPr>
+              <a:t>To craft a compelling value proposition for your solution, consider the following structure:
+1. **Problem Addressed:** Clearly define the specific problem your solution solves for the end users.
+2. **Unique Features:** Highlight what makes your solution distinct compared to existing options. This could be innovative technology, unique functionality, or superior user experience.
+3. **Benefits:** Explain the tangible benefits users will experience, such as time savings, cost reduction, improved efficiency, or enhanced satisfaction.
+4. **Target Audience:** Specify who will benefit most from your solution.
+For example:
+**Our Solution:** [Brief description of your product/service]
+**Value Proposition:** Our solution addresses [specific problem] by offering [unique features], which leads to [key benefits]. This is particularly valuable for [target audience], as it allows them to [specific outcome]. 
+Feel free to share more details for a more specific formulation!</a:t>
+            </a:r>
+            <a:endParaRPr sz="2800" lang="en-GB">
+              <a:solidFill>
+                <a:srgbClr val="000000"/>
+              </a:solidFill>
+            </a:endParaRPr>
           </a:p>
         </p:txBody>
       </p:sp>
@@ -7332,7 +7269,7 @@
   <p:cSld>
     <p:spTree>
       <p:nvGrpSpPr>
-        <p:cNvPr id="1" name=""/>
+        <p:cNvPr id="38" name=""/>
         <p:cNvGrpSpPr/>
         <p:nvPr/>
       </p:nvGrpSpPr>
@@ -7346,13 +7283,7 @@
       </p:grpSpPr>
       <p:sp>
         <p:nvSpPr>
-          <p:cNvPr id="2" name="Title 1">
-            <a:extLst>
-              <a:ext uri="{FF2B5EF4-FFF2-40B4-BE49-F238E27FC236}">
-                <a16:creationId xmlns:a16="http://schemas.microsoft.com/office/drawing/2014/main" id="{6E06195E-16D6-79D8-7A9F-F8EB1FE9E212}"/>
-              </a:ext>
-            </a:extLst>
-          </p:cNvPr>
+          <p:cNvPr id="1048665" name="Title 1"/>
           <p:cNvSpPr>
             <a:spLocks noGrp="1"/>
           </p:cNvSpPr>
@@ -7360,24 +7291,66 @@
             <p:ph type="title"/>
           </p:nvPr>
         </p:nvSpPr>
-        <p:spPr/>
+        <p:spPr>
+          <a:xfrm>
+            <a:off x="755332" y="385444"/>
+            <a:ext cx="10681335" cy="787400"/>
+          </a:xfrm>
+        </p:spPr>
         <p:txBody>
           <a:bodyPr/>
-          <a:lstStyle/>
           <a:p>
             <a:r>
-              <a:rPr lang="en-IN" dirty="0"/>
+              <a:rPr dirty="0" lang="en-IN"/>
               <a:t>Dataset Description</a:t>
             </a:r>
           </a:p>
         </p:txBody>
       </p:sp>
+      <p:sp>
+        <p:nvSpPr>
+          <p:cNvPr id="1048709" name=""/>
+          <p:cNvSpPr txBox="1"/>
+          <p:nvPr/>
+        </p:nvSpPr>
+        <p:spPr>
+          <a:xfrm>
+            <a:off x="640771" y="1172843"/>
+            <a:ext cx="11209194" cy="10314940"/>
+          </a:xfrm>
+          <a:prstGeom prst="rect"/>
+        </p:spPr>
+        <p:txBody>
+          <a:bodyPr rtlCol="0" wrap="square">
+            <a:spAutoFit/>
+          </a:bodyPr>
+          <a:p>
+            <a:r>
+              <a:rPr sz="2800" lang="en-GB">
+                <a:solidFill>
+                  <a:srgbClr val="000000"/>
+                </a:solidFill>
+              </a:rPr>
+              <a:t>To create a dataset description, you should include the following components:
+1. **Title:** A clear title for the dataset.
+2. **Description:** A brief overview of what the dataset is about, including its purpose and context.
+3. **Source:** Where the data comes from (e.g., surveys, databases, sensors).
+4. **Size:** The number of records and features in the dataset.
+5. **Variables:** A list of key variables or features included in the dataset, along with brief descriptions of each.
+6. **Data Format:** The format of the dataset (e.g., CSV, JSON, SQL).
+7. **Timeframe:** The period during which the data was collected.
+8. **Access and Licensing:** Information on how to access the dataset and any licensing restrictions.
+If you provide specific details about your dataset, I can help you draft a more tailored description!</a:t>
+            </a:r>
+            <a:endParaRPr sz="2800" lang="en-GB">
+              <a:solidFill>
+                <a:srgbClr val="000000"/>
+              </a:solidFill>
+            </a:endParaRPr>
+          </a:p>
+        </p:txBody>
+      </p:sp>
     </p:spTree>
-    <p:extLst>
-      <p:ext uri="{BB962C8B-B14F-4D97-AF65-F5344CB8AC3E}">
-        <p14:creationId xmlns:p14="http://schemas.microsoft.com/office/powerpoint/2010/main" val="2720660618"/>
-      </p:ext>
-    </p:extLst>
   </p:cSld>
   <p:clrMapOvr>
     <a:masterClrMapping/>
@@ -7390,7 +7363,7 @@
   <p:cSld>
     <p:spTree>
       <p:nvGrpSpPr>
-        <p:cNvPr id="1" name=""/>
+        <p:cNvPr id="39" name=""/>
         <p:cNvGrpSpPr/>
         <p:nvPr/>
       </p:nvGrpSpPr>
@@ -7404,7 +7377,7 @@
       </p:grpSpPr>
       <p:sp>
         <p:nvSpPr>
-          <p:cNvPr id="2" name="object 2"/>
+          <p:cNvPr id="1048666" name="object 2"/>
           <p:cNvSpPr txBox="1"/>
           <p:nvPr/>
         </p:nvSpPr>
@@ -7413,15 +7386,12 @@
             <a:off x="752475" y="6486037"/>
             <a:ext cx="1773555" cy="166370"/>
           </a:xfrm>
-          <a:prstGeom prst="rect">
-            <a:avLst/>
-          </a:prstGeom>
-        </p:spPr>
-        <p:txBody>
-          <a:bodyPr vert="horz" wrap="square" lIns="0" tIns="0" rIns="0" bIns="0" rtlCol="0">
+          <a:prstGeom prst="rect"/>
+        </p:spPr>
+        <p:txBody>
+          <a:bodyPr bIns="0" lIns="0" rIns="0" rtlCol="0" tIns="0" vert="horz" wrap="square">
             <a:spAutoFit/>
           </a:bodyPr>
-          <a:lstStyle/>
           <a:p>
             <a:pPr>
               <a:lnSpc>
@@ -7429,7 +7399,7 @@
               </a:lnSpc>
             </a:pPr>
             <a:r>
-              <a:rPr sz="1100" spc="20" dirty="0">
+              <a:rPr dirty="0" sz="1100" spc="20">
                 <a:solidFill>
                   <a:srgbClr val="2D83C3"/>
                 </a:solidFill>
@@ -7439,7 +7409,7 @@
               <a:t>3/21/202</a:t>
             </a:r>
             <a:r>
-              <a:rPr sz="1100" spc="10" dirty="0">
+              <a:rPr dirty="0" sz="1100" spc="10">
                 <a:solidFill>
                   <a:srgbClr val="2D83C3"/>
                 </a:solidFill>
@@ -7449,7 +7419,7 @@
               <a:t>4</a:t>
             </a:r>
             <a:r>
-              <a:rPr sz="1100" dirty="0">
+              <a:rPr dirty="0" sz="1100">
                 <a:solidFill>
                   <a:srgbClr val="2D83C3"/>
                 </a:solidFill>
@@ -7459,7 +7429,7 @@
               <a:t> </a:t>
             </a:r>
             <a:r>
-              <a:rPr sz="1100" spc="130" dirty="0">
+              <a:rPr dirty="0" sz="1100" spc="130">
                 <a:solidFill>
                   <a:srgbClr val="2D83C3"/>
                 </a:solidFill>
@@ -7469,7 +7439,7 @@
               <a:t> </a:t>
             </a:r>
             <a:r>
-              <a:rPr sz="1100" b="1" spc="50" dirty="0">
+              <a:rPr b="1" dirty="0" sz="1100" spc="50">
                 <a:solidFill>
                   <a:srgbClr val="2D83C3"/>
                 </a:solidFill>
@@ -7479,7 +7449,7 @@
               <a:t>A</a:t>
             </a:r>
             <a:r>
-              <a:rPr sz="1100" b="1" spc="15" dirty="0">
+              <a:rPr b="1" dirty="0" sz="1100" spc="15">
                 <a:solidFill>
                   <a:srgbClr val="2D83C3"/>
                 </a:solidFill>
@@ -7489,7 +7459,7 @@
               <a:t>nnu</a:t>
             </a:r>
             <a:r>
-              <a:rPr sz="1100" b="1" spc="10" dirty="0">
+              <a:rPr b="1" dirty="0" sz="1100" spc="10">
                 <a:solidFill>
                   <a:srgbClr val="2D83C3"/>
                 </a:solidFill>
@@ -7499,7 +7469,7 @@
               <a:t>al</a:t>
             </a:r>
             <a:r>
-              <a:rPr sz="1100" b="1" spc="-140" dirty="0">
+              <a:rPr b="1" dirty="0" sz="1100" spc="-140">
                 <a:solidFill>
                   <a:srgbClr val="2D83C3"/>
                 </a:solidFill>
@@ -7509,7 +7479,7 @@
               <a:t> </a:t>
             </a:r>
             <a:r>
-              <a:rPr sz="1100" b="1" dirty="0">
+              <a:rPr b="1" dirty="0" sz="1100">
                 <a:solidFill>
                   <a:srgbClr val="2D83C3"/>
                 </a:solidFill>
@@ -7519,7 +7489,7 @@
               <a:t>R</a:t>
             </a:r>
             <a:r>
-              <a:rPr sz="1100" b="1" spc="35" dirty="0">
+              <a:rPr b="1" dirty="0" sz="1100" spc="35">
                 <a:solidFill>
                   <a:srgbClr val="2D83C3"/>
                 </a:solidFill>
@@ -7529,7 +7499,7 @@
               <a:t>e</a:t>
             </a:r>
             <a:r>
-              <a:rPr sz="1100" b="1" spc="90" dirty="0">
+              <a:rPr b="1" dirty="0" sz="1100" spc="90">
                 <a:solidFill>
                   <a:srgbClr val="2D83C3"/>
                 </a:solidFill>
@@ -7539,7 +7509,7 @@
               <a:t>v</a:t>
             </a:r>
             <a:r>
-              <a:rPr sz="1100" b="1" spc="-35" dirty="0">
+              <a:rPr b="1" dirty="0" sz="1100" spc="-35">
                 <a:solidFill>
                   <a:srgbClr val="2D83C3"/>
                 </a:solidFill>
@@ -7549,7 +7519,7 @@
               <a:t>i</a:t>
             </a:r>
             <a:r>
-              <a:rPr sz="1100" b="1" spc="35" dirty="0">
+              <a:rPr b="1" dirty="0" sz="1100" spc="35">
                 <a:solidFill>
                   <a:srgbClr val="2D83C3"/>
                 </a:solidFill>
@@ -7559,7 +7529,7 @@
               <a:t>e</a:t>
             </a:r>
             <a:r>
-              <a:rPr sz="1100" b="1" spc="15" dirty="0">
+              <a:rPr b="1" dirty="0" sz="1100" spc="15">
                 <a:solidFill>
                   <a:srgbClr val="2D83C3"/>
                 </a:solidFill>
@@ -7577,7 +7547,7 @@
       </p:sp>
       <p:sp>
         <p:nvSpPr>
-          <p:cNvPr id="3" name="object 3"/>
+          <p:cNvPr id="1048667" name="object 3"/>
           <p:cNvSpPr/>
           <p:nvPr/>
         </p:nvSpPr>
@@ -7588,9 +7558,7 @@
           </a:xfrm>
           <a:custGeom>
             <a:avLst/>
-            <a:gdLst/>
             <a:ahLst/>
-            <a:cxnLst/>
             <a:rect l="l" t="t" r="r" b="b"/>
             <a:pathLst>
               <a:path w="457200" h="457200">
@@ -7618,16 +7586,13 @@
           </a:solidFill>
         </p:spPr>
         <p:txBody>
-          <a:bodyPr wrap="square" lIns="0" tIns="0" rIns="0" bIns="0" rtlCol="0"/>
-          <a:lstStyle/>
-          <a:p>
-            <a:endParaRPr/>
-          </a:p>
-        </p:txBody>
-      </p:sp>
-      <p:sp>
-        <p:nvSpPr>
-          <p:cNvPr id="4" name="object 4"/>
+          <a:bodyPr bIns="0" lIns="0" rIns="0" rtlCol="0" tIns="0" wrap="square"/>
+          <a:p/>
+        </p:txBody>
+      </p:sp>
+      <p:sp>
+        <p:nvSpPr>
+          <p:cNvPr id="1048668" name="object 4"/>
           <p:cNvSpPr/>
           <p:nvPr/>
         </p:nvSpPr>
@@ -7638,9 +7603,7 @@
           </a:xfrm>
           <a:custGeom>
             <a:avLst/>
-            <a:gdLst/>
             <a:ahLst/>
-            <a:cxnLst/>
             <a:rect l="l" t="t" r="r" b="b"/>
             <a:pathLst>
               <a:path w="314325" h="323850">
@@ -7668,16 +7631,13 @@
           </a:solidFill>
         </p:spPr>
         <p:txBody>
-          <a:bodyPr wrap="square" lIns="0" tIns="0" rIns="0" bIns="0" rtlCol="0"/>
-          <a:lstStyle/>
-          <a:p>
-            <a:endParaRPr/>
-          </a:p>
-        </p:txBody>
-      </p:sp>
-      <p:sp>
-        <p:nvSpPr>
-          <p:cNvPr id="5" name="object 5"/>
+          <a:bodyPr bIns="0" lIns="0" rIns="0" rtlCol="0" tIns="0" wrap="square"/>
+          <a:p/>
+        </p:txBody>
+      </p:sp>
+      <p:sp>
+        <p:nvSpPr>
+          <p:cNvPr id="1048669" name="object 5"/>
           <p:cNvSpPr/>
           <p:nvPr/>
         </p:nvSpPr>
@@ -7688,9 +7648,7 @@
           </a:xfrm>
           <a:custGeom>
             <a:avLst/>
-            <a:gdLst/>
             <a:ahLst/>
-            <a:cxnLst/>
             <a:rect l="l" t="t" r="r" b="b"/>
             <a:pathLst>
               <a:path w="180975" h="180975">
@@ -7718,21 +7676,20 @@
           </a:solidFill>
         </p:spPr>
         <p:txBody>
-          <a:bodyPr wrap="square" lIns="0" tIns="0" rIns="0" bIns="0" rtlCol="0"/>
-          <a:lstStyle/>
-          <a:p>
-            <a:endParaRPr/>
-          </a:p>
+          <a:bodyPr bIns="0" lIns="0" rIns="0" rtlCol="0" tIns="0" wrap="square"/>
+          <a:p/>
         </p:txBody>
       </p:sp>
       <p:pic>
         <p:nvPicPr>
-          <p:cNvPr id="6" name="object 6"/>
-          <p:cNvPicPr/>
+          <p:cNvPr id="2097165" name="object 6"/>
+          <p:cNvPicPr>
+            <a:picLocks/>
+          </p:cNvPicPr>
           <p:nvPr/>
         </p:nvPicPr>
         <p:blipFill>
-          <a:blip r:embed="rId2" cstate="print"/>
+          <a:blip xmlns:r="http://schemas.openxmlformats.org/officeDocument/2006/relationships" r:embed="rId1" cstate="print"/>
           <a:stretch>
             <a:fillRect/>
           </a:stretch>
@@ -7742,14 +7699,12 @@
             <a:off x="66675" y="3381373"/>
             <a:ext cx="2466975" cy="3419475"/>
           </a:xfrm>
-          <a:prstGeom prst="rect">
-            <a:avLst/>
-          </a:prstGeom>
+          <a:prstGeom prst="rect"/>
         </p:spPr>
       </p:pic>
       <p:sp>
         <p:nvSpPr>
-          <p:cNvPr id="7" name="object 7"/>
+          <p:cNvPr id="1048670" name="object 7"/>
           <p:cNvSpPr txBox="1">
             <a:spLocks noGrp="1"/>
           </p:cNvSpPr>
@@ -7760,17 +7715,14 @@
         <p:spPr>
           <a:xfrm>
             <a:off x="739775" y="654938"/>
-            <a:ext cx="8480425" cy="670696"/>
-          </a:xfrm>
-          <a:prstGeom prst="rect">
-            <a:avLst/>
-          </a:prstGeom>
-        </p:spPr>
-        <p:txBody>
-          <a:bodyPr vert="horz" wrap="square" lIns="0" tIns="16510" rIns="0" bIns="0" rtlCol="0">
+            <a:ext cx="8480425" cy="702310"/>
+          </a:xfrm>
+          <a:prstGeom prst="rect"/>
+        </p:spPr>
+        <p:txBody>
+          <a:bodyPr bIns="0" lIns="0" rIns="0" rtlCol="0" tIns="16510" vert="horz" wrap="square">
             <a:spAutoFit/>
           </a:bodyPr>
-          <a:lstStyle/>
           <a:p>
             <a:pPr marL="12700">
               <a:lnSpc>
@@ -7781,56 +7733,56 @@
               </a:spcBef>
             </a:pPr>
             <a:r>
-              <a:rPr sz="4250" spc="15" dirty="0"/>
+              <a:rPr dirty="0" sz="4250" spc="15"/>
               <a:t>THE</a:t>
             </a:r>
             <a:r>
-              <a:rPr sz="4250" spc="20" dirty="0"/>
+              <a:rPr dirty="0" sz="4250" spc="20"/>
               <a:t> </a:t>
             </a:r>
             <a:r>
-              <a:rPr lang="en-US" sz="4250" spc="20" dirty="0"/>
+              <a:rPr dirty="0" sz="4250" lang="en-US" spc="20"/>
               <a:t>"</a:t>
             </a:r>
             <a:r>
-              <a:rPr sz="4250" spc="10" dirty="0"/>
+              <a:rPr dirty="0" sz="4250" spc="10"/>
               <a:t>WOW</a:t>
             </a:r>
             <a:r>
-              <a:rPr lang="en-US" sz="4250" spc="10" dirty="0"/>
+              <a:rPr dirty="0" sz="4250" lang="en-US" spc="10"/>
               <a:t>"</a:t>
             </a:r>
             <a:r>
-              <a:rPr sz="4250" spc="85" dirty="0"/>
+              <a:rPr dirty="0" sz="4250" spc="85"/>
               <a:t> </a:t>
             </a:r>
             <a:r>
-              <a:rPr sz="4250" spc="10" dirty="0"/>
+              <a:rPr dirty="0" sz="4250" spc="10"/>
               <a:t>IN</a:t>
             </a:r>
             <a:r>
-              <a:rPr sz="4250" spc="-5" dirty="0"/>
+              <a:rPr dirty="0" sz="4250" spc="-5"/>
               <a:t> </a:t>
             </a:r>
             <a:r>
-              <a:rPr sz="4250" spc="15" dirty="0"/>
+              <a:rPr dirty="0" sz="4250" spc="15"/>
               <a:t>OUR</a:t>
             </a:r>
             <a:r>
-              <a:rPr sz="4250" spc="-10" dirty="0"/>
+              <a:rPr dirty="0" sz="4250" spc="-10"/>
               <a:t> </a:t>
             </a:r>
             <a:r>
-              <a:rPr sz="4250" spc="20" dirty="0"/>
+              <a:rPr dirty="0" sz="4250" spc="20"/>
               <a:t>SOLUTION</a:t>
             </a:r>
-            <a:endParaRPr sz="4250" dirty="0"/>
+            <a:endParaRPr dirty="0" sz="4250"/>
           </a:p>
         </p:txBody>
       </p:sp>
       <p:sp>
         <p:nvSpPr>
-          <p:cNvPr id="8" name="object 8"/>
+          <p:cNvPr id="1048671" name="object 8"/>
           <p:cNvSpPr txBox="1"/>
           <p:nvPr/>
         </p:nvSpPr>
@@ -7839,15 +7791,12 @@
             <a:off x="11277218" y="6473337"/>
             <a:ext cx="228600" cy="191770"/>
           </a:xfrm>
-          <a:prstGeom prst="rect">
-            <a:avLst/>
-          </a:prstGeom>
-        </p:spPr>
-        <p:txBody>
-          <a:bodyPr vert="horz" wrap="square" lIns="0" tIns="6985" rIns="0" bIns="0" rtlCol="0">
+          <a:prstGeom prst="rect"/>
+        </p:spPr>
+        <p:txBody>
+          <a:bodyPr bIns="0" lIns="0" rIns="0" rtlCol="0" tIns="6985" vert="horz" wrap="square">
             <a:spAutoFit/>
           </a:bodyPr>
-          <a:lstStyle/>
           <a:p>
             <a:pPr marL="38100">
               <a:lnSpc>
@@ -7858,7 +7807,7 @@
               </a:spcBef>
             </a:pPr>
             <a:fld id="{81D60167-4931-47E6-BA6A-407CBD079E47}" type="slidenum">
-              <a:rPr sz="1100" spc="10" dirty="0">
+              <a:rPr dirty="0" sz="1100" spc="10">
                 <a:solidFill>
                   <a:srgbClr val="2D936B"/>
                 </a:solidFill>
@@ -7876,37 +7825,28 @@
       </p:sp>
       <p:sp>
         <p:nvSpPr>
-          <p:cNvPr id="9" name="TextBox 8">
-            <a:extLst>
-              <a:ext uri="{FF2B5EF4-FFF2-40B4-BE49-F238E27FC236}">
-                <a16:creationId xmlns:a16="http://schemas.microsoft.com/office/drawing/2014/main" id="{FAD9CEB2-36E1-0550-426B-2FAF97882044}"/>
-              </a:ext>
-            </a:extLst>
-          </p:cNvPr>
+          <p:cNvPr id="1048672" name="TextBox 8"/>
           <p:cNvSpPr txBox="1"/>
           <p:nvPr/>
         </p:nvSpPr>
         <p:spPr>
           <a:xfrm>
             <a:off x="2743200" y="2354703"/>
-            <a:ext cx="8534018" cy="954107"/>
-          </a:xfrm>
-          <a:prstGeom prst="rect">
-            <a:avLst/>
-          </a:prstGeom>
+            <a:ext cx="8534018" cy="980439"/>
+          </a:xfrm>
+          <a:prstGeom prst="rect"/>
           <a:noFill/>
         </p:spPr>
         <p:txBody>
-          <a:bodyPr wrap="square" rtlCol="0">
+          <a:bodyPr rtlCol="0" wrap="square">
             <a:spAutoFit/>
           </a:bodyPr>
-          <a:lstStyle/>
           <a:p>
             <a:pPr algn="l">
               <a:buFont typeface="Arial" panose="020B0604020202020204" pitchFamily="34" charset="0"/>
               <a:buChar char="•"/>
             </a:pPr>
-            <a:endParaRPr lang="en-US" sz="2800" b="0" i="0" dirty="0">
+            <a:endParaRPr b="0" dirty="0" sz="2800" i="0" lang="en-US">
               <a:solidFill>
                 <a:srgbClr val="0D0D0D"/>
               </a:solidFill>
@@ -7916,9 +7856,50 @@
             </a:endParaRPr>
           </a:p>
           <a:p>
-            <a:endParaRPr lang="en-IN" sz="2800" dirty="0">
+            <a:endParaRPr dirty="0" sz="2800" lang="en-IN">
               <a:latin typeface="Times New Roman" panose="02020603050405020304" pitchFamily="18" charset="0"/>
               <a:cs typeface="Times New Roman" panose="02020603050405020304" pitchFamily="18" charset="0"/>
+            </a:endParaRPr>
+          </a:p>
+        </p:txBody>
+      </p:sp>
+      <p:sp>
+        <p:nvSpPr>
+          <p:cNvPr id="1048710" name=""/>
+          <p:cNvSpPr txBox="1"/>
+          <p:nvPr/>
+        </p:nvSpPr>
+        <p:spPr>
+          <a:xfrm>
+            <a:off x="2652712" y="1357247"/>
+            <a:ext cx="9613756" cy="12537438"/>
+          </a:xfrm>
+          <a:prstGeom prst="rect"/>
+        </p:spPr>
+        <p:txBody>
+          <a:bodyPr rtlCol="0" wrap="square">
+            <a:spAutoFit/>
+          </a:bodyPr>
+          <a:p>
+            <a:r>
+              <a:rPr sz="2800" lang="en-GB">
+                <a:solidFill>
+                  <a:srgbClr val="000000"/>
+                </a:solidFill>
+              </a:rPr>
+              <a:t>To articulate the "wow" factor in your solution, consider focusing on elements that create a strong impression and differentiate your offering. Here are some key aspects to highlight:
+1. **Innovation:** Emphasize any cutting-edge technology or unique approach that sets your solution apart.
+2. **User Experience:** Highlight features that make the solution exceptionally easy, enjoyable, or efficient to use.
+3. **Impact:** Showcase significant outcomes or results that users can achieve, such as drastic time savings, increased revenue, or improved quality of life.
+4. **Testimonials or Case Studies:** Share success stories or feedback from early users that illustrate the transformative effect of your solution.
+5. **Scalability and Future Potential:** Discuss how the solution can grow and evolve with users' needs, making it a long-term investment.
+6. **Visual Appeal:** If applicable, mention any striking design or aesthetic elements that enhance user engagement.
+By focusing on these aspects, you can effectively convey the "wow" factor of your solution. If you have specific features or benefits in mind, I can help you refine this further!</a:t>
+            </a:r>
+            <a:endParaRPr sz="2800" lang="en-GB">
+              <a:solidFill>
+                <a:srgbClr val="000000"/>
+              </a:solidFill>
             </a:endParaRPr>
           </a:p>
         </p:txBody>
@@ -7936,10 +7917,10 @@
   <a:themeElements>
     <a:clrScheme name="Office">
       <a:dk1>
-        <a:sysClr val="windowText" lastClr="000000"/>
+        <a:sysClr lastClr="000000" val="windowText"/>
       </a:dk1>
       <a:lt1>
-        <a:sysClr val="window" lastClr="FFFFFF"/>
+        <a:sysClr lastClr="FFFFFF" val="window"/>
       </a:lt1>
       <a:dk2>
         <a:srgbClr val="1F497D"/>
@@ -8120,7 +8101,7 @@
       <a:effectStyleLst>
         <a:effectStyle>
           <a:effectLst>
-            <a:outerShdw blurRad="40000" dist="20000" dir="5400000" rotWithShape="0">
+            <a:outerShdw blurRad="40000" dir="5400000" dist="20000" rotWithShape="0">
               <a:srgbClr val="000000">
                 <a:alpha val="38000"/>
               </a:srgbClr>
@@ -8129,7 +8110,7 @@
         </a:effectStyle>
         <a:effectStyle>
           <a:effectLst>
-            <a:outerShdw blurRad="40000" dist="23000" dir="5400000" rotWithShape="0">
+            <a:outerShdw blurRad="40000" dir="5400000" dist="23000" rotWithShape="0">
               <a:srgbClr val="000000">
                 <a:alpha val="35000"/>
               </a:srgbClr>
@@ -8138,7 +8119,7 @@
         </a:effectStyle>
         <a:effectStyle>
           <a:effectLst>
-            <a:outerShdw blurRad="40000" dist="23000" dir="5400000" rotWithShape="0">
+            <a:outerShdw blurRad="40000" dir="5400000" dist="23000" rotWithShape="0">
               <a:srgbClr val="000000">
                 <a:alpha val="35000"/>
               </a:srgbClr>
@@ -8148,7 +8129,7 @@
             <a:camera prst="orthographicFront">
               <a:rot lat="0" lon="0" rev="0"/>
             </a:camera>
-            <a:lightRig rig="threePt" dir="t">
+            <a:lightRig dir="t" rig="threePt">
               <a:rot lat="0" lon="0" rev="1200000"/>
             </a:lightRig>
           </a:scene3d>
@@ -8209,8 +8190,6 @@
       </a:bgFillStyleLst>
     </a:fmtScheme>
   </a:themeElements>
-  <a:objectDefaults/>
-  <a:extraClrSchemeLst/>
 </a:theme>
 </file>
 
@@ -8219,10 +8198,10 @@
   <a:themeElements>
     <a:clrScheme name="Office">
       <a:dk1>
-        <a:sysClr val="windowText" lastClr="000000"/>
+        <a:sysClr lastClr="000000" val="windowText"/>
       </a:dk1>
       <a:lt1>
-        <a:sysClr val="window" lastClr="FFFFFF"/>
+        <a:sysClr lastClr="FFFFFF" val="window"/>
       </a:lt1>
       <a:dk2>
         <a:srgbClr val="44546A"/>
@@ -8451,7 +8430,7 @@
         </a:effectStyle>
         <a:effectStyle>
           <a:effectLst>
-            <a:outerShdw blurRad="57150" dist="19050" dir="5400000" algn="ctr" rotWithShape="0">
+            <a:outerShdw algn="ctr" blurRad="57150" dir="5400000" dist="19050" rotWithShape="0">
               <a:srgbClr val="000000">
                 <a:alpha val="63000"/>
               </a:srgbClr>
@@ -8499,12 +8478,5 @@
       </a:bgFillStyleLst>
     </a:fmtScheme>
   </a:themeElements>
-  <a:objectDefaults/>
-  <a:extraClrSchemeLst/>
-  <a:extLst>
-    <a:ext uri="{05A4C25C-085E-4340-85A3-A5531E510DB2}">
-      <thm15:themeFamily xmlns:thm15="http://schemas.microsoft.com/office/thememl/2012/main" name="Office Theme" id="{62F939B6-93AF-4DB8-9C6B-D6C7DFDC589F}" vid="{4A3C46E8-61CC-4603-A589-7422A47A8E4A}"/>
-    </a:ext>
-  </a:extLst>
 </a:theme>
 </file>